--- a/答辩模板.pptx
+++ b/答辩模板.pptx
@@ -1,33 +1,36 @@
 
 <file path=ppt/presentation.xml><?xml version="1.0" encoding="utf-8"?>
-<p:presentation xmlns:a="http://schemas.openxmlformats.org/drawingml/2006/main" xmlns:r="http://schemas.openxmlformats.org/officeDocument/2006/relationships" xmlns:p="http://schemas.openxmlformats.org/presentationml/2006/main" saveSubsetFonts="1">
+<p:presentation xmlns:a="http://schemas.openxmlformats.org/drawingml/2006/main" xmlns:r="http://schemas.openxmlformats.org/officeDocument/2006/relationships" xmlns:p="http://schemas.openxmlformats.org/presentationml/2006/main">
   <p:sldMasterIdLst>
-    <p:sldMasterId id="2147483721" r:id="rId1"/>
+    <p:sldMasterId id="2147483648" r:id="rId1"/>
   </p:sldMasterIdLst>
   <p:notesMasterIdLst>
-    <p:notesMasterId r:id="rId19"/>
+    <p:notesMasterId r:id="rId20"/>
   </p:notesMasterIdLst>
   <p:sldIdLst>
-    <p:sldId id="256" r:id="rId2"/>
-    <p:sldId id="257" r:id="rId3"/>
-    <p:sldId id="258" r:id="rId4"/>
-    <p:sldId id="266" r:id="rId5"/>
-    <p:sldId id="259" r:id="rId6"/>
-    <p:sldId id="260" r:id="rId7"/>
-    <p:sldId id="265" r:id="rId8"/>
-    <p:sldId id="268" r:id="rId9"/>
-    <p:sldId id="267" r:id="rId10"/>
-    <p:sldId id="272" r:id="rId11"/>
-    <p:sldId id="261" r:id="rId12"/>
-    <p:sldId id="262" r:id="rId13"/>
-    <p:sldId id="263" r:id="rId14"/>
-    <p:sldId id="264" r:id="rId15"/>
-    <p:sldId id="270" r:id="rId16"/>
-    <p:sldId id="271" r:id="rId17"/>
-    <p:sldId id="269" r:id="rId18"/>
+    <p:sldId id="256" r:id="rId3"/>
+    <p:sldId id="257" r:id="rId4"/>
+    <p:sldId id="258" r:id="rId5"/>
+    <p:sldId id="266" r:id="rId6"/>
+    <p:sldId id="259" r:id="rId7"/>
+    <p:sldId id="260" r:id="rId8"/>
+    <p:sldId id="265" r:id="rId9"/>
+    <p:sldId id="268" r:id="rId10"/>
+    <p:sldId id="267" r:id="rId11"/>
+    <p:sldId id="272" r:id="rId12"/>
+    <p:sldId id="261" r:id="rId13"/>
+    <p:sldId id="262" r:id="rId14"/>
+    <p:sldId id="263" r:id="rId15"/>
+    <p:sldId id="264" r:id="rId16"/>
+    <p:sldId id="270" r:id="rId17"/>
+    <p:sldId id="271" r:id="rId18"/>
+    <p:sldId id="269" r:id="rId19"/>
   </p:sldIdLst>
   <p:sldSz cx="12192000" cy="6858000"/>
   <p:notesSz cx="6858000" cy="9144000"/>
+  <p:custDataLst>
+    <p:tags r:id="rId24"/>
+  </p:custDataLst>
   <p:defaultTextStyle>
     <a:defPPr>
       <a:defRPr lang="zh-CN"/>
@@ -123,11 +126,6 @@
       </a:defRPr>
     </a:lvl9pPr>
   </p:defaultTextStyle>
-  <p:extLst>
-    <p:ext uri="{EFAFB233-063F-42B5-8137-9DF3F51BA10A}">
-      <p15:sldGuideLst xmlns:p15="http://schemas.microsoft.com/office/powerpoint/2012/main"/>
-    </p:ext>
-  </p:extLst>
 </p:presentation>
 </file>
 
@@ -213,7 +211,6 @@
           <a:p>
             <a:fld id="{FA3B6A60-66AB-4434-8ED2-AB1C8F279AD0}" type="datetimeFigureOut">
               <a:rPr lang="zh-CN" altLang="en-US" smtClean="0"/>
-              <a:t>2024/4/20</a:t>
             </a:fld>
             <a:endParaRPr lang="zh-CN" altLang="en-US"/>
           </a:p>
@@ -280,6 +277,7 @@
               <a:rPr lang="zh-CN" altLang="en-US"/>
               <a:t>编辑母版文本样式</a:t>
             </a:r>
+            <a:endParaRPr lang="zh-CN" altLang="en-US"/>
           </a:p>
           <a:p>
             <a:pPr lvl="1"/>
@@ -287,6 +285,7 @@
               <a:rPr lang="zh-CN" altLang="en-US"/>
               <a:t>第二级</a:t>
             </a:r>
+            <a:endParaRPr lang="zh-CN" altLang="en-US"/>
           </a:p>
           <a:p>
             <a:pPr lvl="2"/>
@@ -294,6 +293,7 @@
               <a:rPr lang="zh-CN" altLang="en-US"/>
               <a:t>第三级</a:t>
             </a:r>
+            <a:endParaRPr lang="zh-CN" altLang="en-US"/>
           </a:p>
           <a:p>
             <a:pPr lvl="3"/>
@@ -301,6 +301,7 @@
               <a:rPr lang="zh-CN" altLang="en-US"/>
               <a:t>第四级</a:t>
             </a:r>
+            <a:endParaRPr lang="zh-CN" altLang="en-US"/>
           </a:p>
           <a:p>
             <a:pPr lvl="4"/>
@@ -308,6 +309,7 @@
               <a:rPr lang="zh-CN" altLang="en-US"/>
               <a:t>第五级</a:t>
             </a:r>
+            <a:endParaRPr lang="zh-CN" altLang="en-US"/>
           </a:p>
         </p:txBody>
       </p:sp>
@@ -371,18 +373,12 @@
           <a:p>
             <a:fld id="{1AA1666E-0EAE-4BB0-B5D8-05702DC4D439}" type="slidenum">
               <a:rPr lang="zh-CN" altLang="en-US" smtClean="0"/>
-              <a:t>‹#›</a:t>
             </a:fld>
             <a:endParaRPr lang="zh-CN" altLang="en-US"/>
           </a:p>
         </p:txBody>
       </p:sp>
     </p:spTree>
-    <p:extLst>
-      <p:ext uri="{BB962C8B-B14F-4D97-AF65-F5344CB8AC3E}">
-        <p14:creationId xmlns:p14="http://schemas.microsoft.com/office/powerpoint/2010/main" val="4248765271"/>
-      </p:ext>
-    </p:extLst>
   </p:cSld>
   <p:clrMap bg1="lt1" tx1="dk1" bg2="lt2" tx2="dk2" accent1="accent1" accent2="accent2" accent3="accent3" accent4="accent4" accent5="accent5" accent6="accent6" hlink="hlink" folHlink="folHlink"/>
   <p:notesStyle>
@@ -499,13 +495,7 @@
       </p:grpSpPr>
       <p:sp>
         <p:nvSpPr>
-          <p:cNvPr id="3" name="Subtitle 2">
-            <a:extLst>
-              <a:ext uri="{FF2B5EF4-FFF2-40B4-BE49-F238E27FC236}">
-                <a16:creationId xmlns:a16="http://schemas.microsoft.com/office/drawing/2014/main" id="{D2A38214-5857-FC4E-B923-056100E16BCA}"/>
-              </a:ext>
-            </a:extLst>
-          </p:cNvPr>
+          <p:cNvPr id="3" name="Subtitle 2"/>
           <p:cNvSpPr>
             <a:spLocks noGrp="1"/>
           </p:cNvSpPr>
@@ -529,13 +519,13 @@
           <a:lstStyle>
             <a:lvl1pPr marL="0" indent="0" algn="l">
               <a:lnSpc>
-                <a:spcPts val="3428"/>
+                <a:spcPts val="3430"/>
               </a:lnSpc>
               <a:spcBef>
                 <a:spcPts val="0"/>
               </a:spcBef>
               <a:buNone/>
-              <a:defRPr sz="2798" b="1" baseline="0">
+              <a:defRPr sz="2800" b="1" baseline="0">
                 <a:solidFill>
                   <a:srgbClr val="A72126"/>
                 </a:solidFill>
@@ -543,37 +533,37 @@
                 <a:ea typeface="微软雅黑" panose="020B0503020204020204" pitchFamily="34" charset="-122"/>
               </a:defRPr>
             </a:lvl1pPr>
-            <a:lvl2pPr marL="593425" indent="0" algn="ctr">
+            <a:lvl2pPr marL="593725" indent="0" algn="ctr">
               <a:buNone/>
-              <a:defRPr sz="2596"/>
+              <a:defRPr sz="2595"/>
             </a:lvl2pPr>
-            <a:lvl3pPr marL="1186848" indent="0" algn="ctr">
+            <a:lvl3pPr marL="1186815" indent="0" algn="ctr">
               <a:buNone/>
-              <a:defRPr sz="2336"/>
+              <a:defRPr sz="2335"/>
             </a:lvl3pPr>
-            <a:lvl4pPr marL="1780274" indent="0" algn="ctr">
+            <a:lvl4pPr marL="1780540" indent="0" algn="ctr">
               <a:buNone/>
-              <a:defRPr sz="2077"/>
+              <a:defRPr sz="2075"/>
             </a:lvl4pPr>
-            <a:lvl5pPr marL="2373698" indent="0" algn="ctr">
+            <a:lvl5pPr marL="2373630" indent="0" algn="ctr">
               <a:buNone/>
-              <a:defRPr sz="2077"/>
+              <a:defRPr sz="2075"/>
             </a:lvl5pPr>
-            <a:lvl6pPr marL="2967122" indent="0" algn="ctr">
+            <a:lvl6pPr marL="2967355" indent="0" algn="ctr">
               <a:buNone/>
-              <a:defRPr sz="2077"/>
+              <a:defRPr sz="2075"/>
             </a:lvl6pPr>
-            <a:lvl7pPr marL="3560546" indent="0" algn="ctr">
+            <a:lvl7pPr marL="3560445" indent="0" algn="ctr">
               <a:buNone/>
-              <a:defRPr sz="2077"/>
+              <a:defRPr sz="2075"/>
             </a:lvl7pPr>
-            <a:lvl8pPr marL="4153972" indent="0" algn="ctr">
+            <a:lvl8pPr marL="4154170" indent="0" algn="ctr">
               <a:buNone/>
-              <a:defRPr sz="2077"/>
+              <a:defRPr sz="2075"/>
             </a:lvl8pPr>
-            <a:lvl9pPr marL="4747395" indent="0" algn="ctr">
+            <a:lvl9pPr marL="4747260" indent="0" algn="ctr">
               <a:buNone/>
-              <a:defRPr sz="2077"/>
+              <a:defRPr sz="2075"/>
             </a:lvl9pPr>
           </a:lstStyle>
           <a:p>
@@ -586,11 +576,6 @@
         </p:txBody>
       </p:sp>
     </p:spTree>
-    <p:extLst>
-      <p:ext uri="{BB962C8B-B14F-4D97-AF65-F5344CB8AC3E}">
-        <p14:creationId xmlns:p14="http://schemas.microsoft.com/office/powerpoint/2010/main" val="1299263965"/>
-      </p:ext>
-    </p:extLst>
   </p:cSld>
   <p:clrMapOvr>
     <a:masterClrMapping/>
@@ -617,13 +602,7 @@
       </p:grpSpPr>
       <p:sp>
         <p:nvSpPr>
-          <p:cNvPr id="3" name="Subtitle 2">
-            <a:extLst>
-              <a:ext uri="{FF2B5EF4-FFF2-40B4-BE49-F238E27FC236}">
-                <a16:creationId xmlns:a16="http://schemas.microsoft.com/office/drawing/2014/main" id="{D2A38214-5857-FC4E-B923-056100E16BCA}"/>
-              </a:ext>
-            </a:extLst>
-          </p:cNvPr>
+          <p:cNvPr id="3" name="Subtitle 2"/>
           <p:cNvSpPr>
             <a:spLocks noGrp="1"/>
           </p:cNvSpPr>
@@ -647,13 +626,13 @@
           <a:lstStyle>
             <a:lvl1pPr marL="0" indent="0" algn="l">
               <a:lnSpc>
-                <a:spcPts val="3428"/>
+                <a:spcPts val="3430"/>
               </a:lnSpc>
               <a:spcBef>
                 <a:spcPts val="0"/>
               </a:spcBef>
               <a:buNone/>
-              <a:defRPr sz="2798" b="1" baseline="0">
+              <a:defRPr sz="2800" b="1" baseline="0">
                 <a:solidFill>
                   <a:srgbClr val="A72126"/>
                 </a:solidFill>
@@ -661,37 +640,37 @@
                 <a:ea typeface="微软雅黑" panose="020B0503020204020204" pitchFamily="34" charset="-122"/>
               </a:defRPr>
             </a:lvl1pPr>
-            <a:lvl2pPr marL="593425" indent="0" algn="ctr">
+            <a:lvl2pPr marL="593725" indent="0" algn="ctr">
               <a:buNone/>
-              <a:defRPr sz="2596"/>
+              <a:defRPr sz="2595"/>
             </a:lvl2pPr>
-            <a:lvl3pPr marL="1186848" indent="0" algn="ctr">
+            <a:lvl3pPr marL="1186815" indent="0" algn="ctr">
               <a:buNone/>
-              <a:defRPr sz="2336"/>
+              <a:defRPr sz="2335"/>
             </a:lvl3pPr>
-            <a:lvl4pPr marL="1780274" indent="0" algn="ctr">
+            <a:lvl4pPr marL="1780540" indent="0" algn="ctr">
               <a:buNone/>
-              <a:defRPr sz="2077"/>
+              <a:defRPr sz="2075"/>
             </a:lvl4pPr>
-            <a:lvl5pPr marL="2373698" indent="0" algn="ctr">
+            <a:lvl5pPr marL="2373630" indent="0" algn="ctr">
               <a:buNone/>
-              <a:defRPr sz="2077"/>
+              <a:defRPr sz="2075"/>
             </a:lvl5pPr>
-            <a:lvl6pPr marL="2967122" indent="0" algn="ctr">
+            <a:lvl6pPr marL="2967355" indent="0" algn="ctr">
               <a:buNone/>
-              <a:defRPr sz="2077"/>
+              <a:defRPr sz="2075"/>
             </a:lvl6pPr>
-            <a:lvl7pPr marL="3560546" indent="0" algn="ctr">
+            <a:lvl7pPr marL="3560445" indent="0" algn="ctr">
               <a:buNone/>
-              <a:defRPr sz="2077"/>
+              <a:defRPr sz="2075"/>
             </a:lvl7pPr>
-            <a:lvl8pPr marL="4153972" indent="0" algn="ctr">
+            <a:lvl8pPr marL="4154170" indent="0" algn="ctr">
               <a:buNone/>
-              <a:defRPr sz="2077"/>
+              <a:defRPr sz="2075"/>
             </a:lvl8pPr>
-            <a:lvl9pPr marL="4747395" indent="0" algn="ctr">
+            <a:lvl9pPr marL="4747260" indent="0" algn="ctr">
               <a:buNone/>
-              <a:defRPr sz="2077"/>
+              <a:defRPr sz="2075"/>
             </a:lvl9pPr>
           </a:lstStyle>
           <a:p>
@@ -705,13 +684,7 @@
       </p:sp>
       <p:sp>
         <p:nvSpPr>
-          <p:cNvPr id="4" name="文本占位符 3">
-            <a:extLst>
-              <a:ext uri="{FF2B5EF4-FFF2-40B4-BE49-F238E27FC236}">
-                <a16:creationId xmlns:a16="http://schemas.microsoft.com/office/drawing/2014/main" id="{7B628DA2-B728-1C24-0CEB-8CA7D4AAB215}"/>
-              </a:ext>
-            </a:extLst>
-          </p:cNvPr>
+          <p:cNvPr id="4" name="文本占位符 3"/>
           <p:cNvSpPr>
             <a:spLocks noGrp="1"/>
           </p:cNvSpPr>
@@ -753,6 +726,7 @@
               <a:rPr lang="zh-CN" altLang="en-US" dirty="0"/>
               <a:t>单击此处编辑母版文本样式</a:t>
             </a:r>
+            <a:endParaRPr lang="zh-CN" altLang="en-US" dirty="0"/>
           </a:p>
           <a:p>
             <a:pPr lvl="1"/>
@@ -760,6 +734,7 @@
               <a:rPr lang="zh-CN" altLang="en-US" dirty="0"/>
               <a:t>二级</a:t>
             </a:r>
+            <a:endParaRPr lang="zh-CN" altLang="en-US" dirty="0"/>
           </a:p>
           <a:p>
             <a:pPr lvl="2"/>
@@ -767,6 +742,7 @@
               <a:rPr lang="zh-CN" altLang="en-US" dirty="0"/>
               <a:t>三级</a:t>
             </a:r>
+            <a:endParaRPr lang="zh-CN" altLang="en-US" dirty="0"/>
           </a:p>
           <a:p>
             <a:pPr lvl="3"/>
@@ -774,6 +750,7 @@
               <a:rPr lang="zh-CN" altLang="en-US" dirty="0"/>
               <a:t>四级</a:t>
             </a:r>
+            <a:endParaRPr lang="zh-CN" altLang="en-US" dirty="0"/>
           </a:p>
           <a:p>
             <a:pPr lvl="4"/>
@@ -781,15 +758,11 @@
               <a:rPr lang="zh-CN" altLang="en-US" dirty="0"/>
               <a:t>五级</a:t>
             </a:r>
+            <a:endParaRPr lang="zh-CN" altLang="en-US" dirty="0"/>
           </a:p>
         </p:txBody>
       </p:sp>
     </p:spTree>
-    <p:extLst>
-      <p:ext uri="{BB962C8B-B14F-4D97-AF65-F5344CB8AC3E}">
-        <p14:creationId xmlns:p14="http://schemas.microsoft.com/office/powerpoint/2010/main" val="1091538600"/>
-      </p:ext>
-    </p:extLst>
   </p:cSld>
   <p:clrMapOvr>
     <a:masterClrMapping/>
@@ -852,13 +825,7 @@
           </p:grpSpPr>
           <p:sp>
             <p:nvSpPr>
-              <p:cNvPr id="44" name="矩形 5">
-                <a:extLst>
-                  <a:ext uri="{FF2B5EF4-FFF2-40B4-BE49-F238E27FC236}">
-                    <a16:creationId xmlns:a16="http://schemas.microsoft.com/office/drawing/2014/main" id="{3B0B5EC2-EA55-CC45-A9D0-D5EA5D768C99}"/>
-                  </a:ext>
-                </a:extLst>
-              </p:cNvPr>
+              <p:cNvPr id="44" name="矩形 5"/>
               <p:cNvSpPr/>
               <p:nvPr userDrawn="1"/>
             </p:nvSpPr>
@@ -897,26 +864,26 @@
               <a:bodyPr lIns="0" tIns="0" rIns="0" bIns="0" rtlCol="0" anchor="ctr"/>
               <a:lstStyle/>
               <a:p>
-                <a:pPr algn="ctr" defTabSz="913381"/>
+                <a:pPr algn="ctr" defTabSz="913130"/>
                 <a:r>
                   <a:rPr kumimoji="1" lang="en-US" altLang="zh-CN" sz="700" b="1" dirty="0">
                     <a:solidFill>
                       <a:srgbClr val="FFFFFF"/>
                     </a:solidFill>
-                    <a:latin typeface="Arial" charset="0"/>
-                    <a:ea typeface="Arial" charset="0"/>
-                    <a:cs typeface="Arial" charset="0"/>
+                    <a:latin typeface="Arial" panose="020B0604020202020204" pitchFamily="34" charset="0"/>
+                    <a:ea typeface="Arial" panose="020B0604020202020204" pitchFamily="34" charset="0"/>
+                    <a:cs typeface="Arial" panose="020B0604020202020204" pitchFamily="34" charset="0"/>
                   </a:rPr>
                   <a:t>P</a:t>
                 </a:r>
                 <a:r>
-                  <a:rPr kumimoji="1" lang="en-US" altLang="zh-Hant" sz="700" b="1" dirty="0">
+                  <a:rPr kumimoji="1" lang="en-US" altLang="en-US" sz="700" b="1" dirty="0">
                     <a:solidFill>
                       <a:srgbClr val="FFFFFF"/>
                     </a:solidFill>
-                    <a:latin typeface="Arial" charset="0"/>
-                    <a:ea typeface="Arial" charset="0"/>
-                    <a:cs typeface="Arial" charset="0"/>
+                    <a:latin typeface="Arial" panose="020B0604020202020204" pitchFamily="34" charset="0"/>
+                    <a:ea typeface="Arial" panose="020B0604020202020204" pitchFamily="34" charset="0"/>
+                    <a:cs typeface="Arial" panose="020B0604020202020204" pitchFamily="34" charset="0"/>
                   </a:rPr>
                   <a:t>ANTONE</a:t>
                 </a:r>
@@ -925,38 +892,48 @@
                     <a:solidFill>
                       <a:srgbClr val="FFFFFF"/>
                     </a:solidFill>
-                    <a:latin typeface="Arial" charset="0"/>
-                    <a:ea typeface="Arial" charset="0"/>
-                    <a:cs typeface="Arial" charset="0"/>
+                    <a:latin typeface="Arial" panose="020B0604020202020204" pitchFamily="34" charset="0"/>
+                    <a:ea typeface="Arial" panose="020B0604020202020204" pitchFamily="34" charset="0"/>
+                    <a:cs typeface="Arial" panose="020B0604020202020204" pitchFamily="34" charset="0"/>
                   </a:rPr>
                   <a:t> 186C</a:t>
                 </a:r>
+                <a:endParaRPr kumimoji="1" lang="en-US" altLang="zh-CN" sz="700" b="1" dirty="0">
+                  <a:solidFill>
+                    <a:srgbClr val="FFFFFF"/>
+                  </a:solidFill>
+                  <a:latin typeface="Arial" panose="020B0604020202020204" pitchFamily="34" charset="0"/>
+                  <a:ea typeface="Arial" panose="020B0604020202020204" pitchFamily="34" charset="0"/>
+                  <a:cs typeface="Arial" panose="020B0604020202020204" pitchFamily="34" charset="0"/>
+                </a:endParaRPr>
               </a:p>
               <a:p>
-                <a:pPr algn="ctr" defTabSz="913381"/>
+                <a:pPr algn="ctr" defTabSz="913130"/>
                 <a:r>
                   <a:rPr kumimoji="1" lang="en-US" altLang="zh-CN" sz="700" b="1" dirty="0">
                     <a:solidFill>
                       <a:srgbClr val="FFFFFF"/>
                     </a:solidFill>
-                    <a:latin typeface="Arial" charset="0"/>
-                    <a:ea typeface="Arial" charset="0"/>
-                    <a:cs typeface="Arial" charset="0"/>
+                    <a:latin typeface="Arial" panose="020B0604020202020204" pitchFamily="34" charset="0"/>
+                    <a:ea typeface="Arial" panose="020B0604020202020204" pitchFamily="34" charset="0"/>
+                    <a:cs typeface="Arial" panose="020B0604020202020204" pitchFamily="34" charset="0"/>
                   </a:rPr>
                   <a:t>RGB 200/16/46</a:t>
                 </a:r>
+                <a:endParaRPr kumimoji="1" lang="en-US" altLang="zh-CN" sz="700" b="1" dirty="0">
+                  <a:solidFill>
+                    <a:srgbClr val="FFFFFF"/>
+                  </a:solidFill>
+                  <a:latin typeface="Arial" panose="020B0604020202020204" pitchFamily="34" charset="0"/>
+                  <a:ea typeface="Arial" panose="020B0604020202020204" pitchFamily="34" charset="0"/>
+                  <a:cs typeface="Arial" panose="020B0604020202020204" pitchFamily="34" charset="0"/>
+                </a:endParaRPr>
               </a:p>
             </p:txBody>
           </p:sp>
           <p:sp>
             <p:nvSpPr>
-              <p:cNvPr id="45" name="矩形 9">
-                <a:extLst>
-                  <a:ext uri="{FF2B5EF4-FFF2-40B4-BE49-F238E27FC236}">
-                    <a16:creationId xmlns:a16="http://schemas.microsoft.com/office/drawing/2014/main" id="{992224C5-04A6-C041-B257-13137945DBB8}"/>
-                  </a:ext>
-                </a:extLst>
-              </p:cNvPr>
+              <p:cNvPr id="45" name="矩形 9"/>
               <p:cNvSpPr/>
               <p:nvPr userDrawn="1"/>
             </p:nvSpPr>
@@ -995,26 +972,26 @@
               <a:bodyPr lIns="0" tIns="0" rIns="0" bIns="0" rtlCol="0" anchor="ctr"/>
               <a:lstStyle/>
               <a:p>
-                <a:pPr algn="ctr" defTabSz="913381"/>
+                <a:pPr algn="ctr" defTabSz="913130"/>
                 <a:r>
                   <a:rPr kumimoji="1" lang="en-US" altLang="zh-CN" sz="700" b="1" dirty="0">
                     <a:solidFill>
                       <a:srgbClr val="FFFFFF"/>
                     </a:solidFill>
-                    <a:latin typeface="Arial" charset="0"/>
-                    <a:ea typeface="Arial" charset="0"/>
-                    <a:cs typeface="Arial" charset="0"/>
+                    <a:latin typeface="Arial" panose="020B0604020202020204" pitchFamily="34" charset="0"/>
+                    <a:ea typeface="Arial" panose="020B0604020202020204" pitchFamily="34" charset="0"/>
+                    <a:cs typeface="Arial" panose="020B0604020202020204" pitchFamily="34" charset="0"/>
                   </a:rPr>
                   <a:t>P</a:t>
                 </a:r>
                 <a:r>
-                  <a:rPr kumimoji="1" lang="en-US" altLang="zh-Hant" sz="700" b="1" dirty="0">
+                  <a:rPr kumimoji="1" lang="en-US" altLang="en-US" sz="700" b="1" dirty="0">
                     <a:solidFill>
                       <a:srgbClr val="FFFFFF"/>
                     </a:solidFill>
-                    <a:latin typeface="Arial" charset="0"/>
-                    <a:ea typeface="Arial" charset="0"/>
-                    <a:cs typeface="Arial" charset="0"/>
+                    <a:latin typeface="Arial" panose="020B0604020202020204" pitchFamily="34" charset="0"/>
+                    <a:ea typeface="Arial" panose="020B0604020202020204" pitchFamily="34" charset="0"/>
+                    <a:cs typeface="Arial" panose="020B0604020202020204" pitchFamily="34" charset="0"/>
                   </a:rPr>
                   <a:t>ANTONE</a:t>
                 </a:r>
@@ -1023,38 +1000,48 @@
                     <a:solidFill>
                       <a:srgbClr val="FFFFFF"/>
                     </a:solidFill>
-                    <a:latin typeface="Arial" charset="0"/>
-                    <a:ea typeface="Arial" charset="0"/>
-                    <a:cs typeface="Arial" charset="0"/>
+                    <a:latin typeface="Arial" panose="020B0604020202020204" pitchFamily="34" charset="0"/>
+                    <a:ea typeface="Arial" panose="020B0604020202020204" pitchFamily="34" charset="0"/>
+                    <a:cs typeface="Arial" panose="020B0604020202020204" pitchFamily="34" charset="0"/>
                   </a:rPr>
                   <a:t> 185C</a:t>
                 </a:r>
+                <a:endParaRPr kumimoji="1" lang="en-US" altLang="zh-CN" sz="700" b="1" dirty="0">
+                  <a:solidFill>
+                    <a:srgbClr val="FFFFFF"/>
+                  </a:solidFill>
+                  <a:latin typeface="Arial" panose="020B0604020202020204" pitchFamily="34" charset="0"/>
+                  <a:ea typeface="Arial" panose="020B0604020202020204" pitchFamily="34" charset="0"/>
+                  <a:cs typeface="Arial" panose="020B0604020202020204" pitchFamily="34" charset="0"/>
+                </a:endParaRPr>
               </a:p>
               <a:p>
-                <a:pPr algn="ctr" defTabSz="913381"/>
+                <a:pPr algn="ctr" defTabSz="913130"/>
                 <a:r>
                   <a:rPr kumimoji="1" lang="en-US" altLang="zh-CN" sz="700" b="1" dirty="0">
                     <a:solidFill>
                       <a:srgbClr val="FFFFFF"/>
                     </a:solidFill>
-                    <a:latin typeface="Arial" charset="0"/>
-                    <a:ea typeface="Arial" charset="0"/>
-                    <a:cs typeface="Arial" charset="0"/>
+                    <a:latin typeface="Arial" panose="020B0604020202020204" pitchFamily="34" charset="0"/>
+                    <a:ea typeface="Arial" panose="020B0604020202020204" pitchFamily="34" charset="0"/>
+                    <a:cs typeface="Arial" panose="020B0604020202020204" pitchFamily="34" charset="0"/>
                   </a:rPr>
                   <a:t>RGB 199/0/11</a:t>
                 </a:r>
+                <a:endParaRPr kumimoji="1" lang="en-US" altLang="zh-CN" sz="700" b="1" dirty="0">
+                  <a:solidFill>
+                    <a:srgbClr val="FFFFFF"/>
+                  </a:solidFill>
+                  <a:latin typeface="Arial" panose="020B0604020202020204" pitchFamily="34" charset="0"/>
+                  <a:ea typeface="Arial" panose="020B0604020202020204" pitchFamily="34" charset="0"/>
+                  <a:cs typeface="Arial" panose="020B0604020202020204" pitchFamily="34" charset="0"/>
+                </a:endParaRPr>
               </a:p>
             </p:txBody>
           </p:sp>
           <p:sp>
             <p:nvSpPr>
-              <p:cNvPr id="46" name="文本框 31">
-                <a:extLst>
-                  <a:ext uri="{FF2B5EF4-FFF2-40B4-BE49-F238E27FC236}">
-                    <a16:creationId xmlns:a16="http://schemas.microsoft.com/office/drawing/2014/main" id="{58918196-0639-EE4B-AFC2-315BE04587B9}"/>
-                  </a:ext>
-                </a:extLst>
-              </p:cNvPr>
+              <p:cNvPr id="46" name="文本框 31"/>
               <p:cNvSpPr txBox="1"/>
               <p:nvPr userDrawn="1"/>
             </p:nvSpPr>
@@ -1074,16 +1061,22 @@
               </a:bodyPr>
               <a:lstStyle/>
               <a:p>
-                <a:pPr algn="ctr" defTabSz="913381"/>
+                <a:pPr algn="ctr" defTabSz="913130"/>
                 <a:r>
                   <a:rPr kumimoji="1" lang="zh-CN" altLang="en-US" sz="1000" dirty="0">
                     <a:solidFill>
                       <a:srgbClr val="1D1D1A"/>
                     </a:solidFill>
-                    <a:latin typeface="Microsoft YaHei" panose="020B0503020204020204" pitchFamily="34" charset="-122"/>
+                    <a:latin typeface="微软雅黑" panose="020B0503020204020204" pitchFamily="34" charset="-122"/>
                   </a:rPr>
                   <a:t>品牌色</a:t>
                 </a:r>
+                <a:endParaRPr kumimoji="1" lang="zh-CN" altLang="en-US" sz="1000" dirty="0">
+                  <a:solidFill>
+                    <a:srgbClr val="1D1D1A"/>
+                  </a:solidFill>
+                  <a:latin typeface="微软雅黑" panose="020B0503020204020204" pitchFamily="34" charset="-122"/>
+                </a:endParaRPr>
               </a:p>
             </p:txBody>
           </p:sp>
@@ -1104,13 +1097,7 @@
           </p:grpSpPr>
           <p:sp>
             <p:nvSpPr>
-              <p:cNvPr id="28" name="矩形 12">
-                <a:extLst>
-                  <a:ext uri="{FF2B5EF4-FFF2-40B4-BE49-F238E27FC236}">
-                    <a16:creationId xmlns:a16="http://schemas.microsoft.com/office/drawing/2014/main" id="{DCA8B73C-0B87-284F-805F-752EBF20B768}"/>
-                  </a:ext>
-                </a:extLst>
-              </p:cNvPr>
+              <p:cNvPr id="28" name="矩形 12"/>
               <p:cNvSpPr/>
               <p:nvPr userDrawn="1"/>
             </p:nvSpPr>
@@ -1151,15 +1138,15 @@
               <a:bodyPr lIns="0" tIns="0" rIns="0" bIns="0" rtlCol="0" anchor="ctr"/>
               <a:lstStyle/>
               <a:p>
-                <a:pPr algn="ctr" defTabSz="913381"/>
+                <a:pPr algn="ctr" defTabSz="913130"/>
                 <a:r>
-                  <a:rPr kumimoji="1" lang="mr-IN" altLang="zh-CN" sz="700" b="1" dirty="0">
+                  <a:rPr kumimoji="1" lang="en-US" altLang="zh-CN" sz="700" b="1" dirty="0">
                     <a:solidFill>
                       <a:srgbClr val="FFFFFF"/>
                     </a:solidFill>
-                    <a:latin typeface="Arial" charset="0"/>
-                    <a:ea typeface="Arial" charset="0"/>
-                    <a:cs typeface="Arial" charset="0"/>
+                    <a:latin typeface="Arial" panose="020B0604020202020204" pitchFamily="34" charset="0"/>
+                    <a:ea typeface="Arial" panose="020B0604020202020204" pitchFamily="34" charset="0"/>
+                    <a:cs typeface="Arial" panose="020B0604020202020204" pitchFamily="34" charset="0"/>
                   </a:rPr>
                   <a:t>RGB</a:t>
                 </a:r>
@@ -1168,20 +1155,20 @@
                     <a:solidFill>
                       <a:srgbClr val="FFFFFF"/>
                     </a:solidFill>
-                    <a:latin typeface="Arial" charset="0"/>
-                    <a:ea typeface="Arial" charset="0"/>
-                    <a:cs typeface="Arial" charset="0"/>
+                    <a:latin typeface="Arial" panose="020B0604020202020204" pitchFamily="34" charset="0"/>
+                    <a:ea typeface="Arial" panose="020B0604020202020204" pitchFamily="34" charset="0"/>
+                    <a:cs typeface="Arial" panose="020B0604020202020204" pitchFamily="34" charset="0"/>
                   </a:rPr>
                   <a:t> 234</a:t>
                 </a:r>
                 <a:r>
-                  <a:rPr kumimoji="1" lang="mr-IN" altLang="zh-CN" sz="700" b="1" dirty="0">
+                  <a:rPr kumimoji="1" lang="en-US" altLang="zh-CN" sz="700" b="1" dirty="0">
                     <a:solidFill>
                       <a:srgbClr val="FFFFFF"/>
                     </a:solidFill>
-                    <a:latin typeface="Arial" charset="0"/>
-                    <a:ea typeface="Arial" charset="0"/>
-                    <a:cs typeface="Arial" charset="0"/>
+                    <a:latin typeface="Arial" panose="020B0604020202020204" pitchFamily="34" charset="0"/>
+                    <a:ea typeface="Arial" panose="020B0604020202020204" pitchFamily="34" charset="0"/>
+                    <a:cs typeface="Arial" panose="020B0604020202020204" pitchFamily="34" charset="0"/>
                   </a:rPr>
                   <a:t>/</a:t>
                 </a:r>
@@ -1190,32 +1177,26 @@
                     <a:solidFill>
                       <a:srgbClr val="FFFFFF"/>
                     </a:solidFill>
-                    <a:latin typeface="Arial" charset="0"/>
-                    <a:ea typeface="Arial" charset="0"/>
-                    <a:cs typeface="Arial" charset="0"/>
+                    <a:latin typeface="Arial" panose="020B0604020202020204" pitchFamily="34" charset="0"/>
+                    <a:ea typeface="Arial" panose="020B0604020202020204" pitchFamily="34" charset="0"/>
+                    <a:cs typeface="Arial" panose="020B0604020202020204" pitchFamily="34" charset="0"/>
                   </a:rPr>
                   <a:t>90/79</a:t>
                 </a:r>
-                <a:endParaRPr kumimoji="1" lang="mr-IN" altLang="zh-CN" sz="700" b="1" dirty="0">
+                <a:endParaRPr kumimoji="1" lang="en-US" altLang="zh-CN" sz="700" b="1" dirty="0">
                   <a:solidFill>
                     <a:srgbClr val="FFFFFF"/>
                   </a:solidFill>
-                  <a:latin typeface="Arial" charset="0"/>
-                  <a:ea typeface="Arial" charset="0"/>
-                  <a:cs typeface="Arial" charset="0"/>
+                  <a:latin typeface="Arial" panose="020B0604020202020204" pitchFamily="34" charset="0"/>
+                  <a:ea typeface="Arial" panose="020B0604020202020204" pitchFamily="34" charset="0"/>
+                  <a:cs typeface="Arial" panose="020B0604020202020204" pitchFamily="34" charset="0"/>
                 </a:endParaRPr>
               </a:p>
             </p:txBody>
           </p:sp>
           <p:sp>
             <p:nvSpPr>
-              <p:cNvPr id="29" name="矩形 13">
-                <a:extLst>
-                  <a:ext uri="{FF2B5EF4-FFF2-40B4-BE49-F238E27FC236}">
-                    <a16:creationId xmlns:a16="http://schemas.microsoft.com/office/drawing/2014/main" id="{138A39A8-BB4E-CD4E-9201-F1785C874F92}"/>
-                  </a:ext>
-                </a:extLst>
-              </p:cNvPr>
+              <p:cNvPr id="29" name="矩形 13"/>
               <p:cNvSpPr/>
               <p:nvPr userDrawn="1"/>
             </p:nvSpPr>
@@ -1254,15 +1235,15 @@
               <a:bodyPr lIns="0" tIns="0" rIns="0" bIns="0" rtlCol="0" anchor="ctr"/>
               <a:lstStyle/>
               <a:p>
-                <a:pPr algn="ctr" defTabSz="913381"/>
+                <a:pPr algn="ctr" defTabSz="913130"/>
                 <a:r>
-                  <a:rPr kumimoji="1" lang="mr-IN" altLang="zh-CN" sz="700" b="1" dirty="0">
+                  <a:rPr kumimoji="1" lang="en-US" altLang="zh-CN" sz="700" b="1" dirty="0">
                     <a:solidFill>
                       <a:srgbClr val="FFFFFF"/>
                     </a:solidFill>
-                    <a:latin typeface="Arial" charset="0"/>
-                    <a:ea typeface="Arial" charset="0"/>
-                    <a:cs typeface="Arial" charset="0"/>
+                    <a:latin typeface="Arial" panose="020B0604020202020204" pitchFamily="34" charset="0"/>
+                    <a:ea typeface="Arial" panose="020B0604020202020204" pitchFamily="34" charset="0"/>
+                    <a:cs typeface="Arial" panose="020B0604020202020204" pitchFamily="34" charset="0"/>
                   </a:rPr>
                   <a:t>RGB</a:t>
                 </a:r>
@@ -1271,20 +1252,20 @@
                     <a:solidFill>
                       <a:srgbClr val="FFFFFF"/>
                     </a:solidFill>
-                    <a:latin typeface="Arial" charset="0"/>
-                    <a:ea typeface="Arial" charset="0"/>
-                    <a:cs typeface="Arial" charset="0"/>
+                    <a:latin typeface="Arial" panose="020B0604020202020204" pitchFamily="34" charset="0"/>
+                    <a:ea typeface="Arial" panose="020B0604020202020204" pitchFamily="34" charset="0"/>
+                    <a:cs typeface="Arial" panose="020B0604020202020204" pitchFamily="34" charset="0"/>
                   </a:rPr>
                   <a:t> 120</a:t>
                 </a:r>
                 <a:r>
-                  <a:rPr kumimoji="1" lang="mr-IN" altLang="zh-CN" sz="700" b="1" dirty="0">
+                  <a:rPr kumimoji="1" lang="en-US" altLang="zh-CN" sz="700" b="1" dirty="0">
                     <a:solidFill>
                       <a:srgbClr val="FFFFFF"/>
                     </a:solidFill>
-                    <a:latin typeface="Arial" charset="0"/>
-                    <a:ea typeface="Arial" charset="0"/>
-                    <a:cs typeface="Arial" charset="0"/>
+                    <a:latin typeface="Arial" panose="020B0604020202020204" pitchFamily="34" charset="0"/>
+                    <a:ea typeface="Arial" panose="020B0604020202020204" pitchFamily="34" charset="0"/>
+                    <a:cs typeface="Arial" panose="020B0604020202020204" pitchFamily="34" charset="0"/>
                   </a:rPr>
                   <a:t>/</a:t>
                 </a:r>
@@ -1293,32 +1274,26 @@
                     <a:solidFill>
                       <a:srgbClr val="FFFFFF"/>
                     </a:solidFill>
-                    <a:latin typeface="Arial" charset="0"/>
-                    <a:ea typeface="Arial" charset="0"/>
-                    <a:cs typeface="Arial" charset="0"/>
+                    <a:latin typeface="Arial" panose="020B0604020202020204" pitchFamily="34" charset="0"/>
+                    <a:ea typeface="Arial" panose="020B0604020202020204" pitchFamily="34" charset="0"/>
+                    <a:cs typeface="Arial" panose="020B0604020202020204" pitchFamily="34" charset="0"/>
                   </a:rPr>
                   <a:t>0/15</a:t>
                 </a:r>
-                <a:endParaRPr kumimoji="1" lang="mr-IN" altLang="zh-CN" sz="700" b="1" dirty="0">
+                <a:endParaRPr kumimoji="1" lang="en-US" altLang="zh-CN" sz="700" b="1" dirty="0">
                   <a:solidFill>
                     <a:srgbClr val="FFFFFF"/>
                   </a:solidFill>
-                  <a:latin typeface="Arial" charset="0"/>
-                  <a:ea typeface="Arial" charset="0"/>
-                  <a:cs typeface="Arial" charset="0"/>
+                  <a:latin typeface="Arial" panose="020B0604020202020204" pitchFamily="34" charset="0"/>
+                  <a:ea typeface="Arial" panose="020B0604020202020204" pitchFamily="34" charset="0"/>
+                  <a:cs typeface="Arial" panose="020B0604020202020204" pitchFamily="34" charset="0"/>
                 </a:endParaRPr>
               </a:p>
             </p:txBody>
           </p:sp>
           <p:sp>
             <p:nvSpPr>
-              <p:cNvPr id="30" name="文本框 15">
-                <a:extLst>
-                  <a:ext uri="{FF2B5EF4-FFF2-40B4-BE49-F238E27FC236}">
-                    <a16:creationId xmlns:a16="http://schemas.microsoft.com/office/drawing/2014/main" id="{8F53C07A-1022-C740-8F8D-97538E174D38}"/>
-                  </a:ext>
-                </a:extLst>
-              </p:cNvPr>
+              <p:cNvPr id="30" name="文本框 15"/>
               <p:cNvSpPr txBox="1"/>
               <p:nvPr userDrawn="1"/>
             </p:nvSpPr>
@@ -1338,28 +1313,28 @@
               </a:bodyPr>
               <a:lstStyle/>
               <a:p>
-                <a:pPr algn="ctr" defTabSz="913381"/>
+                <a:pPr algn="ctr" defTabSz="913130"/>
                 <a:r>
                   <a:rPr kumimoji="1" lang="zh-CN" altLang="en-US" sz="1000" dirty="0">
                     <a:solidFill>
                       <a:srgbClr val="1D1D1A"/>
                     </a:solidFill>
-                    <a:latin typeface="Microsoft YaHei" panose="020B0503020204020204" pitchFamily="34" charset="-122"/>
+                    <a:latin typeface="微软雅黑" panose="020B0503020204020204" pitchFamily="34" charset="-122"/>
                   </a:rPr>
                   <a:t>辅助色</a:t>
                 </a:r>
+                <a:endParaRPr kumimoji="1" lang="zh-CN" altLang="en-US" sz="1000" dirty="0">
+                  <a:solidFill>
+                    <a:srgbClr val="1D1D1A"/>
+                  </a:solidFill>
+                  <a:latin typeface="微软雅黑" panose="020B0503020204020204" pitchFamily="34" charset="-122"/>
+                </a:endParaRPr>
               </a:p>
             </p:txBody>
           </p:sp>
           <p:sp>
             <p:nvSpPr>
-              <p:cNvPr id="31" name="矩形 16">
-                <a:extLst>
-                  <a:ext uri="{FF2B5EF4-FFF2-40B4-BE49-F238E27FC236}">
-                    <a16:creationId xmlns:a16="http://schemas.microsoft.com/office/drawing/2014/main" id="{306A7598-C00D-994F-82DA-B39F3C2E0AAD}"/>
-                  </a:ext>
-                </a:extLst>
-              </p:cNvPr>
+              <p:cNvPr id="31" name="矩形 16"/>
               <p:cNvSpPr/>
               <p:nvPr userDrawn="1"/>
             </p:nvSpPr>
@@ -1398,15 +1373,15 @@
               <a:bodyPr lIns="0" tIns="0" rIns="0" bIns="0" rtlCol="0" anchor="ctr"/>
               <a:lstStyle/>
               <a:p>
-                <a:pPr algn="ctr" defTabSz="913381"/>
+                <a:pPr algn="ctr" defTabSz="913130"/>
                 <a:r>
-                  <a:rPr kumimoji="1" lang="mr-IN" altLang="zh-CN" sz="700" b="1" dirty="0">
+                  <a:rPr kumimoji="1" lang="en-US" altLang="zh-CN" sz="700" b="1" dirty="0">
                     <a:solidFill>
                       <a:srgbClr val="FFFFFF"/>
                     </a:solidFill>
-                    <a:latin typeface="Arial" charset="0"/>
-                    <a:ea typeface="Arial" charset="0"/>
-                    <a:cs typeface="Arial" charset="0"/>
+                    <a:latin typeface="Arial" panose="020B0604020202020204" pitchFamily="34" charset="0"/>
+                    <a:ea typeface="Arial" panose="020B0604020202020204" pitchFamily="34" charset="0"/>
+                    <a:cs typeface="Arial" panose="020B0604020202020204" pitchFamily="34" charset="0"/>
                   </a:rPr>
                   <a:t>RGB</a:t>
                 </a:r>
@@ -1415,20 +1390,20 @@
                     <a:solidFill>
                       <a:srgbClr val="FFFFFF"/>
                     </a:solidFill>
-                    <a:latin typeface="Arial" charset="0"/>
-                    <a:ea typeface="Arial" charset="0"/>
-                    <a:cs typeface="Arial" charset="0"/>
+                    <a:latin typeface="Arial" panose="020B0604020202020204" pitchFamily="34" charset="0"/>
+                    <a:ea typeface="Arial" panose="020B0604020202020204" pitchFamily="34" charset="0"/>
+                    <a:cs typeface="Arial" panose="020B0604020202020204" pitchFamily="34" charset="0"/>
                   </a:rPr>
                   <a:t> 248</a:t>
                 </a:r>
                 <a:r>
-                  <a:rPr kumimoji="1" lang="mr-IN" altLang="zh-CN" sz="700" b="1" dirty="0">
+                  <a:rPr kumimoji="1" lang="en-US" altLang="zh-CN" sz="700" b="1" dirty="0">
                     <a:solidFill>
                       <a:srgbClr val="FFFFFF"/>
                     </a:solidFill>
-                    <a:latin typeface="Arial" charset="0"/>
-                    <a:ea typeface="Arial" charset="0"/>
-                    <a:cs typeface="Arial" charset="0"/>
+                    <a:latin typeface="Arial" panose="020B0604020202020204" pitchFamily="34" charset="0"/>
+                    <a:ea typeface="Arial" panose="020B0604020202020204" pitchFamily="34" charset="0"/>
+                    <a:cs typeface="Arial" panose="020B0604020202020204" pitchFamily="34" charset="0"/>
                   </a:rPr>
                   <a:t>/</a:t>
                 </a:r>
@@ -1437,32 +1412,26 @@
                     <a:solidFill>
                       <a:srgbClr val="FFFFFF"/>
                     </a:solidFill>
-                    <a:latin typeface="Arial" charset="0"/>
-                    <a:ea typeface="Arial" charset="0"/>
-                    <a:cs typeface="Arial" charset="0"/>
+                    <a:latin typeface="Arial" panose="020B0604020202020204" pitchFamily="34" charset="0"/>
+                    <a:ea typeface="Arial" panose="020B0604020202020204" pitchFamily="34" charset="0"/>
+                    <a:cs typeface="Arial" panose="020B0604020202020204" pitchFamily="34" charset="0"/>
                   </a:rPr>
                   <a:t>181/60</a:t>
                 </a:r>
-                <a:endParaRPr kumimoji="1" lang="mr-IN" altLang="zh-CN" sz="700" b="1" dirty="0">
+                <a:endParaRPr kumimoji="1" lang="en-US" altLang="zh-CN" sz="700" b="1" dirty="0">
                   <a:solidFill>
                     <a:srgbClr val="FFFFFF"/>
                   </a:solidFill>
-                  <a:latin typeface="Arial" charset="0"/>
-                  <a:ea typeface="Arial" charset="0"/>
-                  <a:cs typeface="Arial" charset="0"/>
+                  <a:latin typeface="Arial" panose="020B0604020202020204" pitchFamily="34" charset="0"/>
+                  <a:ea typeface="Arial" panose="020B0604020202020204" pitchFamily="34" charset="0"/>
+                  <a:cs typeface="Arial" panose="020B0604020202020204" pitchFamily="34" charset="0"/>
                 </a:endParaRPr>
               </a:p>
             </p:txBody>
           </p:sp>
           <p:sp>
             <p:nvSpPr>
-              <p:cNvPr id="32" name="矩形 17">
-                <a:extLst>
-                  <a:ext uri="{FF2B5EF4-FFF2-40B4-BE49-F238E27FC236}">
-                    <a16:creationId xmlns:a16="http://schemas.microsoft.com/office/drawing/2014/main" id="{C1423292-FF2F-A74C-943E-1C3C47534098}"/>
-                  </a:ext>
-                </a:extLst>
-              </p:cNvPr>
+              <p:cNvPr id="32" name="矩形 17"/>
               <p:cNvSpPr/>
               <p:nvPr userDrawn="1"/>
             </p:nvSpPr>
@@ -1501,15 +1470,15 @@
               <a:bodyPr lIns="0" tIns="0" rIns="0" bIns="0" rtlCol="0" anchor="ctr"/>
               <a:lstStyle/>
               <a:p>
-                <a:pPr algn="ctr" defTabSz="913381"/>
+                <a:pPr algn="ctr" defTabSz="913130"/>
                 <a:r>
-                  <a:rPr kumimoji="1" lang="mr-IN" altLang="zh-CN" sz="700" b="1" dirty="0">
+                  <a:rPr kumimoji="1" lang="en-US" altLang="zh-CN" sz="700" b="1" dirty="0">
                     <a:solidFill>
                       <a:srgbClr val="FFFFFF"/>
                     </a:solidFill>
-                    <a:latin typeface="Arial" charset="0"/>
-                    <a:ea typeface="Arial" charset="0"/>
-                    <a:cs typeface="Arial" charset="0"/>
+                    <a:latin typeface="Arial" panose="020B0604020202020204" pitchFamily="34" charset="0"/>
+                    <a:ea typeface="Arial" panose="020B0604020202020204" pitchFamily="34" charset="0"/>
+                    <a:cs typeface="Arial" panose="020B0604020202020204" pitchFamily="34" charset="0"/>
                   </a:rPr>
                   <a:t>RGB</a:t>
                 </a:r>
@@ -1518,20 +1487,20 @@
                     <a:solidFill>
                       <a:srgbClr val="FFFFFF"/>
                     </a:solidFill>
-                    <a:latin typeface="Arial" charset="0"/>
-                    <a:ea typeface="Arial" charset="0"/>
-                    <a:cs typeface="Arial" charset="0"/>
+                    <a:latin typeface="Arial" panose="020B0604020202020204" pitchFamily="34" charset="0"/>
+                    <a:ea typeface="Arial" panose="020B0604020202020204" pitchFamily="34" charset="0"/>
+                    <a:cs typeface="Arial" panose="020B0604020202020204" pitchFamily="34" charset="0"/>
                   </a:rPr>
                   <a:t> 235</a:t>
                 </a:r>
                 <a:r>
-                  <a:rPr kumimoji="1" lang="mr-IN" altLang="zh-CN" sz="700" b="1" dirty="0">
+                  <a:rPr kumimoji="1" lang="en-US" altLang="zh-CN" sz="700" b="1" dirty="0">
                     <a:solidFill>
                       <a:srgbClr val="FFFFFF"/>
                     </a:solidFill>
-                    <a:latin typeface="Arial" charset="0"/>
-                    <a:ea typeface="Arial" charset="0"/>
-                    <a:cs typeface="Arial" charset="0"/>
+                    <a:latin typeface="Arial" panose="020B0604020202020204" pitchFamily="34" charset="0"/>
+                    <a:ea typeface="Arial" panose="020B0604020202020204" pitchFamily="34" charset="0"/>
+                    <a:cs typeface="Arial" panose="020B0604020202020204" pitchFamily="34" charset="0"/>
                   </a:rPr>
                   <a:t>/</a:t>
                 </a:r>
@@ -1540,32 +1509,26 @@
                     <a:solidFill>
                       <a:srgbClr val="FFFFFF"/>
                     </a:solidFill>
-                    <a:latin typeface="Arial" charset="0"/>
-                    <a:ea typeface="Arial" charset="0"/>
-                    <a:cs typeface="Arial" charset="0"/>
+                    <a:latin typeface="Arial" panose="020B0604020202020204" pitchFamily="34" charset="0"/>
+                    <a:ea typeface="Arial" panose="020B0604020202020204" pitchFamily="34" charset="0"/>
+                    <a:cs typeface="Arial" panose="020B0604020202020204" pitchFamily="34" charset="0"/>
                   </a:rPr>
                   <a:t>92/1</a:t>
                 </a:r>
-                <a:endParaRPr kumimoji="1" lang="mr-IN" altLang="zh-CN" sz="700" b="1" dirty="0">
+                <a:endParaRPr kumimoji="1" lang="en-US" altLang="zh-CN" sz="700" b="1" dirty="0">
                   <a:solidFill>
                     <a:srgbClr val="FFFFFF"/>
                   </a:solidFill>
-                  <a:latin typeface="Arial" charset="0"/>
-                  <a:ea typeface="Arial" charset="0"/>
-                  <a:cs typeface="Arial" charset="0"/>
+                  <a:latin typeface="Arial" panose="020B0604020202020204" pitchFamily="34" charset="0"/>
+                  <a:ea typeface="Arial" panose="020B0604020202020204" pitchFamily="34" charset="0"/>
+                  <a:cs typeface="Arial" panose="020B0604020202020204" pitchFamily="34" charset="0"/>
                 </a:endParaRPr>
               </a:p>
             </p:txBody>
           </p:sp>
           <p:sp>
             <p:nvSpPr>
-              <p:cNvPr id="33" name="矩形 18">
-                <a:extLst>
-                  <a:ext uri="{FF2B5EF4-FFF2-40B4-BE49-F238E27FC236}">
-                    <a16:creationId xmlns:a16="http://schemas.microsoft.com/office/drawing/2014/main" id="{2A29AF15-F5C4-A842-A63B-5DBA549CB92F}"/>
-                  </a:ext>
-                </a:extLst>
-              </p:cNvPr>
+              <p:cNvPr id="33" name="矩形 18"/>
               <p:cNvSpPr/>
               <p:nvPr userDrawn="1"/>
             </p:nvSpPr>
@@ -1604,15 +1567,15 @@
               <a:bodyPr lIns="0" tIns="0" rIns="0" bIns="0" rtlCol="0" anchor="ctr"/>
               <a:lstStyle/>
               <a:p>
-                <a:pPr algn="ctr" defTabSz="913381"/>
+                <a:pPr algn="ctr" defTabSz="913130"/>
                 <a:r>
-                  <a:rPr kumimoji="1" lang="mr-IN" altLang="zh-CN" sz="700" b="1" dirty="0">
+                  <a:rPr kumimoji="1" lang="en-US" altLang="zh-CN" sz="700" b="1" dirty="0">
                     <a:solidFill>
                       <a:srgbClr val="FFFFFF"/>
                     </a:solidFill>
-                    <a:latin typeface="Arial" charset="0"/>
-                    <a:ea typeface="Arial" charset="0"/>
-                    <a:cs typeface="Arial" charset="0"/>
+                    <a:latin typeface="Arial" panose="020B0604020202020204" pitchFamily="34" charset="0"/>
+                    <a:ea typeface="Arial" panose="020B0604020202020204" pitchFamily="34" charset="0"/>
+                    <a:cs typeface="Arial" panose="020B0604020202020204" pitchFamily="34" charset="0"/>
                   </a:rPr>
                   <a:t>RGB</a:t>
                 </a:r>
@@ -1621,32 +1584,26 @@
                     <a:solidFill>
                       <a:srgbClr val="FFFFFF"/>
                     </a:solidFill>
-                    <a:latin typeface="Arial" charset="0"/>
-                    <a:ea typeface="Arial" charset="0"/>
-                    <a:cs typeface="Arial" charset="0"/>
+                    <a:latin typeface="Arial" panose="020B0604020202020204" pitchFamily="34" charset="0"/>
+                    <a:ea typeface="Arial" panose="020B0604020202020204" pitchFamily="34" charset="0"/>
+                    <a:cs typeface="Arial" panose="020B0604020202020204" pitchFamily="34" charset="0"/>
                   </a:rPr>
                   <a:t> 137/137/137</a:t>
                 </a:r>
-                <a:endParaRPr kumimoji="1" lang="mr-IN" altLang="zh-CN" sz="700" b="1" dirty="0">
+                <a:endParaRPr kumimoji="1" lang="en-US" altLang="zh-CN" sz="700" b="1" dirty="0">
                   <a:solidFill>
                     <a:srgbClr val="FFFFFF"/>
                   </a:solidFill>
-                  <a:latin typeface="Arial" charset="0"/>
-                  <a:ea typeface="Arial" charset="0"/>
-                  <a:cs typeface="Arial" charset="0"/>
+                  <a:latin typeface="Arial" panose="020B0604020202020204" pitchFamily="34" charset="0"/>
+                  <a:ea typeface="Arial" panose="020B0604020202020204" pitchFamily="34" charset="0"/>
+                  <a:cs typeface="Arial" panose="020B0604020202020204" pitchFamily="34" charset="0"/>
                 </a:endParaRPr>
               </a:p>
             </p:txBody>
           </p:sp>
           <p:sp>
             <p:nvSpPr>
-              <p:cNvPr id="34" name="矩形 19">
-                <a:extLst>
-                  <a:ext uri="{FF2B5EF4-FFF2-40B4-BE49-F238E27FC236}">
-                    <a16:creationId xmlns:a16="http://schemas.microsoft.com/office/drawing/2014/main" id="{E9EA970A-4D36-BC41-B8BE-40DF553320E7}"/>
-                  </a:ext>
-                </a:extLst>
-              </p:cNvPr>
+              <p:cNvPr id="34" name="矩形 19"/>
               <p:cNvSpPr/>
               <p:nvPr userDrawn="1"/>
             </p:nvSpPr>
@@ -1685,15 +1642,15 @@
               <a:bodyPr lIns="0" tIns="0" rIns="0" bIns="0" rtlCol="0" anchor="ctr"/>
               <a:lstStyle/>
               <a:p>
-                <a:pPr algn="ctr" defTabSz="913381"/>
+                <a:pPr algn="ctr" defTabSz="913130"/>
                 <a:r>
-                  <a:rPr kumimoji="1" lang="mr-IN" altLang="zh-CN" sz="700" b="1" dirty="0">
+                  <a:rPr kumimoji="1" lang="en-US" altLang="zh-CN" sz="700" b="1" dirty="0">
                     <a:solidFill>
                       <a:srgbClr val="FFFFFF"/>
                     </a:solidFill>
-                    <a:latin typeface="Arial" charset="0"/>
-                    <a:ea typeface="Arial" charset="0"/>
-                    <a:cs typeface="Arial" charset="0"/>
+                    <a:latin typeface="Arial" panose="020B0604020202020204" pitchFamily="34" charset="0"/>
+                    <a:ea typeface="Arial" panose="020B0604020202020204" pitchFamily="34" charset="0"/>
+                    <a:cs typeface="Arial" panose="020B0604020202020204" pitchFamily="34" charset="0"/>
                   </a:rPr>
                   <a:t>RGB</a:t>
                 </a:r>
@@ -1702,32 +1659,26 @@
                     <a:solidFill>
                       <a:srgbClr val="FFFFFF"/>
                     </a:solidFill>
-                    <a:latin typeface="Arial" charset="0"/>
-                    <a:ea typeface="Arial" charset="0"/>
-                    <a:cs typeface="Arial" charset="0"/>
+                    <a:latin typeface="Arial" panose="020B0604020202020204" pitchFamily="34" charset="0"/>
+                    <a:ea typeface="Arial" panose="020B0604020202020204" pitchFamily="34" charset="0"/>
+                    <a:cs typeface="Arial" panose="020B0604020202020204" pitchFamily="34" charset="0"/>
                   </a:rPr>
                   <a:t> 35/24/21</a:t>
                 </a:r>
-                <a:endParaRPr kumimoji="1" lang="mr-IN" altLang="zh-CN" sz="700" b="1" dirty="0">
+                <a:endParaRPr kumimoji="1" lang="en-US" altLang="zh-CN" sz="700" b="1" dirty="0">
                   <a:solidFill>
                     <a:srgbClr val="FFFFFF"/>
                   </a:solidFill>
-                  <a:latin typeface="Arial" charset="0"/>
-                  <a:ea typeface="Arial" charset="0"/>
-                  <a:cs typeface="Arial" charset="0"/>
+                  <a:latin typeface="Arial" panose="020B0604020202020204" pitchFamily="34" charset="0"/>
+                  <a:ea typeface="Arial" panose="020B0604020202020204" pitchFamily="34" charset="0"/>
+                  <a:cs typeface="Arial" panose="020B0604020202020204" pitchFamily="34" charset="0"/>
                 </a:endParaRPr>
               </a:p>
             </p:txBody>
           </p:sp>
           <p:sp>
             <p:nvSpPr>
-              <p:cNvPr id="35" name="矩形 22">
-                <a:extLst>
-                  <a:ext uri="{FF2B5EF4-FFF2-40B4-BE49-F238E27FC236}">
-                    <a16:creationId xmlns:a16="http://schemas.microsoft.com/office/drawing/2014/main" id="{14EE21FB-1D92-0241-ABA5-5E9A6AEE0DC8}"/>
-                  </a:ext>
-                </a:extLst>
-              </p:cNvPr>
+              <p:cNvPr id="35" name="矩形 22"/>
               <p:cNvSpPr/>
               <p:nvPr userDrawn="1"/>
             </p:nvSpPr>
@@ -1766,15 +1717,15 @@
               <a:bodyPr lIns="0" tIns="0" rIns="0" bIns="0" rtlCol="0" anchor="ctr"/>
               <a:lstStyle/>
               <a:p>
-                <a:pPr algn="ctr" defTabSz="913381"/>
+                <a:pPr algn="ctr" defTabSz="913130"/>
                 <a:r>
-                  <a:rPr kumimoji="1" lang="mr-IN" altLang="zh-CN" sz="700" b="1" dirty="0">
+                  <a:rPr kumimoji="1" lang="en-US" altLang="zh-CN" sz="700" b="1" dirty="0">
                     <a:solidFill>
                       <a:srgbClr val="666666"/>
                     </a:solidFill>
-                    <a:latin typeface="Arial" charset="0"/>
-                    <a:ea typeface="Arial" charset="0"/>
-                    <a:cs typeface="Arial" charset="0"/>
+                    <a:latin typeface="Arial" panose="020B0604020202020204" pitchFamily="34" charset="0"/>
+                    <a:ea typeface="Arial" panose="020B0604020202020204" pitchFamily="34" charset="0"/>
+                    <a:cs typeface="Arial" panose="020B0604020202020204" pitchFamily="34" charset="0"/>
                   </a:rPr>
                   <a:t>RGB</a:t>
                 </a:r>
@@ -1783,20 +1734,20 @@
                     <a:solidFill>
                       <a:srgbClr val="666666"/>
                     </a:solidFill>
-                    <a:latin typeface="Arial" charset="0"/>
-                    <a:ea typeface="Arial" charset="0"/>
-                    <a:cs typeface="Arial" charset="0"/>
+                    <a:latin typeface="Arial" panose="020B0604020202020204" pitchFamily="34" charset="0"/>
+                    <a:ea typeface="Arial" panose="020B0604020202020204" pitchFamily="34" charset="0"/>
+                    <a:cs typeface="Arial" panose="020B0604020202020204" pitchFamily="34" charset="0"/>
                   </a:rPr>
                   <a:t> 221</a:t>
                 </a:r>
                 <a:r>
-                  <a:rPr kumimoji="1" lang="mr-IN" altLang="zh-CN" sz="700" b="1" dirty="0">
+                  <a:rPr kumimoji="1" lang="en-US" altLang="zh-CN" sz="700" b="1" dirty="0">
                     <a:solidFill>
                       <a:srgbClr val="666666"/>
                     </a:solidFill>
-                    <a:latin typeface="Arial" charset="0"/>
-                    <a:ea typeface="Arial" charset="0"/>
-                    <a:cs typeface="Arial" charset="0"/>
+                    <a:latin typeface="Arial" panose="020B0604020202020204" pitchFamily="34" charset="0"/>
+                    <a:ea typeface="Arial" panose="020B0604020202020204" pitchFamily="34" charset="0"/>
+                    <a:cs typeface="Arial" panose="020B0604020202020204" pitchFamily="34" charset="0"/>
                   </a:rPr>
                   <a:t>/</a:t>
                 </a:r>
@@ -1805,32 +1756,26 @@
                     <a:solidFill>
                       <a:srgbClr val="666666"/>
                     </a:solidFill>
-                    <a:latin typeface="Arial" charset="0"/>
-                    <a:ea typeface="Arial" charset="0"/>
-                    <a:cs typeface="Arial" charset="0"/>
+                    <a:latin typeface="Arial" panose="020B0604020202020204" pitchFamily="34" charset="0"/>
+                    <a:ea typeface="Arial" panose="020B0604020202020204" pitchFamily="34" charset="0"/>
+                    <a:cs typeface="Arial" panose="020B0604020202020204" pitchFamily="34" charset="0"/>
                   </a:rPr>
                   <a:t>221/221</a:t>
                 </a:r>
-                <a:endParaRPr kumimoji="1" lang="mr-IN" altLang="zh-CN" sz="700" b="1" dirty="0">
+                <a:endParaRPr kumimoji="1" lang="en-US" altLang="zh-CN" sz="700" b="1" dirty="0">
                   <a:solidFill>
                     <a:srgbClr val="666666"/>
                   </a:solidFill>
-                  <a:latin typeface="Arial" charset="0"/>
-                  <a:ea typeface="Arial" charset="0"/>
-                  <a:cs typeface="Arial" charset="0"/>
+                  <a:latin typeface="Arial" panose="020B0604020202020204" pitchFamily="34" charset="0"/>
+                  <a:ea typeface="Arial" panose="020B0604020202020204" pitchFamily="34" charset="0"/>
+                  <a:cs typeface="Arial" panose="020B0604020202020204" pitchFamily="34" charset="0"/>
                 </a:endParaRPr>
               </a:p>
             </p:txBody>
           </p:sp>
           <p:sp>
             <p:nvSpPr>
-              <p:cNvPr id="36" name="矩形 12">
-                <a:extLst>
-                  <a:ext uri="{FF2B5EF4-FFF2-40B4-BE49-F238E27FC236}">
-                    <a16:creationId xmlns:a16="http://schemas.microsoft.com/office/drawing/2014/main" id="{883734A3-2645-434A-9DCC-1416B6C687CC}"/>
-                  </a:ext>
-                </a:extLst>
-              </p:cNvPr>
+              <p:cNvPr id="36" name="矩形 12"/>
               <p:cNvSpPr/>
               <p:nvPr userDrawn="1"/>
             </p:nvSpPr>
@@ -1869,15 +1814,15 @@
               <a:bodyPr lIns="0" tIns="0" rIns="0" bIns="0" rtlCol="0" anchor="ctr"/>
               <a:lstStyle/>
               <a:p>
-                <a:pPr algn="ctr" defTabSz="913381"/>
+                <a:pPr algn="ctr" defTabSz="913130"/>
                 <a:r>
-                  <a:rPr kumimoji="1" lang="mr-IN" altLang="zh-CN" sz="700" b="1" dirty="0">
+                  <a:rPr kumimoji="1" lang="en-US" altLang="zh-CN" sz="700" b="1" dirty="0">
                     <a:solidFill>
                       <a:srgbClr val="FFFFFF"/>
                     </a:solidFill>
-                    <a:latin typeface="Arial" charset="0"/>
-                    <a:ea typeface="Arial" charset="0"/>
-                    <a:cs typeface="Arial" charset="0"/>
+                    <a:latin typeface="Arial" panose="020B0604020202020204" pitchFamily="34" charset="0"/>
+                    <a:ea typeface="Arial" panose="020B0604020202020204" pitchFamily="34" charset="0"/>
+                    <a:cs typeface="Arial" panose="020B0604020202020204" pitchFamily="34" charset="0"/>
                   </a:rPr>
                   <a:t>RGB</a:t>
                 </a:r>
@@ -1886,20 +1831,20 @@
                     <a:solidFill>
                       <a:srgbClr val="FFFFFF"/>
                     </a:solidFill>
-                    <a:latin typeface="Arial" charset="0"/>
-                    <a:ea typeface="Arial" charset="0"/>
-                    <a:cs typeface="Arial" charset="0"/>
+                    <a:latin typeface="Arial" panose="020B0604020202020204" pitchFamily="34" charset="0"/>
+                    <a:ea typeface="Arial" panose="020B0604020202020204" pitchFamily="34" charset="0"/>
+                    <a:cs typeface="Arial" panose="020B0604020202020204" pitchFamily="34" charset="0"/>
                   </a:rPr>
                   <a:t> 233</a:t>
                 </a:r>
                 <a:r>
-                  <a:rPr kumimoji="1" lang="mr-IN" altLang="zh-CN" sz="700" b="1" dirty="0">
+                  <a:rPr kumimoji="1" lang="en-US" altLang="zh-CN" sz="700" b="1" dirty="0">
                     <a:solidFill>
                       <a:srgbClr val="FFFFFF"/>
                     </a:solidFill>
-                    <a:latin typeface="Arial" charset="0"/>
-                    <a:ea typeface="Arial" charset="0"/>
-                    <a:cs typeface="Arial" charset="0"/>
+                    <a:latin typeface="Arial" panose="020B0604020202020204" pitchFamily="34" charset="0"/>
+                    <a:ea typeface="Arial" panose="020B0604020202020204" pitchFamily="34" charset="0"/>
+                    <a:cs typeface="Arial" panose="020B0604020202020204" pitchFamily="34" charset="0"/>
                   </a:rPr>
                   <a:t>/</a:t>
                 </a:r>
@@ -1908,32 +1853,26 @@
                     <a:solidFill>
                       <a:srgbClr val="FFFFFF"/>
                     </a:solidFill>
-                    <a:latin typeface="Arial" charset="0"/>
-                    <a:ea typeface="Arial" charset="0"/>
-                    <a:cs typeface="Arial" charset="0"/>
+                    <a:latin typeface="Arial" panose="020B0604020202020204" pitchFamily="34" charset="0"/>
+                    <a:ea typeface="Arial" panose="020B0604020202020204" pitchFamily="34" charset="0"/>
+                    <a:cs typeface="Arial" panose="020B0604020202020204" pitchFamily="34" charset="0"/>
                   </a:rPr>
                   <a:t>140/128</a:t>
                 </a:r>
-                <a:endParaRPr kumimoji="1" lang="mr-IN" altLang="zh-CN" sz="700" b="1" dirty="0">
+                <a:endParaRPr kumimoji="1" lang="en-US" altLang="zh-CN" sz="700" b="1" dirty="0">
                   <a:solidFill>
                     <a:srgbClr val="FFFFFF"/>
                   </a:solidFill>
-                  <a:latin typeface="Arial" charset="0"/>
-                  <a:ea typeface="Arial" charset="0"/>
-                  <a:cs typeface="Arial" charset="0"/>
+                  <a:latin typeface="Arial" panose="020B0604020202020204" pitchFamily="34" charset="0"/>
+                  <a:ea typeface="Arial" panose="020B0604020202020204" pitchFamily="34" charset="0"/>
+                  <a:cs typeface="Arial" panose="020B0604020202020204" pitchFamily="34" charset="0"/>
                 </a:endParaRPr>
               </a:p>
             </p:txBody>
           </p:sp>
           <p:sp>
             <p:nvSpPr>
-              <p:cNvPr id="37" name="矩形 13">
-                <a:extLst>
-                  <a:ext uri="{FF2B5EF4-FFF2-40B4-BE49-F238E27FC236}">
-                    <a16:creationId xmlns:a16="http://schemas.microsoft.com/office/drawing/2014/main" id="{1FF13552-FB3D-134A-A80A-6CFB35DFE1A1}"/>
-                  </a:ext>
-                </a:extLst>
-              </p:cNvPr>
+              <p:cNvPr id="37" name="矩形 13"/>
               <p:cNvSpPr/>
               <p:nvPr userDrawn="1"/>
             </p:nvSpPr>
@@ -1974,15 +1913,15 @@
               <a:bodyPr lIns="0" tIns="0" rIns="0" bIns="0" rtlCol="0" anchor="ctr"/>
               <a:lstStyle/>
               <a:p>
-                <a:pPr algn="ctr" defTabSz="913381"/>
+                <a:pPr algn="ctr" defTabSz="913130"/>
                 <a:r>
-                  <a:rPr kumimoji="1" lang="mr-IN" altLang="zh-CN" sz="700" b="1" dirty="0">
+                  <a:rPr kumimoji="1" lang="en-US" altLang="zh-CN" sz="700" b="1" dirty="0">
                     <a:solidFill>
                       <a:srgbClr val="FFFFFF"/>
                     </a:solidFill>
-                    <a:latin typeface="Arial" charset="0"/>
-                    <a:ea typeface="Arial" charset="0"/>
-                    <a:cs typeface="Arial" charset="0"/>
+                    <a:latin typeface="Arial" panose="020B0604020202020204" pitchFamily="34" charset="0"/>
+                    <a:ea typeface="Arial" panose="020B0604020202020204" pitchFamily="34" charset="0"/>
+                    <a:cs typeface="Arial" panose="020B0604020202020204" pitchFamily="34" charset="0"/>
                   </a:rPr>
                   <a:t>RGB</a:t>
                 </a:r>
@@ -1991,20 +1930,20 @@
                     <a:solidFill>
                       <a:srgbClr val="FFFFFF"/>
                     </a:solidFill>
-                    <a:latin typeface="Arial" charset="0"/>
-                    <a:ea typeface="Arial" charset="0"/>
-                    <a:cs typeface="Arial" charset="0"/>
+                    <a:latin typeface="Arial" panose="020B0604020202020204" pitchFamily="34" charset="0"/>
+                    <a:ea typeface="Arial" panose="020B0604020202020204" pitchFamily="34" charset="0"/>
+                    <a:cs typeface="Arial" panose="020B0604020202020204" pitchFamily="34" charset="0"/>
                   </a:rPr>
                   <a:t> 159</a:t>
                 </a:r>
                 <a:r>
-                  <a:rPr kumimoji="1" lang="mr-IN" altLang="zh-CN" sz="700" b="1" dirty="0">
+                  <a:rPr kumimoji="1" lang="en-US" altLang="zh-CN" sz="700" b="1" dirty="0">
                     <a:solidFill>
                       <a:srgbClr val="FFFFFF"/>
                     </a:solidFill>
-                    <a:latin typeface="Arial" charset="0"/>
-                    <a:ea typeface="Arial" charset="0"/>
-                    <a:cs typeface="Arial" charset="0"/>
+                    <a:latin typeface="Arial" panose="020B0604020202020204" pitchFamily="34" charset="0"/>
+                    <a:ea typeface="Arial" panose="020B0604020202020204" pitchFamily="34" charset="0"/>
+                    <a:cs typeface="Arial" panose="020B0604020202020204" pitchFamily="34" charset="0"/>
                   </a:rPr>
                   <a:t>/</a:t>
                 </a:r>
@@ -2013,32 +1952,26 @@
                     <a:solidFill>
                       <a:srgbClr val="FFFFFF"/>
                     </a:solidFill>
-                    <a:latin typeface="Arial" charset="0"/>
-                    <a:ea typeface="Arial" charset="0"/>
-                    <a:cs typeface="Arial" charset="0"/>
+                    <a:latin typeface="Arial" panose="020B0604020202020204" pitchFamily="34" charset="0"/>
+                    <a:ea typeface="Arial" panose="020B0604020202020204" pitchFamily="34" charset="0"/>
+                    <a:cs typeface="Arial" panose="020B0604020202020204" pitchFamily="34" charset="0"/>
                   </a:rPr>
                   <a:t>0/1</a:t>
                 </a:r>
-                <a:endParaRPr kumimoji="1" lang="mr-IN" altLang="zh-CN" sz="700" b="1" dirty="0">
+                <a:endParaRPr kumimoji="1" lang="en-US" altLang="zh-CN" sz="700" b="1" dirty="0">
                   <a:solidFill>
                     <a:srgbClr val="FFFFFF"/>
                   </a:solidFill>
-                  <a:latin typeface="Arial" charset="0"/>
-                  <a:ea typeface="Arial" charset="0"/>
-                  <a:cs typeface="Arial" charset="0"/>
+                  <a:latin typeface="Arial" panose="020B0604020202020204" pitchFamily="34" charset="0"/>
+                  <a:ea typeface="Arial" panose="020B0604020202020204" pitchFamily="34" charset="0"/>
+                  <a:cs typeface="Arial" panose="020B0604020202020204" pitchFamily="34" charset="0"/>
                 </a:endParaRPr>
               </a:p>
             </p:txBody>
           </p:sp>
           <p:sp>
             <p:nvSpPr>
-              <p:cNvPr id="38" name="矩形 16">
-                <a:extLst>
-                  <a:ext uri="{FF2B5EF4-FFF2-40B4-BE49-F238E27FC236}">
-                    <a16:creationId xmlns:a16="http://schemas.microsoft.com/office/drawing/2014/main" id="{0A96471B-CB12-1443-B01F-C14C9112C149}"/>
-                  </a:ext>
-                </a:extLst>
-              </p:cNvPr>
+              <p:cNvPr id="38" name="矩形 16"/>
               <p:cNvSpPr/>
               <p:nvPr userDrawn="1"/>
             </p:nvSpPr>
@@ -2077,15 +2010,15 @@
               <a:bodyPr lIns="0" tIns="0" rIns="0" bIns="0" rtlCol="0" anchor="ctr"/>
               <a:lstStyle/>
               <a:p>
-                <a:pPr algn="ctr" defTabSz="913381"/>
+                <a:pPr algn="ctr" defTabSz="913130"/>
                 <a:r>
-                  <a:rPr kumimoji="1" lang="mr-IN" altLang="zh-CN" sz="700" b="1" dirty="0">
+                  <a:rPr kumimoji="1" lang="en-US" altLang="zh-CN" sz="700" b="1" dirty="0">
                     <a:solidFill>
                       <a:srgbClr val="666666"/>
                     </a:solidFill>
-                    <a:latin typeface="Arial" charset="0"/>
-                    <a:ea typeface="Arial" charset="0"/>
-                    <a:cs typeface="Arial" charset="0"/>
+                    <a:latin typeface="Arial" panose="020B0604020202020204" pitchFamily="34" charset="0"/>
+                    <a:ea typeface="Arial" panose="020B0604020202020204" pitchFamily="34" charset="0"/>
+                    <a:cs typeface="Arial" panose="020B0604020202020204" pitchFamily="34" charset="0"/>
                   </a:rPr>
                   <a:t>RGB</a:t>
                 </a:r>
@@ -2094,20 +2027,20 @@
                     <a:solidFill>
                       <a:srgbClr val="666666"/>
                     </a:solidFill>
-                    <a:latin typeface="Arial" charset="0"/>
-                    <a:ea typeface="Arial" charset="0"/>
-                    <a:cs typeface="Arial" charset="0"/>
+                    <a:latin typeface="Arial" panose="020B0604020202020204" pitchFamily="34" charset="0"/>
+                    <a:ea typeface="Arial" panose="020B0604020202020204" pitchFamily="34" charset="0"/>
+                    <a:cs typeface="Arial" panose="020B0604020202020204" pitchFamily="34" charset="0"/>
                   </a:rPr>
                   <a:t> 245</a:t>
                 </a:r>
                 <a:r>
-                  <a:rPr kumimoji="1" lang="mr-IN" altLang="zh-CN" sz="700" b="1" dirty="0">
+                  <a:rPr kumimoji="1" lang="en-US" altLang="zh-CN" sz="700" b="1" dirty="0">
                     <a:solidFill>
                       <a:srgbClr val="666666"/>
                     </a:solidFill>
-                    <a:latin typeface="Arial" charset="0"/>
-                    <a:ea typeface="Arial" charset="0"/>
-                    <a:cs typeface="Arial" charset="0"/>
+                    <a:latin typeface="Arial" panose="020B0604020202020204" pitchFamily="34" charset="0"/>
+                    <a:ea typeface="Arial" panose="020B0604020202020204" pitchFamily="34" charset="0"/>
+                    <a:cs typeface="Arial" panose="020B0604020202020204" pitchFamily="34" charset="0"/>
                   </a:rPr>
                   <a:t>/</a:t>
                 </a:r>
@@ -2116,32 +2049,26 @@
                     <a:solidFill>
                       <a:srgbClr val="666666"/>
                     </a:solidFill>
-                    <a:latin typeface="Arial" charset="0"/>
-                    <a:ea typeface="Arial" charset="0"/>
-                    <a:cs typeface="Arial" charset="0"/>
+                    <a:latin typeface="Arial" panose="020B0604020202020204" pitchFamily="34" charset="0"/>
+                    <a:ea typeface="Arial" panose="020B0604020202020204" pitchFamily="34" charset="0"/>
+                    <a:cs typeface="Arial" panose="020B0604020202020204" pitchFamily="34" charset="0"/>
                   </a:rPr>
                   <a:t>220/87</a:t>
                 </a:r>
-                <a:endParaRPr kumimoji="1" lang="mr-IN" altLang="zh-CN" sz="700" b="1" dirty="0">
+                <a:endParaRPr kumimoji="1" lang="en-US" altLang="zh-CN" sz="700" b="1" dirty="0">
                   <a:solidFill>
                     <a:srgbClr val="666666"/>
                   </a:solidFill>
-                  <a:latin typeface="Arial" charset="0"/>
-                  <a:ea typeface="Arial" charset="0"/>
-                  <a:cs typeface="Arial" charset="0"/>
+                  <a:latin typeface="Arial" panose="020B0604020202020204" pitchFamily="34" charset="0"/>
+                  <a:ea typeface="Arial" panose="020B0604020202020204" pitchFamily="34" charset="0"/>
+                  <a:cs typeface="Arial" panose="020B0604020202020204" pitchFamily="34" charset="0"/>
                 </a:endParaRPr>
               </a:p>
             </p:txBody>
           </p:sp>
           <p:sp>
             <p:nvSpPr>
-              <p:cNvPr id="39" name="矩形 17">
-                <a:extLst>
-                  <a:ext uri="{FF2B5EF4-FFF2-40B4-BE49-F238E27FC236}">
-                    <a16:creationId xmlns:a16="http://schemas.microsoft.com/office/drawing/2014/main" id="{61890D59-CF8B-1449-A836-3A304EC9A907}"/>
-                  </a:ext>
-                </a:extLst>
-              </p:cNvPr>
+              <p:cNvPr id="39" name="矩形 17"/>
               <p:cNvSpPr/>
               <p:nvPr userDrawn="1"/>
             </p:nvSpPr>
@@ -2180,15 +2107,15 @@
               <a:bodyPr lIns="0" tIns="0" rIns="0" bIns="0" rtlCol="0" anchor="ctr"/>
               <a:lstStyle/>
               <a:p>
-                <a:pPr algn="ctr" defTabSz="913381"/>
+                <a:pPr algn="ctr" defTabSz="913130"/>
                 <a:r>
-                  <a:rPr kumimoji="1" lang="mr-IN" altLang="zh-CN" sz="700" b="1" dirty="0">
+                  <a:rPr kumimoji="1" lang="en-US" altLang="zh-CN" sz="700" b="1" dirty="0">
                     <a:solidFill>
                       <a:srgbClr val="FFFFFF"/>
                     </a:solidFill>
-                    <a:latin typeface="Arial" charset="0"/>
-                    <a:ea typeface="Arial" charset="0"/>
-                    <a:cs typeface="Arial" charset="0"/>
+                    <a:latin typeface="Arial" panose="020B0604020202020204" pitchFamily="34" charset="0"/>
+                    <a:ea typeface="Arial" panose="020B0604020202020204" pitchFamily="34" charset="0"/>
+                    <a:cs typeface="Arial" panose="020B0604020202020204" pitchFamily="34" charset="0"/>
                   </a:rPr>
                   <a:t>RGB</a:t>
                 </a:r>
@@ -2197,20 +2124,20 @@
                     <a:solidFill>
                       <a:srgbClr val="FFFFFF"/>
                     </a:solidFill>
-                    <a:latin typeface="Arial" charset="0"/>
-                    <a:ea typeface="Arial" charset="0"/>
-                    <a:cs typeface="Arial" charset="0"/>
+                    <a:latin typeface="Arial" panose="020B0604020202020204" pitchFamily="34" charset="0"/>
+                    <a:ea typeface="Arial" panose="020B0604020202020204" pitchFamily="34" charset="0"/>
+                    <a:cs typeface="Arial" panose="020B0604020202020204" pitchFamily="34" charset="0"/>
                   </a:rPr>
                   <a:t> 240</a:t>
                 </a:r>
                 <a:r>
-                  <a:rPr kumimoji="1" lang="mr-IN" altLang="zh-CN" sz="700" b="1" dirty="0">
+                  <a:rPr kumimoji="1" lang="en-US" altLang="zh-CN" sz="700" b="1" dirty="0">
                     <a:solidFill>
                       <a:srgbClr val="FFFFFF"/>
                     </a:solidFill>
-                    <a:latin typeface="Arial" charset="0"/>
-                    <a:ea typeface="Arial" charset="0"/>
-                    <a:cs typeface="Arial" charset="0"/>
+                    <a:latin typeface="Arial" panose="020B0604020202020204" pitchFamily="34" charset="0"/>
+                    <a:ea typeface="Arial" panose="020B0604020202020204" pitchFamily="34" charset="0"/>
+                    <a:cs typeface="Arial" panose="020B0604020202020204" pitchFamily="34" charset="0"/>
                   </a:rPr>
                   <a:t>/</a:t>
                 </a:r>
@@ -2219,32 +2146,26 @@
                     <a:solidFill>
                       <a:srgbClr val="FFFFFF"/>
                     </a:solidFill>
-                    <a:latin typeface="Arial" charset="0"/>
-                    <a:ea typeface="Arial" charset="0"/>
-                    <a:cs typeface="Arial" charset="0"/>
+                    <a:latin typeface="Arial" panose="020B0604020202020204" pitchFamily="34" charset="0"/>
+                    <a:ea typeface="Arial" panose="020B0604020202020204" pitchFamily="34" charset="0"/>
+                    <a:cs typeface="Arial" panose="020B0604020202020204" pitchFamily="34" charset="0"/>
                   </a:rPr>
                   <a:t>133/0</a:t>
                 </a:r>
-                <a:endParaRPr kumimoji="1" lang="mr-IN" altLang="zh-CN" sz="700" b="1" dirty="0">
+                <a:endParaRPr kumimoji="1" lang="en-US" altLang="zh-CN" sz="700" b="1" dirty="0">
                   <a:solidFill>
                     <a:srgbClr val="FFFFFF"/>
                   </a:solidFill>
-                  <a:latin typeface="Arial" charset="0"/>
-                  <a:ea typeface="Arial" charset="0"/>
-                  <a:cs typeface="Arial" charset="0"/>
+                  <a:latin typeface="Arial" panose="020B0604020202020204" pitchFamily="34" charset="0"/>
+                  <a:ea typeface="Arial" panose="020B0604020202020204" pitchFamily="34" charset="0"/>
+                  <a:cs typeface="Arial" panose="020B0604020202020204" pitchFamily="34" charset="0"/>
                 </a:endParaRPr>
               </a:p>
             </p:txBody>
           </p:sp>
           <p:sp>
             <p:nvSpPr>
-              <p:cNvPr id="40" name="矩形 18">
-                <a:extLst>
-                  <a:ext uri="{FF2B5EF4-FFF2-40B4-BE49-F238E27FC236}">
-                    <a16:creationId xmlns:a16="http://schemas.microsoft.com/office/drawing/2014/main" id="{0466A1E1-E7C7-FD49-9880-9E44BED19FF5}"/>
-                  </a:ext>
-                </a:extLst>
-              </p:cNvPr>
+              <p:cNvPr id="40" name="矩形 18"/>
               <p:cNvSpPr/>
               <p:nvPr userDrawn="1"/>
             </p:nvSpPr>
@@ -2283,15 +2204,15 @@
               <a:bodyPr lIns="0" tIns="0" rIns="0" bIns="0" rtlCol="0" anchor="ctr"/>
               <a:lstStyle/>
               <a:p>
-                <a:pPr algn="ctr" defTabSz="913381"/>
+                <a:pPr algn="ctr" defTabSz="913130"/>
                 <a:r>
-                  <a:rPr kumimoji="1" lang="mr-IN" altLang="zh-CN" sz="700" b="1" dirty="0">
+                  <a:rPr kumimoji="1" lang="en-US" altLang="zh-CN" sz="700" b="1" dirty="0">
                     <a:solidFill>
                       <a:srgbClr val="FFFFFF"/>
                     </a:solidFill>
-                    <a:latin typeface="Arial" charset="0"/>
-                    <a:ea typeface="Arial" charset="0"/>
-                    <a:cs typeface="Arial" charset="0"/>
+                    <a:latin typeface="Arial" panose="020B0604020202020204" pitchFamily="34" charset="0"/>
+                    <a:ea typeface="Arial" panose="020B0604020202020204" pitchFamily="34" charset="0"/>
+                    <a:cs typeface="Arial" panose="020B0604020202020204" pitchFamily="34" charset="0"/>
                   </a:rPr>
                   <a:t>RGB</a:t>
                 </a:r>
@@ -2300,20 +2221,20 @@
                     <a:solidFill>
                       <a:srgbClr val="FFFFFF"/>
                     </a:solidFill>
-                    <a:latin typeface="Arial" charset="0"/>
-                    <a:ea typeface="Arial" charset="0"/>
-                    <a:cs typeface="Arial" charset="0"/>
+                    <a:latin typeface="Arial" panose="020B0604020202020204" pitchFamily="34" charset="0"/>
+                    <a:ea typeface="Arial" panose="020B0604020202020204" pitchFamily="34" charset="0"/>
+                    <a:cs typeface="Arial" panose="020B0604020202020204" pitchFamily="34" charset="0"/>
                   </a:rPr>
                   <a:t> 181</a:t>
                 </a:r>
                 <a:r>
-                  <a:rPr kumimoji="1" lang="mr-IN" altLang="zh-CN" sz="700" b="1" dirty="0">
+                  <a:rPr kumimoji="1" lang="en-US" altLang="zh-CN" sz="700" b="1" dirty="0">
                     <a:solidFill>
                       <a:srgbClr val="FFFFFF"/>
                     </a:solidFill>
-                    <a:latin typeface="Arial" charset="0"/>
-                    <a:ea typeface="Arial" charset="0"/>
-                    <a:cs typeface="Arial" charset="0"/>
+                    <a:latin typeface="Arial" panose="020B0604020202020204" pitchFamily="34" charset="0"/>
+                    <a:ea typeface="Arial" panose="020B0604020202020204" pitchFamily="34" charset="0"/>
+                    <a:cs typeface="Arial" panose="020B0604020202020204" pitchFamily="34" charset="0"/>
                   </a:rPr>
                   <a:t>/</a:t>
                 </a:r>
@@ -2322,32 +2243,26 @@
                     <a:solidFill>
                       <a:srgbClr val="FFFFFF"/>
                     </a:solidFill>
-                    <a:latin typeface="Arial" charset="0"/>
-                    <a:ea typeface="Arial" charset="0"/>
-                    <a:cs typeface="Arial" charset="0"/>
+                    <a:latin typeface="Arial" panose="020B0604020202020204" pitchFamily="34" charset="0"/>
+                    <a:ea typeface="Arial" panose="020B0604020202020204" pitchFamily="34" charset="0"/>
+                    <a:cs typeface="Arial" panose="020B0604020202020204" pitchFamily="34" charset="0"/>
                   </a:rPr>
                   <a:t>181/181</a:t>
                 </a:r>
-                <a:endParaRPr kumimoji="1" lang="mr-IN" altLang="zh-CN" sz="700" b="1" dirty="0">
+                <a:endParaRPr kumimoji="1" lang="en-US" altLang="zh-CN" sz="700" b="1" dirty="0">
                   <a:solidFill>
                     <a:srgbClr val="FFFFFF"/>
                   </a:solidFill>
-                  <a:latin typeface="Arial" charset="0"/>
-                  <a:ea typeface="Arial" charset="0"/>
-                  <a:cs typeface="Arial" charset="0"/>
+                  <a:latin typeface="Arial" panose="020B0604020202020204" pitchFamily="34" charset="0"/>
+                  <a:ea typeface="Arial" panose="020B0604020202020204" pitchFamily="34" charset="0"/>
+                  <a:cs typeface="Arial" panose="020B0604020202020204" pitchFamily="34" charset="0"/>
                 </a:endParaRPr>
               </a:p>
             </p:txBody>
           </p:sp>
           <p:sp>
             <p:nvSpPr>
-              <p:cNvPr id="42" name="矩形 19">
-                <a:extLst>
-                  <a:ext uri="{FF2B5EF4-FFF2-40B4-BE49-F238E27FC236}">
-                    <a16:creationId xmlns:a16="http://schemas.microsoft.com/office/drawing/2014/main" id="{B21AD6AC-1275-0142-A9EA-D77B26CB40EF}"/>
-                  </a:ext>
-                </a:extLst>
-              </p:cNvPr>
+              <p:cNvPr id="42" name="矩形 19"/>
               <p:cNvSpPr/>
               <p:nvPr userDrawn="1"/>
             </p:nvSpPr>
@@ -2386,15 +2301,15 @@
               <a:bodyPr lIns="0" tIns="0" rIns="0" bIns="0" rtlCol="0" anchor="ctr"/>
               <a:lstStyle/>
               <a:p>
-                <a:pPr algn="ctr" defTabSz="913381"/>
+                <a:pPr algn="ctr" defTabSz="913130"/>
                 <a:r>
-                  <a:rPr kumimoji="1" lang="mr-IN" altLang="zh-CN" sz="700" b="1" dirty="0">
+                  <a:rPr kumimoji="1" lang="en-US" altLang="zh-CN" sz="700" b="1" dirty="0">
                     <a:solidFill>
                       <a:srgbClr val="FFFFFF"/>
                     </a:solidFill>
-                    <a:latin typeface="Arial" charset="0"/>
-                    <a:ea typeface="Arial" charset="0"/>
-                    <a:cs typeface="Arial" charset="0"/>
+                    <a:latin typeface="Arial" panose="020B0604020202020204" pitchFamily="34" charset="0"/>
+                    <a:ea typeface="Arial" panose="020B0604020202020204" pitchFamily="34" charset="0"/>
+                    <a:cs typeface="Arial" panose="020B0604020202020204" pitchFamily="34" charset="0"/>
                   </a:rPr>
                   <a:t>RGB</a:t>
                 </a:r>
@@ -2403,20 +2318,20 @@
                     <a:solidFill>
                       <a:srgbClr val="FFFFFF"/>
                     </a:solidFill>
-                    <a:latin typeface="Arial" charset="0"/>
-                    <a:ea typeface="Arial" charset="0"/>
-                    <a:cs typeface="Arial" charset="0"/>
+                    <a:latin typeface="Arial" panose="020B0604020202020204" pitchFamily="34" charset="0"/>
+                    <a:ea typeface="Arial" panose="020B0604020202020204" pitchFamily="34" charset="0"/>
+                    <a:cs typeface="Arial" panose="020B0604020202020204" pitchFamily="34" charset="0"/>
                   </a:rPr>
                   <a:t> 89</a:t>
                 </a:r>
                 <a:r>
-                  <a:rPr kumimoji="1" lang="mr-IN" altLang="zh-CN" sz="700" b="1" dirty="0">
+                  <a:rPr kumimoji="1" lang="en-US" altLang="zh-CN" sz="700" b="1" dirty="0">
                     <a:solidFill>
                       <a:srgbClr val="FFFFFF"/>
                     </a:solidFill>
-                    <a:latin typeface="Arial" charset="0"/>
-                    <a:ea typeface="Arial" charset="0"/>
-                    <a:cs typeface="Arial" charset="0"/>
+                    <a:latin typeface="Arial" panose="020B0604020202020204" pitchFamily="34" charset="0"/>
+                    <a:ea typeface="Arial" panose="020B0604020202020204" pitchFamily="34" charset="0"/>
+                    <a:cs typeface="Arial" panose="020B0604020202020204" pitchFamily="34" charset="0"/>
                   </a:rPr>
                   <a:t>/</a:t>
                 </a:r>
@@ -2425,32 +2340,26 @@
                     <a:solidFill>
                       <a:srgbClr val="FFFFFF"/>
                     </a:solidFill>
-                    <a:latin typeface="Arial" charset="0"/>
-                    <a:ea typeface="Arial" charset="0"/>
-                    <a:cs typeface="Arial" charset="0"/>
+                    <a:latin typeface="Arial" panose="020B0604020202020204" pitchFamily="34" charset="0"/>
+                    <a:ea typeface="Arial" panose="020B0604020202020204" pitchFamily="34" charset="0"/>
+                    <a:cs typeface="Arial" panose="020B0604020202020204" pitchFamily="34" charset="0"/>
                   </a:rPr>
                   <a:t>87/87</a:t>
                 </a:r>
-                <a:endParaRPr kumimoji="1" lang="mr-IN" altLang="zh-CN" sz="700" b="1" dirty="0">
+                <a:endParaRPr kumimoji="1" lang="en-US" altLang="zh-CN" sz="700" b="1" dirty="0">
                   <a:solidFill>
                     <a:srgbClr val="FFFFFF"/>
                   </a:solidFill>
-                  <a:latin typeface="Arial" charset="0"/>
-                  <a:ea typeface="Arial" charset="0"/>
-                  <a:cs typeface="Arial" charset="0"/>
+                  <a:latin typeface="Arial" panose="020B0604020202020204" pitchFamily="34" charset="0"/>
+                  <a:ea typeface="Arial" panose="020B0604020202020204" pitchFamily="34" charset="0"/>
+                  <a:cs typeface="Arial" panose="020B0604020202020204" pitchFamily="34" charset="0"/>
                 </a:endParaRPr>
               </a:p>
             </p:txBody>
           </p:sp>
           <p:sp>
             <p:nvSpPr>
-              <p:cNvPr id="43" name="矩形 22">
-                <a:extLst>
-                  <a:ext uri="{FF2B5EF4-FFF2-40B4-BE49-F238E27FC236}">
-                    <a16:creationId xmlns:a16="http://schemas.microsoft.com/office/drawing/2014/main" id="{238BAC2A-AE09-A84D-875D-8472236D6610}"/>
-                  </a:ext>
-                </a:extLst>
-              </p:cNvPr>
+              <p:cNvPr id="43" name="矩形 22"/>
               <p:cNvSpPr/>
               <p:nvPr userDrawn="1"/>
             </p:nvSpPr>
@@ -2494,15 +2403,15 @@
               <a:bodyPr lIns="0" tIns="0" rIns="0" bIns="0" rtlCol="0" anchor="ctr"/>
               <a:lstStyle/>
               <a:p>
-                <a:pPr algn="ctr" defTabSz="913381"/>
+                <a:pPr algn="ctr" defTabSz="913130"/>
                 <a:r>
-                  <a:rPr kumimoji="1" lang="mr-IN" altLang="zh-CN" sz="700" b="1" dirty="0">
+                  <a:rPr kumimoji="1" lang="en-US" altLang="zh-CN" sz="700" b="1" dirty="0">
                     <a:solidFill>
                       <a:srgbClr val="666666"/>
                     </a:solidFill>
-                    <a:latin typeface="Arial" charset="0"/>
-                    <a:ea typeface="Arial" charset="0"/>
-                    <a:cs typeface="Arial" charset="0"/>
+                    <a:latin typeface="Arial" panose="020B0604020202020204" pitchFamily="34" charset="0"/>
+                    <a:ea typeface="Arial" panose="020B0604020202020204" pitchFamily="34" charset="0"/>
+                    <a:cs typeface="Arial" panose="020B0604020202020204" pitchFamily="34" charset="0"/>
                   </a:rPr>
                   <a:t>RGB</a:t>
                 </a:r>
@@ -2511,20 +2420,20 @@
                     <a:solidFill>
                       <a:srgbClr val="666666"/>
                     </a:solidFill>
-                    <a:latin typeface="Arial" charset="0"/>
-                    <a:ea typeface="Arial" charset="0"/>
-                    <a:cs typeface="Arial" charset="0"/>
+                    <a:latin typeface="Arial" panose="020B0604020202020204" pitchFamily="34" charset="0"/>
+                    <a:ea typeface="Arial" panose="020B0604020202020204" pitchFamily="34" charset="0"/>
+                    <a:cs typeface="Arial" panose="020B0604020202020204" pitchFamily="34" charset="0"/>
                   </a:rPr>
                   <a:t> 255</a:t>
                 </a:r>
                 <a:r>
-                  <a:rPr kumimoji="1" lang="mr-IN" altLang="zh-CN" sz="700" b="1" dirty="0">
+                  <a:rPr kumimoji="1" lang="en-US" altLang="zh-CN" sz="700" b="1" dirty="0">
                     <a:solidFill>
                       <a:srgbClr val="666666"/>
                     </a:solidFill>
-                    <a:latin typeface="Arial" charset="0"/>
-                    <a:ea typeface="Arial" charset="0"/>
-                    <a:cs typeface="Arial" charset="0"/>
+                    <a:latin typeface="Arial" panose="020B0604020202020204" pitchFamily="34" charset="0"/>
+                    <a:ea typeface="Arial" panose="020B0604020202020204" pitchFamily="34" charset="0"/>
+                    <a:cs typeface="Arial" panose="020B0604020202020204" pitchFamily="34" charset="0"/>
                   </a:rPr>
                   <a:t>/</a:t>
                 </a:r>
@@ -2533,19 +2442,19 @@
                     <a:solidFill>
                       <a:srgbClr val="666666"/>
                     </a:solidFill>
-                    <a:latin typeface="Arial" charset="0"/>
-                    <a:ea typeface="Arial" charset="0"/>
-                    <a:cs typeface="Arial" charset="0"/>
+                    <a:latin typeface="Arial" panose="020B0604020202020204" pitchFamily="34" charset="0"/>
+                    <a:ea typeface="Arial" panose="020B0604020202020204" pitchFamily="34" charset="0"/>
+                    <a:cs typeface="Arial" panose="020B0604020202020204" pitchFamily="34" charset="0"/>
                   </a:rPr>
                   <a:t>255/255</a:t>
                 </a:r>
-                <a:endParaRPr kumimoji="1" lang="mr-IN" altLang="zh-CN" sz="700" b="1" dirty="0">
+                <a:endParaRPr kumimoji="1" lang="en-US" altLang="zh-CN" sz="700" b="1" dirty="0">
                   <a:solidFill>
                     <a:srgbClr val="666666"/>
                   </a:solidFill>
-                  <a:latin typeface="Arial" charset="0"/>
-                  <a:ea typeface="Arial" charset="0"/>
-                  <a:cs typeface="Arial" charset="0"/>
+                  <a:latin typeface="Arial" panose="020B0604020202020204" pitchFamily="34" charset="0"/>
+                  <a:ea typeface="Arial" panose="020B0604020202020204" pitchFamily="34" charset="0"/>
+                  <a:cs typeface="Arial" panose="020B0604020202020204" pitchFamily="34" charset="0"/>
                 </a:endParaRPr>
               </a:p>
             </p:txBody>
@@ -2554,13 +2463,7 @@
       </p:grpSp>
       <p:sp>
         <p:nvSpPr>
-          <p:cNvPr id="49" name="TextBox 3">
-            <a:extLst>
-              <a:ext uri="{FF2B5EF4-FFF2-40B4-BE49-F238E27FC236}">
-                <a16:creationId xmlns:a16="http://schemas.microsoft.com/office/drawing/2014/main" id="{EABEE2EE-BF4D-7A4A-B3C6-9E47668CCD98}"/>
-              </a:ext>
-            </a:extLst>
-          </p:cNvPr>
+          <p:cNvPr id="49" name="TextBox 3"/>
           <p:cNvSpPr txBox="1"/>
           <p:nvPr userDrawn="1"/>
         </p:nvSpPr>
@@ -2580,23 +2483,19 @@
           </a:bodyPr>
           <a:lstStyle/>
           <a:p>
-            <a:pPr defTabSz="890137">
+            <a:pPr defTabSz="890270">
               <a:defRPr/>
             </a:pPr>
             <a:fld id="{C3837181-38C6-AD4F-B8BA-B444770388BB}" type="slidenum">
-              <a:rPr lang="en-US" sz="974" smtClean="0">
+              <a:rPr lang="en-US" sz="975" smtClean="0">
                 <a:solidFill>
                   <a:srgbClr val="1D1D1B"/>
                 </a:solidFill>
                 <a:latin typeface="Arial" panose="020B0604020202020204" pitchFamily="34" charset="0"/>
                 <a:cs typeface="Arial" panose="020B0604020202020204" pitchFamily="34" charset="0"/>
               </a:rPr>
-              <a:pPr defTabSz="890137">
-                <a:defRPr/>
-              </a:pPr>
-              <a:t>‹#›</a:t>
             </a:fld>
-            <a:endParaRPr lang="en-US" sz="974" dirty="0">
+            <a:endParaRPr lang="en-US" sz="975" dirty="0">
               <a:solidFill>
                 <a:srgbClr val="1D1D1B"/>
               </a:solidFill>
@@ -2615,7 +2514,7 @@
           <p:nvPr userDrawn="1"/>
         </p:nvPicPr>
         <p:blipFill>
-          <a:blip r:embed="rId4" cstate="print">
+          <a:blip r:embed="rId3" cstate="print">
             <a:extLst>
               <a:ext uri="{28A0092B-C50C-407E-A947-70E740481C1C}">
                 <a14:useLocalDpi xmlns:a14="http://schemas.microsoft.com/office/drawing/2010/main" val="0"/>
@@ -2638,13 +2537,7 @@
       </p:pic>
       <p:sp>
         <p:nvSpPr>
-          <p:cNvPr id="2" name="文本框 1">
-            <a:extLst>
-              <a:ext uri="{FF2B5EF4-FFF2-40B4-BE49-F238E27FC236}">
-                <a16:creationId xmlns:a16="http://schemas.microsoft.com/office/drawing/2014/main" id="{D6EB0E28-8BEC-C6F5-4A19-80048D7157D2}"/>
-              </a:ext>
-            </a:extLst>
-          </p:cNvPr>
+          <p:cNvPr id="2" name="文本框 1"/>
           <p:cNvSpPr txBox="1"/>
           <p:nvPr userDrawn="1"/>
         </p:nvSpPr>
@@ -2676,8 +2569,8 @@
                     <a:lumMod val="75000"/>
                   </a:schemeClr>
                 </a:solidFill>
-                <a:latin typeface="Microsoft YaHei" panose="020B0503020204020204" pitchFamily="34" charset="-122"/>
-                <a:ea typeface="Microsoft YaHei" panose="020B0503020204020204" pitchFamily="34" charset="-122"/>
+                <a:latin typeface="微软雅黑" panose="020B0503020204020204" pitchFamily="34" charset="-122"/>
+                <a:ea typeface="微软雅黑" panose="020B0503020204020204" pitchFamily="34" charset="-122"/>
               </a:rPr>
               <a:t>昇思</a:t>
             </a:r>
@@ -2688,8 +2581,8 @@
                     <a:lumMod val="75000"/>
                   </a:schemeClr>
                 </a:solidFill>
-                <a:latin typeface="Microsoft YaHei" panose="020B0503020204020204" pitchFamily="34" charset="-122"/>
-                <a:ea typeface="Microsoft YaHei" panose="020B0503020204020204" pitchFamily="34" charset="-122"/>
+                <a:latin typeface="微软雅黑" panose="020B0503020204020204" pitchFamily="34" charset="-122"/>
+                <a:ea typeface="微软雅黑" panose="020B0503020204020204" pitchFamily="34" charset="-122"/>
               </a:rPr>
               <a:t>MindSpore</a:t>
             </a:r>
@@ -2700,8 +2593,8 @@
                     <a:lumMod val="75000"/>
                   </a:schemeClr>
                 </a:solidFill>
-                <a:latin typeface="Microsoft YaHei" panose="020B0503020204020204" pitchFamily="34" charset="-122"/>
-                <a:ea typeface="Microsoft YaHei" panose="020B0503020204020204" pitchFamily="34" charset="-122"/>
+                <a:latin typeface="微软雅黑" panose="020B0503020204020204" pitchFamily="34" charset="-122"/>
+                <a:ea typeface="微软雅黑" panose="020B0503020204020204" pitchFamily="34" charset="-122"/>
               </a:rPr>
               <a:t>创新训练</a:t>
             </a:r>
@@ -2712,30 +2605,34 @@
                     <a:lumMod val="75000"/>
                   </a:schemeClr>
                 </a:solidFill>
-                <a:latin typeface="Microsoft YaHei" panose="020B0503020204020204" pitchFamily="34" charset="-122"/>
-                <a:ea typeface="Microsoft YaHei" panose="020B0503020204020204" pitchFamily="34" charset="-122"/>
+                <a:latin typeface="微软雅黑" panose="020B0503020204020204" pitchFamily="34" charset="-122"/>
+                <a:ea typeface="微软雅黑" panose="020B0503020204020204" pitchFamily="34" charset="-122"/>
               </a:rPr>
               <a:t>营</a:t>
             </a:r>
+            <a:endParaRPr lang="zh-CN" altLang="en-US" sz="2000" b="1" dirty="0">
+              <a:solidFill>
+                <a:schemeClr val="accent2">
+                  <a:lumMod val="75000"/>
+                </a:schemeClr>
+              </a:solidFill>
+              <a:latin typeface="微软雅黑" panose="020B0503020204020204" pitchFamily="34" charset="-122"/>
+              <a:ea typeface="微软雅黑" panose="020B0503020204020204" pitchFamily="34" charset="-122"/>
+            </a:endParaRPr>
           </a:p>
         </p:txBody>
       </p:sp>
     </p:spTree>
-    <p:extLst>
-      <p:ext uri="{BB962C8B-B14F-4D97-AF65-F5344CB8AC3E}">
-        <p14:creationId xmlns:p14="http://schemas.microsoft.com/office/powerpoint/2010/main" val="529568538"/>
-      </p:ext>
-    </p:extLst>
   </p:cSld>
   <p:clrMap bg1="lt1" tx1="dk1" bg2="lt2" tx2="dk2" accent1="accent1" accent2="accent2" accent3="accent3" accent4="accent4" accent5="accent5" accent6="accent6" hlink="hlink" folHlink="folHlink"/>
   <p:sldLayoutIdLst>
-    <p:sldLayoutId id="2147483722" r:id="rId1"/>
-    <p:sldLayoutId id="2147483723" r:id="rId2"/>
+    <p:sldLayoutId id="2147483649" r:id="rId1"/>
+    <p:sldLayoutId id="2147483650" r:id="rId2"/>
   </p:sldLayoutIdLst>
   <p:hf hdr="0" ftr="0" dt="0"/>
   <p:txStyles>
     <p:titleStyle>
-      <a:lvl1pPr algn="l" defTabSz="1186373" rtl="0" eaLnBrk="1" latinLnBrk="0" hangingPunct="1">
+      <a:lvl1pPr algn="l" defTabSz="1186180" rtl="0" eaLnBrk="1" latinLnBrk="0" hangingPunct="1">
         <a:lnSpc>
           <a:spcPct val="90000"/>
         </a:lnSpc>
@@ -2754,16 +2651,16 @@
       </a:lvl1pPr>
     </p:titleStyle>
     <p:bodyStyle>
-      <a:lvl1pPr marL="296593" indent="-296593" algn="l" defTabSz="1186373" rtl="0" eaLnBrk="1" latinLnBrk="0" hangingPunct="1">
+      <a:lvl1pPr marL="296545" indent="-296545" algn="l" defTabSz="1186180" rtl="0" eaLnBrk="1" latinLnBrk="0" hangingPunct="1">
         <a:lnSpc>
           <a:spcPct val="90000"/>
         </a:lnSpc>
         <a:spcBef>
-          <a:spcPts val="1296"/>
+          <a:spcPts val="1295"/>
         </a:spcBef>
         <a:buFont typeface="Arial" panose="020B0604020202020204" pitchFamily="34" charset="0"/>
         <a:buChar char="•"/>
-        <a:defRPr sz="3633" kern="1200">
+        <a:defRPr sz="3635" kern="1200">
           <a:solidFill>
             <a:schemeClr val="tx1"/>
           </a:solidFill>
@@ -2772,7 +2669,7 @@
           <a:cs typeface="+mn-cs"/>
         </a:defRPr>
       </a:lvl1pPr>
-      <a:lvl2pPr marL="889781" indent="-296593" algn="l" defTabSz="1186373" rtl="0" eaLnBrk="1" latinLnBrk="0" hangingPunct="1">
+      <a:lvl2pPr marL="889635" indent="-296545" algn="l" defTabSz="1186180" rtl="0" eaLnBrk="1" latinLnBrk="0" hangingPunct="1">
         <a:lnSpc>
           <a:spcPct val="90000"/>
         </a:lnSpc>
@@ -2790,7 +2687,7 @@
           <a:cs typeface="+mn-cs"/>
         </a:defRPr>
       </a:lvl2pPr>
-      <a:lvl3pPr marL="1482967" indent="-296593" algn="l" defTabSz="1186373" rtl="0" eaLnBrk="1" latinLnBrk="0" hangingPunct="1">
+      <a:lvl3pPr marL="1482725" indent="-296545" algn="l" defTabSz="1186180" rtl="0" eaLnBrk="1" latinLnBrk="0" hangingPunct="1">
         <a:lnSpc>
           <a:spcPct val="90000"/>
         </a:lnSpc>
@@ -2808,7 +2705,7 @@
           <a:cs typeface="+mn-cs"/>
         </a:defRPr>
       </a:lvl3pPr>
-      <a:lvl4pPr marL="2076155" indent="-296593" algn="l" defTabSz="1186373" rtl="0" eaLnBrk="1" latinLnBrk="0" hangingPunct="1">
+      <a:lvl4pPr marL="2076450" indent="-296545" algn="l" defTabSz="1186180" rtl="0" eaLnBrk="1" latinLnBrk="0" hangingPunct="1">
         <a:lnSpc>
           <a:spcPct val="90000"/>
         </a:lnSpc>
@@ -2826,7 +2723,7 @@
           <a:cs typeface="+mn-cs"/>
         </a:defRPr>
       </a:lvl4pPr>
-      <a:lvl5pPr marL="2669341" indent="-296593" algn="l" defTabSz="1186373" rtl="0" eaLnBrk="1" latinLnBrk="0" hangingPunct="1">
+      <a:lvl5pPr marL="2669540" indent="-296545" algn="l" defTabSz="1186180" rtl="0" eaLnBrk="1" latinLnBrk="0" hangingPunct="1">
         <a:lnSpc>
           <a:spcPct val="90000"/>
         </a:lnSpc>
@@ -2844,7 +2741,7 @@
           <a:cs typeface="+mn-cs"/>
         </a:defRPr>
       </a:lvl5pPr>
-      <a:lvl6pPr marL="3262528" indent="-296593" algn="l" defTabSz="1186373" rtl="0" eaLnBrk="1" latinLnBrk="0" hangingPunct="1">
+      <a:lvl6pPr marL="3262630" indent="-296545" algn="l" defTabSz="1186180" rtl="0" eaLnBrk="1" latinLnBrk="0" hangingPunct="1">
         <a:lnSpc>
           <a:spcPct val="90000"/>
         </a:lnSpc>
@@ -2862,7 +2759,7 @@
           <a:cs typeface="+mn-cs"/>
         </a:defRPr>
       </a:lvl6pPr>
-      <a:lvl7pPr marL="3855715" indent="-296593" algn="l" defTabSz="1186373" rtl="0" eaLnBrk="1" latinLnBrk="0" hangingPunct="1">
+      <a:lvl7pPr marL="3855720" indent="-296545" algn="l" defTabSz="1186180" rtl="0" eaLnBrk="1" latinLnBrk="0" hangingPunct="1">
         <a:lnSpc>
           <a:spcPct val="90000"/>
         </a:lnSpc>
@@ -2880,7 +2777,7 @@
           <a:cs typeface="+mn-cs"/>
         </a:defRPr>
       </a:lvl7pPr>
-      <a:lvl8pPr marL="4448902" indent="-296593" algn="l" defTabSz="1186373" rtl="0" eaLnBrk="1" latinLnBrk="0" hangingPunct="1">
+      <a:lvl8pPr marL="4448810" indent="-296545" algn="l" defTabSz="1186180" rtl="0" eaLnBrk="1" latinLnBrk="0" hangingPunct="1">
         <a:lnSpc>
           <a:spcPct val="90000"/>
         </a:lnSpc>
@@ -2898,7 +2795,7 @@
           <a:cs typeface="+mn-cs"/>
         </a:defRPr>
       </a:lvl8pPr>
-      <a:lvl9pPr marL="5042089" indent="-296593" algn="l" defTabSz="1186373" rtl="0" eaLnBrk="1" latinLnBrk="0" hangingPunct="1">
+      <a:lvl9pPr marL="5041900" indent="-296545" algn="l" defTabSz="1186180" rtl="0" eaLnBrk="1" latinLnBrk="0" hangingPunct="1">
         <a:lnSpc>
           <a:spcPct val="90000"/>
         </a:lnSpc>
@@ -2921,7 +2818,7 @@
       <a:defPPr>
         <a:defRPr lang="en-US"/>
       </a:defPPr>
-      <a:lvl1pPr marL="0" algn="l" defTabSz="1186373" rtl="0" eaLnBrk="1" latinLnBrk="0" hangingPunct="1">
+      <a:lvl1pPr marL="0" algn="l" defTabSz="1186180" rtl="0" eaLnBrk="1" latinLnBrk="0" hangingPunct="1">
         <a:defRPr sz="2335" kern="1200">
           <a:solidFill>
             <a:schemeClr val="tx1"/>
@@ -2931,7 +2828,7 @@
           <a:cs typeface="+mn-cs"/>
         </a:defRPr>
       </a:lvl1pPr>
-      <a:lvl2pPr marL="593188" algn="l" defTabSz="1186373" rtl="0" eaLnBrk="1" latinLnBrk="0" hangingPunct="1">
+      <a:lvl2pPr marL="593090" algn="l" defTabSz="1186180" rtl="0" eaLnBrk="1" latinLnBrk="0" hangingPunct="1">
         <a:defRPr sz="2335" kern="1200">
           <a:solidFill>
             <a:schemeClr val="tx1"/>
@@ -2941,7 +2838,7 @@
           <a:cs typeface="+mn-cs"/>
         </a:defRPr>
       </a:lvl2pPr>
-      <a:lvl3pPr marL="1186373" algn="l" defTabSz="1186373" rtl="0" eaLnBrk="1" latinLnBrk="0" hangingPunct="1">
+      <a:lvl3pPr marL="1186180" algn="l" defTabSz="1186180" rtl="0" eaLnBrk="1" latinLnBrk="0" hangingPunct="1">
         <a:defRPr sz="2335" kern="1200">
           <a:solidFill>
             <a:schemeClr val="tx1"/>
@@ -2951,7 +2848,7 @@
           <a:cs typeface="+mn-cs"/>
         </a:defRPr>
       </a:lvl3pPr>
-      <a:lvl4pPr marL="1779562" algn="l" defTabSz="1186373" rtl="0" eaLnBrk="1" latinLnBrk="0" hangingPunct="1">
+      <a:lvl4pPr marL="1779270" algn="l" defTabSz="1186180" rtl="0" eaLnBrk="1" latinLnBrk="0" hangingPunct="1">
         <a:defRPr sz="2335" kern="1200">
           <a:solidFill>
             <a:schemeClr val="tx1"/>
@@ -2961,7 +2858,7 @@
           <a:cs typeface="+mn-cs"/>
         </a:defRPr>
       </a:lvl4pPr>
-      <a:lvl5pPr marL="2372749" algn="l" defTabSz="1186373" rtl="0" eaLnBrk="1" latinLnBrk="0" hangingPunct="1">
+      <a:lvl5pPr marL="2372995" algn="l" defTabSz="1186180" rtl="0" eaLnBrk="1" latinLnBrk="0" hangingPunct="1">
         <a:defRPr sz="2335" kern="1200">
           <a:solidFill>
             <a:schemeClr val="tx1"/>
@@ -2971,7 +2868,7 @@
           <a:cs typeface="+mn-cs"/>
         </a:defRPr>
       </a:lvl5pPr>
-      <a:lvl6pPr marL="2965935" algn="l" defTabSz="1186373" rtl="0" eaLnBrk="1" latinLnBrk="0" hangingPunct="1">
+      <a:lvl6pPr marL="2966085" algn="l" defTabSz="1186180" rtl="0" eaLnBrk="1" latinLnBrk="0" hangingPunct="1">
         <a:defRPr sz="2335" kern="1200">
           <a:solidFill>
             <a:schemeClr val="tx1"/>
@@ -2981,7 +2878,7 @@
           <a:cs typeface="+mn-cs"/>
         </a:defRPr>
       </a:lvl6pPr>
-      <a:lvl7pPr marL="3559122" algn="l" defTabSz="1186373" rtl="0" eaLnBrk="1" latinLnBrk="0" hangingPunct="1">
+      <a:lvl7pPr marL="3559175" algn="l" defTabSz="1186180" rtl="0" eaLnBrk="1" latinLnBrk="0" hangingPunct="1">
         <a:defRPr sz="2335" kern="1200">
           <a:solidFill>
             <a:schemeClr val="tx1"/>
@@ -2991,7 +2888,7 @@
           <a:cs typeface="+mn-cs"/>
         </a:defRPr>
       </a:lvl7pPr>
-      <a:lvl8pPr marL="4152310" algn="l" defTabSz="1186373" rtl="0" eaLnBrk="1" latinLnBrk="0" hangingPunct="1">
+      <a:lvl8pPr marL="4152265" algn="l" defTabSz="1186180" rtl="0" eaLnBrk="1" latinLnBrk="0" hangingPunct="1">
         <a:defRPr sz="2335" kern="1200">
           <a:solidFill>
             <a:schemeClr val="tx1"/>
@@ -3001,7 +2898,7 @@
           <a:cs typeface="+mn-cs"/>
         </a:defRPr>
       </a:lvl8pPr>
-      <a:lvl9pPr marL="4745496" algn="l" defTabSz="1186373" rtl="0" eaLnBrk="1" latinLnBrk="0" hangingPunct="1">
+      <a:lvl9pPr marL="4745355" algn="l" defTabSz="1186180" rtl="0" eaLnBrk="1" latinLnBrk="0" hangingPunct="1">
         <a:defRPr sz="2335" kern="1200">
           <a:solidFill>
             <a:schemeClr val="tx1"/>
@@ -3013,37 +2910,6 @@
       </a:lvl9pPr>
     </p:otherStyle>
   </p:txStyles>
-  <p:extLst>
-    <p:ext uri="{27BBF7A9-308A-43DC-89C8-2F10F3537804}">
-      <p15:sldGuideLst xmlns:p15="http://schemas.microsoft.com/office/powerpoint/2012/main">
-        <p15:guide id="1" orient="horz" pos="2161">
-          <p15:clr>
-            <a:srgbClr val="F26B43"/>
-          </p15:clr>
-        </p15:guide>
-        <p15:guide id="2" pos="3842">
-          <p15:clr>
-            <a:srgbClr val="F26B43"/>
-          </p15:clr>
-        </p15:guide>
-        <p15:guide id="3" pos="458">
-          <p15:clr>
-            <a:srgbClr val="F26B43"/>
-          </p15:clr>
-        </p15:guide>
-        <p15:guide id="4" pos="7225">
-          <p15:clr>
-            <a:srgbClr val="F26B43"/>
-          </p15:clr>
-        </p15:guide>
-        <p15:guide id="5" orient="horz" pos="4100">
-          <p15:clr>
-            <a:srgbClr val="F26B43"/>
-          </p15:clr>
-        </p15:guide>
-      </p15:sldGuideLst>
-    </p:ext>
-  </p:extLst>
 </p:sldMaster>
 </file>
 
@@ -3066,13 +2932,7 @@
       </p:grpSpPr>
       <p:sp>
         <p:nvSpPr>
-          <p:cNvPr id="2" name="副标题 1">
-            <a:extLst>
-              <a:ext uri="{FF2B5EF4-FFF2-40B4-BE49-F238E27FC236}">
-                <a16:creationId xmlns:a16="http://schemas.microsoft.com/office/drawing/2014/main" id="{E1D6CF3C-D71C-F029-1570-008C16008816}"/>
-              </a:ext>
-            </a:extLst>
-          </p:cNvPr>
+          <p:cNvPr id="2" name="副标题 1"/>
           <p:cNvSpPr>
             <a:spLocks noGrp="1"/>
           </p:cNvSpPr>
@@ -3099,18 +2959,13 @@
               <a:rPr lang="zh-CN" altLang="en-US" dirty="0"/>
               <a:t>创新训练营</a:t>
             </a:r>
+            <a:endParaRPr lang="zh-CN" altLang="en-US" dirty="0"/>
           </a:p>
         </p:txBody>
       </p:sp>
       <p:sp>
         <p:nvSpPr>
-          <p:cNvPr id="4" name="文本框 3">
-            <a:extLst>
-              <a:ext uri="{FF2B5EF4-FFF2-40B4-BE49-F238E27FC236}">
-                <a16:creationId xmlns:a16="http://schemas.microsoft.com/office/drawing/2014/main" id="{72D13CCE-B957-4823-110F-02951D54E943}"/>
-              </a:ext>
-            </a:extLst>
-          </p:cNvPr>
+          <p:cNvPr id="4" name="文本框 3"/>
           <p:cNvSpPr txBox="1"/>
           <p:nvPr/>
         </p:nvSpPr>
@@ -3137,20 +2992,19 @@
             </a:pPr>
             <a:r>
               <a:rPr lang="zh-CN" altLang="en-US" sz="3200" dirty="0">
-                <a:latin typeface="Microsoft YaHei" panose="020B0503020204020204" pitchFamily="34" charset="-122"/>
-                <a:ea typeface="Microsoft YaHei" panose="020B0503020204020204" pitchFamily="34" charset="-122"/>
+                <a:latin typeface="微软雅黑" panose="020B0503020204020204" pitchFamily="34" charset="-122"/>
+                <a:ea typeface="微软雅黑" panose="020B0503020204020204" pitchFamily="34" charset="-122"/>
               </a:rPr>
               <a:t>答辩模版</a:t>
             </a:r>
+            <a:endParaRPr lang="zh-CN" altLang="en-US" sz="3200" dirty="0">
+              <a:latin typeface="微软雅黑" panose="020B0503020204020204" pitchFamily="34" charset="-122"/>
+              <a:ea typeface="微软雅黑" panose="020B0503020204020204" pitchFamily="34" charset="-122"/>
+            </a:endParaRPr>
           </a:p>
         </p:txBody>
       </p:sp>
     </p:spTree>
-    <p:extLst>
-      <p:ext uri="{BB962C8B-B14F-4D97-AF65-F5344CB8AC3E}">
-        <p14:creationId xmlns:p14="http://schemas.microsoft.com/office/powerpoint/2010/main" val="2225604405"/>
-      </p:ext>
-    </p:extLst>
   </p:cSld>
   <p:clrMapOvr>
     <a:masterClrMapping/>
@@ -3177,13 +3031,7 @@
       </p:grpSpPr>
       <p:sp>
         <p:nvSpPr>
-          <p:cNvPr id="2" name="副标题 1">
-            <a:extLst>
-              <a:ext uri="{FF2B5EF4-FFF2-40B4-BE49-F238E27FC236}">
-                <a16:creationId xmlns:a16="http://schemas.microsoft.com/office/drawing/2014/main" id="{CB5C7999-E189-F57A-482E-276B930CDA60}"/>
-              </a:ext>
-            </a:extLst>
-          </p:cNvPr>
+          <p:cNvPr id="2" name="副标题 1"/>
           <p:cNvSpPr>
             <a:spLocks noGrp="1"/>
           </p:cNvSpPr>
@@ -3202,18 +3050,13 @@
               <a:rPr lang="zh-CN" altLang="en-US" dirty="0"/>
               <a:t>技术方案</a:t>
             </a:r>
+            <a:endParaRPr lang="zh-CN" altLang="en-US" dirty="0"/>
           </a:p>
         </p:txBody>
       </p:sp>
       <p:sp>
         <p:nvSpPr>
-          <p:cNvPr id="3" name="文本占位符 2">
-            <a:extLst>
-              <a:ext uri="{FF2B5EF4-FFF2-40B4-BE49-F238E27FC236}">
-                <a16:creationId xmlns:a16="http://schemas.microsoft.com/office/drawing/2014/main" id="{620D5260-392D-4755-E867-248D5853878A}"/>
-              </a:ext>
-            </a:extLst>
-          </p:cNvPr>
+          <p:cNvPr id="3" name="文本占位符 2"/>
           <p:cNvSpPr>
             <a:spLocks noGrp="1"/>
           </p:cNvSpPr>
@@ -3260,15 +3103,15 @@
               </a:rPr>
               <a:t>如方案计划使用到香橙派请详细描述香橙派相关技术方案</a:t>
             </a:r>
+            <a:endParaRPr lang="zh-CN" altLang="en-US" sz="2000" kern="100" dirty="0">
+              <a:latin typeface="微软雅黑" panose="020B0503020204020204" pitchFamily="34" charset="-122"/>
+              <a:ea typeface="微软雅黑" panose="020B0503020204020204" pitchFamily="34" charset="-122"/>
+              <a:cs typeface="Times New Roman" panose="02020603050405020304" pitchFamily="18" charset="0"/>
+            </a:endParaRPr>
           </a:p>
         </p:txBody>
       </p:sp>
     </p:spTree>
-    <p:extLst>
-      <p:ext uri="{BB962C8B-B14F-4D97-AF65-F5344CB8AC3E}">
-        <p14:creationId xmlns:p14="http://schemas.microsoft.com/office/powerpoint/2010/main" val="3643412247"/>
-      </p:ext>
-    </p:extLst>
   </p:cSld>
   <p:clrMapOvr>
     <a:masterClrMapping/>
@@ -3295,13 +3138,7 @@
       </p:grpSpPr>
       <p:sp>
         <p:nvSpPr>
-          <p:cNvPr id="2" name="副标题 1">
-            <a:extLst>
-              <a:ext uri="{FF2B5EF4-FFF2-40B4-BE49-F238E27FC236}">
-                <a16:creationId xmlns:a16="http://schemas.microsoft.com/office/drawing/2014/main" id="{CB5C7999-E189-F57A-482E-276B930CDA60}"/>
-              </a:ext>
-            </a:extLst>
-          </p:cNvPr>
+          <p:cNvPr id="2" name="副标题 1"/>
           <p:cNvSpPr>
             <a:spLocks noGrp="1"/>
           </p:cNvSpPr>
@@ -3320,21 +3157,14 @@
               <a:rPr lang="zh-CN" altLang="en-US" dirty="0"/>
               <a:t>可行性分析</a:t>
             </a:r>
+            <a:endParaRPr lang="zh-CN" altLang="en-US" dirty="0"/>
           </a:p>
         </p:txBody>
       </p:sp>
       <p:sp>
         <p:nvSpPr>
-          <p:cNvPr id="3" name="文本占位符 2">
-            <a:extLst>
-              <a:ext uri="{FF2B5EF4-FFF2-40B4-BE49-F238E27FC236}">
-                <a16:creationId xmlns:a16="http://schemas.microsoft.com/office/drawing/2014/main" id="{0BAC36FB-A496-0BCB-BFC0-11DB6D89F675}"/>
-              </a:ext>
-            </a:extLst>
-          </p:cNvPr>
-          <p:cNvSpPr txBox="1">
-            <a:spLocks/>
-          </p:cNvSpPr>
+          <p:cNvPr id="3" name="文本占位符 2"/>
+          <p:cNvSpPr txBox="1"/>
           <p:nvPr/>
         </p:nvSpPr>
         <p:spPr>
@@ -3349,16 +3179,16 @@
         <p:txBody>
           <a:bodyPr/>
           <a:lstStyle>
-            <a:lvl1pPr marL="296593" indent="-296593" algn="l" defTabSz="1186373" rtl="0" eaLnBrk="1" latinLnBrk="0" hangingPunct="1">
+            <a:lvl1pPr marL="296545" indent="-296545" algn="l" defTabSz="1186180" rtl="0" eaLnBrk="1" latinLnBrk="0" hangingPunct="1">
               <a:lnSpc>
                 <a:spcPct val="90000"/>
               </a:lnSpc>
               <a:spcBef>
-                <a:spcPts val="1296"/>
+                <a:spcPts val="1295"/>
               </a:spcBef>
               <a:buFont typeface="Arial" panose="020B0604020202020204" pitchFamily="34" charset="0"/>
               <a:buChar char="•"/>
-              <a:defRPr sz="3633" kern="1200">
+              <a:defRPr sz="3635" kern="1200">
                 <a:solidFill>
                   <a:schemeClr val="tx1"/>
                 </a:solidFill>
@@ -3367,7 +3197,7 @@
                 <a:cs typeface="+mn-cs"/>
               </a:defRPr>
             </a:lvl1pPr>
-            <a:lvl2pPr marL="889781" indent="-296593" algn="l" defTabSz="1186373" rtl="0" eaLnBrk="1" latinLnBrk="0" hangingPunct="1">
+            <a:lvl2pPr marL="889635" indent="-296545" algn="l" defTabSz="1186180" rtl="0" eaLnBrk="1" latinLnBrk="0" hangingPunct="1">
               <a:lnSpc>
                 <a:spcPct val="90000"/>
               </a:lnSpc>
@@ -3385,7 +3215,7 @@
                 <a:cs typeface="+mn-cs"/>
               </a:defRPr>
             </a:lvl2pPr>
-            <a:lvl3pPr marL="1482967" indent="-296593" algn="l" defTabSz="1186373" rtl="0" eaLnBrk="1" latinLnBrk="0" hangingPunct="1">
+            <a:lvl3pPr marL="1482725" indent="-296545" algn="l" defTabSz="1186180" rtl="0" eaLnBrk="1" latinLnBrk="0" hangingPunct="1">
               <a:lnSpc>
                 <a:spcPct val="90000"/>
               </a:lnSpc>
@@ -3403,7 +3233,7 @@
                 <a:cs typeface="+mn-cs"/>
               </a:defRPr>
             </a:lvl3pPr>
-            <a:lvl4pPr marL="2076155" indent="-296593" algn="l" defTabSz="1186373" rtl="0" eaLnBrk="1" latinLnBrk="0" hangingPunct="1">
+            <a:lvl4pPr marL="2076450" indent="-296545" algn="l" defTabSz="1186180" rtl="0" eaLnBrk="1" latinLnBrk="0" hangingPunct="1">
               <a:lnSpc>
                 <a:spcPct val="90000"/>
               </a:lnSpc>
@@ -3421,7 +3251,7 @@
                 <a:cs typeface="+mn-cs"/>
               </a:defRPr>
             </a:lvl4pPr>
-            <a:lvl5pPr marL="2669341" indent="-296593" algn="l" defTabSz="1186373" rtl="0" eaLnBrk="1" latinLnBrk="0" hangingPunct="1">
+            <a:lvl5pPr marL="2669540" indent="-296545" algn="l" defTabSz="1186180" rtl="0" eaLnBrk="1" latinLnBrk="0" hangingPunct="1">
               <a:lnSpc>
                 <a:spcPct val="90000"/>
               </a:lnSpc>
@@ -3439,7 +3269,7 @@
                 <a:cs typeface="+mn-cs"/>
               </a:defRPr>
             </a:lvl5pPr>
-            <a:lvl6pPr marL="3262528" indent="-296593" algn="l" defTabSz="1186373" rtl="0" eaLnBrk="1" latinLnBrk="0" hangingPunct="1">
+            <a:lvl6pPr marL="3262630" indent="-296545" algn="l" defTabSz="1186180" rtl="0" eaLnBrk="1" latinLnBrk="0" hangingPunct="1">
               <a:lnSpc>
                 <a:spcPct val="90000"/>
               </a:lnSpc>
@@ -3457,7 +3287,7 @@
                 <a:cs typeface="+mn-cs"/>
               </a:defRPr>
             </a:lvl6pPr>
-            <a:lvl7pPr marL="3855715" indent="-296593" algn="l" defTabSz="1186373" rtl="0" eaLnBrk="1" latinLnBrk="0" hangingPunct="1">
+            <a:lvl7pPr marL="3855720" indent="-296545" algn="l" defTabSz="1186180" rtl="0" eaLnBrk="1" latinLnBrk="0" hangingPunct="1">
               <a:lnSpc>
                 <a:spcPct val="90000"/>
               </a:lnSpc>
@@ -3475,7 +3305,7 @@
                 <a:cs typeface="+mn-cs"/>
               </a:defRPr>
             </a:lvl7pPr>
-            <a:lvl8pPr marL="4448902" indent="-296593" algn="l" defTabSz="1186373" rtl="0" eaLnBrk="1" latinLnBrk="0" hangingPunct="1">
+            <a:lvl8pPr marL="4448810" indent="-296545" algn="l" defTabSz="1186180" rtl="0" eaLnBrk="1" latinLnBrk="0" hangingPunct="1">
               <a:lnSpc>
                 <a:spcPct val="90000"/>
               </a:lnSpc>
@@ -3493,7 +3323,7 @@
                 <a:cs typeface="+mn-cs"/>
               </a:defRPr>
             </a:lvl8pPr>
-            <a:lvl9pPr marL="5042089" indent="-296593" algn="l" defTabSz="1186373" rtl="0" eaLnBrk="1" latinLnBrk="0" hangingPunct="1">
+            <a:lvl9pPr marL="5041900" indent="-296545" algn="l" defTabSz="1186180" rtl="0" eaLnBrk="1" latinLnBrk="0" hangingPunct="1">
               <a:lnSpc>
                 <a:spcPct val="90000"/>
               </a:lnSpc>
@@ -3546,15 +3376,15 @@
               </a:rPr>
               <a:t>从已有模型能力，可获得的数据集，算力资源等方面说明项目的可行性</a:t>
             </a:r>
+            <a:endParaRPr lang="zh-CN" altLang="en-US" sz="2000" kern="100" dirty="0">
+              <a:latin typeface="微软雅黑" panose="020B0503020204020204" pitchFamily="34" charset="-122"/>
+              <a:ea typeface="微软雅黑" panose="020B0503020204020204" pitchFamily="34" charset="-122"/>
+              <a:cs typeface="Times New Roman" panose="02020603050405020304" pitchFamily="18" charset="0"/>
+            </a:endParaRPr>
           </a:p>
         </p:txBody>
       </p:sp>
     </p:spTree>
-    <p:extLst>
-      <p:ext uri="{BB962C8B-B14F-4D97-AF65-F5344CB8AC3E}">
-        <p14:creationId xmlns:p14="http://schemas.microsoft.com/office/powerpoint/2010/main" val="2393153662"/>
-      </p:ext>
-    </p:extLst>
   </p:cSld>
   <p:clrMapOvr>
     <a:masterClrMapping/>
@@ -3581,13 +3411,7 @@
       </p:grpSpPr>
       <p:sp>
         <p:nvSpPr>
-          <p:cNvPr id="2" name="副标题 1">
-            <a:extLst>
-              <a:ext uri="{FF2B5EF4-FFF2-40B4-BE49-F238E27FC236}">
-                <a16:creationId xmlns:a16="http://schemas.microsoft.com/office/drawing/2014/main" id="{CB5C7999-E189-F57A-482E-276B930CDA60}"/>
-              </a:ext>
-            </a:extLst>
-          </p:cNvPr>
+          <p:cNvPr id="2" name="副标题 1"/>
           <p:cNvSpPr>
             <a:spLocks noGrp="1"/>
           </p:cNvSpPr>
@@ -3606,18 +3430,13 @@
               <a:rPr lang="zh-CN" altLang="en-US" dirty="0"/>
               <a:t>创新性</a:t>
             </a:r>
+            <a:endParaRPr lang="zh-CN" altLang="en-US" dirty="0"/>
           </a:p>
         </p:txBody>
       </p:sp>
       <p:sp>
         <p:nvSpPr>
-          <p:cNvPr id="3" name="文本占位符 2">
-            <a:extLst>
-              <a:ext uri="{FF2B5EF4-FFF2-40B4-BE49-F238E27FC236}">
-                <a16:creationId xmlns:a16="http://schemas.microsoft.com/office/drawing/2014/main" id="{537CD450-095A-5FF7-AC52-F5DEE8106A35}"/>
-              </a:ext>
-            </a:extLst>
-          </p:cNvPr>
+          <p:cNvPr id="3" name="文本占位符 2"/>
           <p:cNvSpPr>
             <a:spLocks noGrp="1"/>
           </p:cNvSpPr>
@@ -3634,15 +3453,11 @@
               <a:rPr lang="zh-CN" altLang="en-US" sz="2000" dirty="0"/>
               <a:t>项目有哪些创新点以及在技术和应用上的亮点</a:t>
             </a:r>
+            <a:endParaRPr lang="zh-CN" altLang="en-US" sz="2000" dirty="0"/>
           </a:p>
         </p:txBody>
       </p:sp>
     </p:spTree>
-    <p:extLst>
-      <p:ext uri="{BB962C8B-B14F-4D97-AF65-F5344CB8AC3E}">
-        <p14:creationId xmlns:p14="http://schemas.microsoft.com/office/powerpoint/2010/main" val="1565155307"/>
-      </p:ext>
-    </p:extLst>
   </p:cSld>
   <p:clrMapOvr>
     <a:masterClrMapping/>
@@ -3669,13 +3484,7 @@
       </p:grpSpPr>
       <p:sp>
         <p:nvSpPr>
-          <p:cNvPr id="2" name="副标题 1">
-            <a:extLst>
-              <a:ext uri="{FF2B5EF4-FFF2-40B4-BE49-F238E27FC236}">
-                <a16:creationId xmlns:a16="http://schemas.microsoft.com/office/drawing/2014/main" id="{CB5C7999-E189-F57A-482E-276B930CDA60}"/>
-              </a:ext>
-            </a:extLst>
-          </p:cNvPr>
+          <p:cNvPr id="2" name="副标题 1"/>
           <p:cNvSpPr>
             <a:spLocks noGrp="1"/>
           </p:cNvSpPr>
@@ -3694,21 +3503,14 @@
               <a:rPr lang="zh-CN" altLang="en-US" dirty="0"/>
               <a:t>完成情况</a:t>
             </a:r>
+            <a:endParaRPr lang="zh-CN" altLang="en-US" dirty="0"/>
           </a:p>
         </p:txBody>
       </p:sp>
       <p:sp>
         <p:nvSpPr>
-          <p:cNvPr id="3" name="文本占位符 2">
-            <a:extLst>
-              <a:ext uri="{FF2B5EF4-FFF2-40B4-BE49-F238E27FC236}">
-                <a16:creationId xmlns:a16="http://schemas.microsoft.com/office/drawing/2014/main" id="{23E99FF2-8C80-D9CA-DC18-4F4F55C01D98}"/>
-              </a:ext>
-            </a:extLst>
-          </p:cNvPr>
-          <p:cNvSpPr txBox="1">
-            <a:spLocks/>
-          </p:cNvSpPr>
+          <p:cNvPr id="3" name="文本占位符 2"/>
+          <p:cNvSpPr txBox="1"/>
           <p:nvPr/>
         </p:nvSpPr>
         <p:spPr>
@@ -3723,16 +3525,16 @@
         <p:txBody>
           <a:bodyPr/>
           <a:lstStyle>
-            <a:lvl1pPr marL="296593" indent="-296593" algn="l" defTabSz="1186373" rtl="0" eaLnBrk="1" latinLnBrk="0" hangingPunct="1">
+            <a:lvl1pPr marL="296545" indent="-296545" algn="l" defTabSz="1186180" rtl="0" eaLnBrk="1" latinLnBrk="0" hangingPunct="1">
               <a:lnSpc>
                 <a:spcPct val="90000"/>
               </a:lnSpc>
               <a:spcBef>
-                <a:spcPts val="1296"/>
+                <a:spcPts val="1295"/>
               </a:spcBef>
               <a:buFont typeface="Arial" panose="020B0604020202020204" pitchFamily="34" charset="0"/>
               <a:buChar char="•"/>
-              <a:defRPr sz="3633" kern="1200">
+              <a:defRPr sz="3635" kern="1200">
                 <a:solidFill>
                   <a:schemeClr val="tx1"/>
                 </a:solidFill>
@@ -3741,7 +3543,7 @@
                 <a:cs typeface="+mn-cs"/>
               </a:defRPr>
             </a:lvl1pPr>
-            <a:lvl2pPr marL="889781" indent="-296593" algn="l" defTabSz="1186373" rtl="0" eaLnBrk="1" latinLnBrk="0" hangingPunct="1">
+            <a:lvl2pPr marL="889635" indent="-296545" algn="l" defTabSz="1186180" rtl="0" eaLnBrk="1" latinLnBrk="0" hangingPunct="1">
               <a:lnSpc>
                 <a:spcPct val="90000"/>
               </a:lnSpc>
@@ -3759,7 +3561,7 @@
                 <a:cs typeface="+mn-cs"/>
               </a:defRPr>
             </a:lvl2pPr>
-            <a:lvl3pPr marL="1482967" indent="-296593" algn="l" defTabSz="1186373" rtl="0" eaLnBrk="1" latinLnBrk="0" hangingPunct="1">
+            <a:lvl3pPr marL="1482725" indent="-296545" algn="l" defTabSz="1186180" rtl="0" eaLnBrk="1" latinLnBrk="0" hangingPunct="1">
               <a:lnSpc>
                 <a:spcPct val="90000"/>
               </a:lnSpc>
@@ -3777,7 +3579,7 @@
                 <a:cs typeface="+mn-cs"/>
               </a:defRPr>
             </a:lvl3pPr>
-            <a:lvl4pPr marL="2076155" indent="-296593" algn="l" defTabSz="1186373" rtl="0" eaLnBrk="1" latinLnBrk="0" hangingPunct="1">
+            <a:lvl4pPr marL="2076450" indent="-296545" algn="l" defTabSz="1186180" rtl="0" eaLnBrk="1" latinLnBrk="0" hangingPunct="1">
               <a:lnSpc>
                 <a:spcPct val="90000"/>
               </a:lnSpc>
@@ -3795,7 +3597,7 @@
                 <a:cs typeface="+mn-cs"/>
               </a:defRPr>
             </a:lvl4pPr>
-            <a:lvl5pPr marL="2669341" indent="-296593" algn="l" defTabSz="1186373" rtl="0" eaLnBrk="1" latinLnBrk="0" hangingPunct="1">
+            <a:lvl5pPr marL="2669540" indent="-296545" algn="l" defTabSz="1186180" rtl="0" eaLnBrk="1" latinLnBrk="0" hangingPunct="1">
               <a:lnSpc>
                 <a:spcPct val="90000"/>
               </a:lnSpc>
@@ -3813,7 +3615,7 @@
                 <a:cs typeface="+mn-cs"/>
               </a:defRPr>
             </a:lvl5pPr>
-            <a:lvl6pPr marL="3262528" indent="-296593" algn="l" defTabSz="1186373" rtl="0" eaLnBrk="1" latinLnBrk="0" hangingPunct="1">
+            <a:lvl6pPr marL="3262630" indent="-296545" algn="l" defTabSz="1186180" rtl="0" eaLnBrk="1" latinLnBrk="0" hangingPunct="1">
               <a:lnSpc>
                 <a:spcPct val="90000"/>
               </a:lnSpc>
@@ -3831,7 +3633,7 @@
                 <a:cs typeface="+mn-cs"/>
               </a:defRPr>
             </a:lvl6pPr>
-            <a:lvl7pPr marL="3855715" indent="-296593" algn="l" defTabSz="1186373" rtl="0" eaLnBrk="1" latinLnBrk="0" hangingPunct="1">
+            <a:lvl7pPr marL="3855720" indent="-296545" algn="l" defTabSz="1186180" rtl="0" eaLnBrk="1" latinLnBrk="0" hangingPunct="1">
               <a:lnSpc>
                 <a:spcPct val="90000"/>
               </a:lnSpc>
@@ -3849,7 +3651,7 @@
                 <a:cs typeface="+mn-cs"/>
               </a:defRPr>
             </a:lvl7pPr>
-            <a:lvl8pPr marL="4448902" indent="-296593" algn="l" defTabSz="1186373" rtl="0" eaLnBrk="1" latinLnBrk="0" hangingPunct="1">
+            <a:lvl8pPr marL="4448810" indent="-296545" algn="l" defTabSz="1186180" rtl="0" eaLnBrk="1" latinLnBrk="0" hangingPunct="1">
               <a:lnSpc>
                 <a:spcPct val="90000"/>
               </a:lnSpc>
@@ -3867,7 +3669,7 @@
                 <a:cs typeface="+mn-cs"/>
               </a:defRPr>
             </a:lvl8pPr>
-            <a:lvl9pPr marL="5042089" indent="-296593" algn="l" defTabSz="1186373" rtl="0" eaLnBrk="1" latinLnBrk="0" hangingPunct="1">
+            <a:lvl9pPr marL="5041900" indent="-296545" algn="l" defTabSz="1186180" rtl="0" eaLnBrk="1" latinLnBrk="0" hangingPunct="1">
               <a:lnSpc>
                 <a:spcPct val="90000"/>
               </a:lnSpc>
@@ -3900,6 +3702,11 @@
               </a:rPr>
               <a:t>代码仓地址等信息</a:t>
             </a:r>
+            <a:endParaRPr lang="zh-CN" altLang="en-US" sz="2000" kern="100" dirty="0">
+              <a:latin typeface="微软雅黑" panose="020B0503020204020204" pitchFamily="34" charset="-122"/>
+              <a:ea typeface="微软雅黑" panose="020B0503020204020204" pitchFamily="34" charset="-122"/>
+              <a:cs typeface="Times New Roman" panose="02020603050405020304" pitchFamily="18" charset="0"/>
+            </a:endParaRPr>
           </a:p>
           <a:p>
             <a:pPr>
@@ -3931,6 +3738,11 @@
               </a:rPr>
               <a:t>代码目录规范）</a:t>
             </a:r>
+            <a:endParaRPr lang="zh-CN" altLang="en-US" sz="2000" kern="100" dirty="0">
+              <a:latin typeface="微软雅黑" panose="020B0503020204020204" pitchFamily="34" charset="-122"/>
+              <a:ea typeface="微软雅黑" panose="020B0503020204020204" pitchFamily="34" charset="-122"/>
+              <a:cs typeface="Times New Roman" panose="02020603050405020304" pitchFamily="18" charset="0"/>
+            </a:endParaRPr>
           </a:p>
           <a:p>
             <a:pPr>
@@ -3946,6 +3758,11 @@
               </a:rPr>
               <a:t>自验结果（包括自验环境、自验精度结果等，推荐多提供截图参考。提供自验结果截图或日志文件）</a:t>
             </a:r>
+            <a:endParaRPr lang="zh-CN" altLang="en-US" sz="2000" kern="100" dirty="0">
+              <a:latin typeface="微软雅黑" panose="020B0503020204020204" pitchFamily="34" charset="-122"/>
+              <a:ea typeface="微软雅黑" panose="020B0503020204020204" pitchFamily="34" charset="-122"/>
+              <a:cs typeface="Times New Roman" panose="02020603050405020304" pitchFamily="18" charset="0"/>
+            </a:endParaRPr>
           </a:p>
           <a:p>
             <a:pPr>
@@ -3977,6 +3794,11 @@
               </a:rPr>
               <a:t>第三方库等说明）</a:t>
             </a:r>
+            <a:endParaRPr lang="zh-CN" altLang="en-US" sz="2000" kern="100" dirty="0">
+              <a:latin typeface="微软雅黑" panose="020B0503020204020204" pitchFamily="34" charset="-122"/>
+              <a:ea typeface="微软雅黑" panose="020B0503020204020204" pitchFamily="34" charset="-122"/>
+              <a:cs typeface="Times New Roman" panose="02020603050405020304" pitchFamily="18" charset="0"/>
+            </a:endParaRPr>
           </a:p>
           <a:p>
             <a:pPr>
@@ -4016,6 +3838,11 @@
               </a:rPr>
               <a:t>并行度等超参）</a:t>
             </a:r>
+            <a:endParaRPr lang="zh-CN" altLang="en-US" sz="2000" kern="100" dirty="0">
+              <a:latin typeface="微软雅黑" panose="020B0503020204020204" pitchFamily="34" charset="-122"/>
+              <a:ea typeface="微软雅黑" panose="020B0503020204020204" pitchFamily="34" charset="-122"/>
+              <a:cs typeface="Times New Roman" panose="02020603050405020304" pitchFamily="18" charset="0"/>
+            </a:endParaRPr>
           </a:p>
           <a:p>
             <a:pPr>
@@ -4055,6 +3882,11 @@
               </a:rPr>
               <a:t>)</a:t>
             </a:r>
+            <a:endParaRPr lang="en-US" altLang="zh-CN" sz="2000" kern="100" dirty="0">
+              <a:latin typeface="微软雅黑" panose="020B0503020204020204" pitchFamily="34" charset="-122"/>
+              <a:ea typeface="微软雅黑" panose="020B0503020204020204" pitchFamily="34" charset="-122"/>
+              <a:cs typeface="Times New Roman" panose="02020603050405020304" pitchFamily="18" charset="0"/>
+            </a:endParaRPr>
           </a:p>
           <a:p>
             <a:pPr>
@@ -4094,6 +3926,11 @@
               </a:rPr>
               <a:t>)</a:t>
             </a:r>
+            <a:endParaRPr lang="en-US" altLang="zh-CN" sz="2000" kern="100" dirty="0">
+              <a:latin typeface="微软雅黑" panose="020B0503020204020204" pitchFamily="34" charset="-122"/>
+              <a:ea typeface="微软雅黑" panose="020B0503020204020204" pitchFamily="34" charset="-122"/>
+              <a:cs typeface="Times New Roman" panose="02020603050405020304" pitchFamily="18" charset="0"/>
+            </a:endParaRPr>
           </a:p>
           <a:p>
             <a:pPr>
@@ -4173,15 +4010,15 @@
               </a:rPr>
               <a:t>)</a:t>
             </a:r>
+            <a:endParaRPr lang="en-US" altLang="zh-CN" sz="2000" kern="100" dirty="0">
+              <a:latin typeface="微软雅黑" panose="020B0503020204020204" pitchFamily="34" charset="-122"/>
+              <a:ea typeface="微软雅黑" panose="020B0503020204020204" pitchFamily="34" charset="-122"/>
+              <a:cs typeface="Times New Roman" panose="02020603050405020304" pitchFamily="18" charset="0"/>
+            </a:endParaRPr>
           </a:p>
         </p:txBody>
       </p:sp>
     </p:spTree>
-    <p:extLst>
-      <p:ext uri="{BB962C8B-B14F-4D97-AF65-F5344CB8AC3E}">
-        <p14:creationId xmlns:p14="http://schemas.microsoft.com/office/powerpoint/2010/main" val="649736071"/>
-      </p:ext>
-    </p:extLst>
   </p:cSld>
   <p:clrMapOvr>
     <a:masterClrMapping/>
@@ -4208,13 +4045,7 @@
       </p:grpSpPr>
       <p:sp>
         <p:nvSpPr>
-          <p:cNvPr id="2" name="副标题 1">
-            <a:extLst>
-              <a:ext uri="{FF2B5EF4-FFF2-40B4-BE49-F238E27FC236}">
-                <a16:creationId xmlns:a16="http://schemas.microsoft.com/office/drawing/2014/main" id="{CB5C7999-E189-F57A-482E-276B930CDA60}"/>
-              </a:ext>
-            </a:extLst>
-          </p:cNvPr>
+          <p:cNvPr id="2" name="副标题 1"/>
           <p:cNvSpPr>
             <a:spLocks noGrp="1"/>
           </p:cNvSpPr>
@@ -4233,18 +4064,13 @@
               <a:rPr lang="zh-CN" altLang="en-US" dirty="0"/>
               <a:t>后续计划</a:t>
             </a:r>
+            <a:endParaRPr lang="zh-CN" altLang="en-US" dirty="0"/>
           </a:p>
         </p:txBody>
       </p:sp>
       <p:sp>
         <p:nvSpPr>
-          <p:cNvPr id="3" name="文本占位符 2">
-            <a:extLst>
-              <a:ext uri="{FF2B5EF4-FFF2-40B4-BE49-F238E27FC236}">
-                <a16:creationId xmlns:a16="http://schemas.microsoft.com/office/drawing/2014/main" id="{81F54416-1079-2E3D-B6B8-7F00D8AC3CCD}"/>
-              </a:ext>
-            </a:extLst>
-          </p:cNvPr>
+          <p:cNvPr id="3" name="文本占位符 2"/>
           <p:cNvSpPr>
             <a:spLocks noGrp="1"/>
           </p:cNvSpPr>
@@ -4261,15 +4087,11 @@
               <a:rPr lang="zh-CN" altLang="en-US" sz="2000" dirty="0"/>
               <a:t>后续工作计划和预期效果</a:t>
             </a:r>
+            <a:endParaRPr lang="zh-CN" altLang="en-US" sz="2000" dirty="0"/>
           </a:p>
         </p:txBody>
       </p:sp>
     </p:spTree>
-    <p:extLst>
-      <p:ext uri="{BB962C8B-B14F-4D97-AF65-F5344CB8AC3E}">
-        <p14:creationId xmlns:p14="http://schemas.microsoft.com/office/powerpoint/2010/main" val="3990489902"/>
-      </p:ext>
-    </p:extLst>
   </p:cSld>
   <p:clrMapOvr>
     <a:masterClrMapping/>
@@ -4296,13 +4118,7 @@
       </p:grpSpPr>
       <p:sp>
         <p:nvSpPr>
-          <p:cNvPr id="2" name="副标题 1">
-            <a:extLst>
-              <a:ext uri="{FF2B5EF4-FFF2-40B4-BE49-F238E27FC236}">
-                <a16:creationId xmlns:a16="http://schemas.microsoft.com/office/drawing/2014/main" id="{CB5C7999-E189-F57A-482E-276B930CDA60}"/>
-              </a:ext>
-            </a:extLst>
-          </p:cNvPr>
+          <p:cNvPr id="2" name="副标题 1"/>
           <p:cNvSpPr>
             <a:spLocks noGrp="1"/>
           </p:cNvSpPr>
@@ -4321,18 +4137,13 @@
               <a:rPr lang="zh-CN" altLang="en-US" dirty="0"/>
               <a:t>作业完成情况</a:t>
             </a:r>
+            <a:endParaRPr lang="zh-CN" altLang="en-US" dirty="0"/>
           </a:p>
         </p:txBody>
       </p:sp>
       <p:sp>
         <p:nvSpPr>
-          <p:cNvPr id="3" name="文本占位符 2">
-            <a:extLst>
-              <a:ext uri="{FF2B5EF4-FFF2-40B4-BE49-F238E27FC236}">
-                <a16:creationId xmlns:a16="http://schemas.microsoft.com/office/drawing/2014/main" id="{81F54416-1079-2E3D-B6B8-7F00D8AC3CCD}"/>
-              </a:ext>
-            </a:extLst>
-          </p:cNvPr>
+          <p:cNvPr id="3" name="文本占位符 2"/>
           <p:cNvSpPr>
             <a:spLocks noGrp="1"/>
           </p:cNvSpPr>
@@ -4350,11 +4161,6 @@
         </p:txBody>
       </p:sp>
     </p:spTree>
-    <p:extLst>
-      <p:ext uri="{BB962C8B-B14F-4D97-AF65-F5344CB8AC3E}">
-        <p14:creationId xmlns:p14="http://schemas.microsoft.com/office/powerpoint/2010/main" val="682342065"/>
-      </p:ext>
-    </p:extLst>
   </p:cSld>
   <p:clrMapOvr>
     <a:masterClrMapping/>
@@ -4381,13 +4187,7 @@
       </p:grpSpPr>
       <p:sp>
         <p:nvSpPr>
-          <p:cNvPr id="2" name="副标题 1">
-            <a:extLst>
-              <a:ext uri="{FF2B5EF4-FFF2-40B4-BE49-F238E27FC236}">
-                <a16:creationId xmlns:a16="http://schemas.microsoft.com/office/drawing/2014/main" id="{CB5C7999-E189-F57A-482E-276B930CDA60}"/>
-              </a:ext>
-            </a:extLst>
-          </p:cNvPr>
+          <p:cNvPr id="2" name="副标题 1"/>
           <p:cNvSpPr>
             <a:spLocks noGrp="1"/>
           </p:cNvSpPr>
@@ -4406,18 +4206,13 @@
               <a:rPr lang="zh-CN" altLang="en-US" dirty="0"/>
               <a:t>学习心得分享</a:t>
             </a:r>
+            <a:endParaRPr lang="zh-CN" altLang="en-US" dirty="0"/>
           </a:p>
         </p:txBody>
       </p:sp>
       <p:sp>
         <p:nvSpPr>
-          <p:cNvPr id="3" name="文本占位符 2">
-            <a:extLst>
-              <a:ext uri="{FF2B5EF4-FFF2-40B4-BE49-F238E27FC236}">
-                <a16:creationId xmlns:a16="http://schemas.microsoft.com/office/drawing/2014/main" id="{81F54416-1079-2E3D-B6B8-7F00D8AC3CCD}"/>
-              </a:ext>
-            </a:extLst>
-          </p:cNvPr>
+          <p:cNvPr id="3" name="文本占位符 2"/>
           <p:cNvSpPr>
             <a:spLocks noGrp="1"/>
           </p:cNvSpPr>
@@ -4435,11 +4230,6 @@
         </p:txBody>
       </p:sp>
     </p:spTree>
-    <p:extLst>
-      <p:ext uri="{BB962C8B-B14F-4D97-AF65-F5344CB8AC3E}">
-        <p14:creationId xmlns:p14="http://schemas.microsoft.com/office/powerpoint/2010/main" val="3474882773"/>
-      </p:ext>
-    </p:extLst>
   </p:cSld>
   <p:clrMapOvr>
     <a:masterClrMapping/>
@@ -4466,13 +4256,7 @@
       </p:grpSpPr>
       <p:sp>
         <p:nvSpPr>
-          <p:cNvPr id="2" name="副标题 1">
-            <a:extLst>
-              <a:ext uri="{FF2B5EF4-FFF2-40B4-BE49-F238E27FC236}">
-                <a16:creationId xmlns:a16="http://schemas.microsoft.com/office/drawing/2014/main" id="{CB5C7999-E189-F57A-482E-276B930CDA60}"/>
-              </a:ext>
-            </a:extLst>
-          </p:cNvPr>
+          <p:cNvPr id="2" name="副标题 1"/>
           <p:cNvSpPr>
             <a:spLocks noGrp="1"/>
           </p:cNvSpPr>
@@ -4491,18 +4275,13 @@
               <a:rPr lang="zh-CN" altLang="en-US" dirty="0"/>
               <a:t>总结</a:t>
             </a:r>
+            <a:endParaRPr lang="zh-CN" altLang="en-US" dirty="0"/>
           </a:p>
         </p:txBody>
       </p:sp>
       <p:sp>
         <p:nvSpPr>
-          <p:cNvPr id="3" name="文本占位符 2">
-            <a:extLst>
-              <a:ext uri="{FF2B5EF4-FFF2-40B4-BE49-F238E27FC236}">
-                <a16:creationId xmlns:a16="http://schemas.microsoft.com/office/drawing/2014/main" id="{81F54416-1079-2E3D-B6B8-7F00D8AC3CCD}"/>
-              </a:ext>
-            </a:extLst>
-          </p:cNvPr>
+          <p:cNvPr id="3" name="文本占位符 2"/>
           <p:cNvSpPr>
             <a:spLocks noGrp="1"/>
           </p:cNvSpPr>
@@ -4515,16 +4294,107 @@
           <a:bodyPr/>
           <a:lstStyle/>
           <a:p>
+            <a:pPr marL="0" indent="0" algn="l">
+              <a:lnSpc>
+                <a:spcPct val="100000"/>
+              </a:lnSpc>
+              <a:buClrTx/>
+              <a:buSzTx/>
+              <a:buNone/>
+            </a:pPr>
+            <a:r>
+              <a:rPr lang="zh-CN" altLang="en-US" sz="2000" kern="100" dirty="0">
+                <a:latin typeface="微软雅黑" panose="020B0503020204020204" pitchFamily="34" charset="-122"/>
+                <a:ea typeface="微软雅黑" panose="020B0503020204020204" pitchFamily="34" charset="-122"/>
+                <a:cs typeface="Times New Roman" panose="02020603050405020304" pitchFamily="18" charset="0"/>
+              </a:rPr>
+              <a:t>结营总结：</a:t>
+            </a:r>
+            <a:endParaRPr lang="zh-CN" altLang="en-US" sz="2000" kern="100" dirty="0">
+              <a:latin typeface="微软雅黑" panose="020B0503020204020204" pitchFamily="34" charset="-122"/>
+              <a:ea typeface="微软雅黑" panose="020B0503020204020204" pitchFamily="34" charset="-122"/>
+              <a:cs typeface="Times New Roman" panose="02020603050405020304" pitchFamily="18" charset="0"/>
+            </a:endParaRPr>
+          </a:p>
+          <a:p>
+            <a:pPr marL="0" indent="0" algn="l">
+              <a:lnSpc>
+                <a:spcPct val="100000"/>
+              </a:lnSpc>
+              <a:buClrTx/>
+              <a:buSzTx/>
+              <a:buNone/>
+            </a:pPr>
+            <a:r>
+              <a:rPr lang="en-US" altLang="zh-CN" sz="2000" kern="100" dirty="0">
+                <a:latin typeface="微软雅黑" panose="020B0503020204020204" pitchFamily="34" charset="-122"/>
+                <a:ea typeface="微软雅黑" panose="020B0503020204020204" pitchFamily="34" charset="-122"/>
+                <a:cs typeface="Times New Roman" panose="02020603050405020304" pitchFamily="18" charset="0"/>
+              </a:rPr>
+              <a:t>       </a:t>
+            </a:r>
+            <a:r>
+              <a:rPr lang="zh-CN" altLang="en-US" sz="2000" kern="100" dirty="0">
+                <a:latin typeface="微软雅黑" panose="020B0503020204020204" pitchFamily="34" charset="-122"/>
+                <a:ea typeface="微软雅黑" panose="020B0503020204020204" pitchFamily="34" charset="-122"/>
+                <a:cs typeface="Times New Roman" panose="02020603050405020304" pitchFamily="18" charset="0"/>
+              </a:rPr>
+              <a:t>在这段时间里，我有幸参加了华为MindSpore的培训，获得了许多宝贵的经验和知识。</a:t>
+            </a:r>
+            <a:r>
+              <a:rPr lang="en-US" altLang="zh-CN" sz="2000" kern="100" dirty="0">
+                <a:latin typeface="微软雅黑" panose="020B0503020204020204" pitchFamily="34" charset="-122"/>
+                <a:ea typeface="微软雅黑" panose="020B0503020204020204" pitchFamily="34" charset="-122"/>
+                <a:cs typeface="Times New Roman" panose="02020603050405020304" pitchFamily="18" charset="0"/>
+              </a:rPr>
+              <a:t>    </a:t>
+            </a:r>
+            <a:endParaRPr lang="zh-CN" altLang="en-US" sz="2000" kern="100" dirty="0">
+              <a:latin typeface="微软雅黑" panose="020B0503020204020204" pitchFamily="34" charset="-122"/>
+              <a:ea typeface="微软雅黑" panose="020B0503020204020204" pitchFamily="34" charset="-122"/>
+              <a:cs typeface="Times New Roman" panose="02020603050405020304" pitchFamily="18" charset="0"/>
+            </a:endParaRPr>
+          </a:p>
+          <a:p>
+            <a:pPr marL="0" indent="0" algn="l">
+              <a:lnSpc>
+                <a:spcPct val="100000"/>
+              </a:lnSpc>
+              <a:buClrTx/>
+              <a:buSzTx/>
+              <a:buNone/>
+            </a:pPr>
+            <a:r>
+              <a:rPr lang="en-US" altLang="zh-CN" sz="2000" kern="100" dirty="0">
+                <a:latin typeface="微软雅黑" panose="020B0503020204020204" pitchFamily="34" charset="-122"/>
+                <a:ea typeface="微软雅黑" panose="020B0503020204020204" pitchFamily="34" charset="-122"/>
+                <a:cs typeface="Times New Roman" panose="02020603050405020304" pitchFamily="18" charset="0"/>
+              </a:rPr>
+              <a:t>       </a:t>
+            </a:r>
+            <a:r>
+              <a:rPr lang="zh-CN" altLang="en-US" sz="2000" kern="100" dirty="0">
+                <a:latin typeface="微软雅黑" panose="020B0503020204020204" pitchFamily="34" charset="-122"/>
+                <a:ea typeface="微软雅黑" panose="020B0503020204020204" pitchFamily="34" charset="-122"/>
+                <a:cs typeface="Times New Roman" panose="02020603050405020304" pitchFamily="18" charset="0"/>
+              </a:rPr>
+              <a:t>通过MindSpore的培训课程，我深入了解了深度学习框架的原理和MindSpore的特点。我学会了如何使用MindSpore构建神经网络模型，进行训练和推理，并对模型进行优化和部署。在实践项目中，我有机会将所学的知识付诸实践，解决了实际的问题。通过在MindSpore平台上实现图像分类、目标检测或其他任务，我提高了自己的编程能力和问题解决能力。MindSpore作为新兴的深度学习框架，具有很大的发展潜力。我希望在未来能够继续深入学习和探索MindSpore，将其运用到更多的项目和应用中，为解决现实生活中的问题贡献自己的力量。</a:t>
+            </a:r>
+            <a:r>
+              <a:rPr lang="en-US" altLang="zh-CN" sz="2000" dirty="0"/>
+              <a:t>	</a:t>
+            </a:r>
+            <a:endParaRPr lang="zh-CN" altLang="en-US" sz="2000" dirty="0"/>
+          </a:p>
+          <a:p>
+            <a:pPr marL="0" indent="0">
+              <a:buNone/>
+            </a:pPr>
             <a:endParaRPr lang="zh-CN" altLang="en-US" sz="2000" dirty="0"/>
           </a:p>
         </p:txBody>
       </p:sp>
     </p:spTree>
-    <p:extLst>
-      <p:ext uri="{BB962C8B-B14F-4D97-AF65-F5344CB8AC3E}">
-        <p14:creationId xmlns:p14="http://schemas.microsoft.com/office/powerpoint/2010/main" val="903413145"/>
-      </p:ext>
-    </p:extLst>
   </p:cSld>
   <p:clrMapOvr>
     <a:masterClrMapping/>
@@ -4551,13 +4421,7 @@
       </p:grpSpPr>
       <p:sp>
         <p:nvSpPr>
-          <p:cNvPr id="2" name="副标题 1">
-            <a:extLst>
-              <a:ext uri="{FF2B5EF4-FFF2-40B4-BE49-F238E27FC236}">
-                <a16:creationId xmlns:a16="http://schemas.microsoft.com/office/drawing/2014/main" id="{E1D6CF3C-D71C-F029-1570-008C16008816}"/>
-              </a:ext>
-            </a:extLst>
-          </p:cNvPr>
+          <p:cNvPr id="2" name="副标题 1"/>
           <p:cNvSpPr>
             <a:spLocks noGrp="1"/>
           </p:cNvSpPr>
@@ -4584,18 +4448,13 @@
               <a:rPr lang="zh-CN" altLang="en-US" dirty="0"/>
               <a:t>创新训练营 实践项目汇报</a:t>
             </a:r>
+            <a:endParaRPr lang="zh-CN" altLang="en-US" dirty="0"/>
           </a:p>
         </p:txBody>
       </p:sp>
       <p:sp>
         <p:nvSpPr>
-          <p:cNvPr id="3" name="文本框 2">
-            <a:extLst>
-              <a:ext uri="{FF2B5EF4-FFF2-40B4-BE49-F238E27FC236}">
-                <a16:creationId xmlns:a16="http://schemas.microsoft.com/office/drawing/2014/main" id="{D061E1C8-B23C-806C-6BAD-9E50CD2AFE2A}"/>
-              </a:ext>
-            </a:extLst>
-          </p:cNvPr>
+          <p:cNvPr id="3" name="文本框 2"/>
           <p:cNvSpPr txBox="1"/>
           <p:nvPr/>
         </p:nvSpPr>
@@ -4622,35 +4481,35 @@
             </a:pPr>
             <a:r>
               <a:rPr lang="zh-CN" altLang="en-US" b="1" dirty="0">
-                <a:latin typeface="Microsoft YaHei" panose="020B0503020204020204" pitchFamily="34" charset="-122"/>
-                <a:ea typeface="Microsoft YaHei" panose="020B0503020204020204" pitchFamily="34" charset="-122"/>
+                <a:latin typeface="微软雅黑" panose="020B0503020204020204" pitchFamily="34" charset="-122"/>
+                <a:ea typeface="微软雅黑" panose="020B0503020204020204" pitchFamily="34" charset="-122"/>
               </a:rPr>
               <a:t>团队名称</a:t>
             </a:r>
             <a:r>
               <a:rPr lang="zh-CN" altLang="en-US" dirty="0">
-                <a:latin typeface="Microsoft YaHei" panose="020B0503020204020204" pitchFamily="34" charset="-122"/>
-                <a:ea typeface="Microsoft YaHei" panose="020B0503020204020204" pitchFamily="34" charset="-122"/>
+                <a:latin typeface="微软雅黑" panose="020B0503020204020204" pitchFamily="34" charset="-122"/>
+                <a:ea typeface="微软雅黑" panose="020B0503020204020204" pitchFamily="34" charset="-122"/>
               </a:rPr>
               <a:t>：</a:t>
             </a:r>
             <a:r>
               <a:rPr lang="en-US" altLang="zh-CN" dirty="0">
-                <a:latin typeface="Microsoft YaHei" panose="020B0503020204020204" pitchFamily="34" charset="-122"/>
-                <a:ea typeface="Microsoft YaHei" panose="020B0503020204020204" pitchFamily="34" charset="-122"/>
+                <a:latin typeface="微软雅黑" panose="020B0503020204020204" pitchFamily="34" charset="-122"/>
+                <a:ea typeface="微软雅黑" panose="020B0503020204020204" pitchFamily="34" charset="-122"/>
               </a:rPr>
               <a:t>XXXX</a:t>
             </a:r>
             <a:r>
               <a:rPr lang="zh-CN" altLang="en-US" dirty="0">
-                <a:latin typeface="Microsoft YaHei" panose="020B0503020204020204" pitchFamily="34" charset="-122"/>
-                <a:ea typeface="Microsoft YaHei" panose="020B0503020204020204" pitchFamily="34" charset="-122"/>
+                <a:latin typeface="微软雅黑" panose="020B0503020204020204" pitchFamily="34" charset="-122"/>
+                <a:ea typeface="微软雅黑" panose="020B0503020204020204" pitchFamily="34" charset="-122"/>
               </a:rPr>
               <a:t>小组</a:t>
             </a:r>
             <a:endParaRPr lang="en-US" altLang="zh-CN" dirty="0">
-              <a:latin typeface="Microsoft YaHei" panose="020B0503020204020204" pitchFamily="34" charset="-122"/>
-              <a:ea typeface="Microsoft YaHei" panose="020B0503020204020204" pitchFamily="34" charset="-122"/>
+              <a:latin typeface="微软雅黑" panose="020B0503020204020204" pitchFamily="34" charset="-122"/>
+              <a:ea typeface="微软雅黑" panose="020B0503020204020204" pitchFamily="34" charset="-122"/>
             </a:endParaRPr>
           </a:p>
           <a:p>
@@ -4661,40 +4520,32 @@
             </a:pPr>
             <a:r>
               <a:rPr lang="zh-CN" altLang="en-US" b="1" dirty="0">
-                <a:latin typeface="Microsoft YaHei" panose="020B0503020204020204" pitchFamily="34" charset="-122"/>
-                <a:ea typeface="Microsoft YaHei" panose="020B0503020204020204" pitchFamily="34" charset="-122"/>
+                <a:latin typeface="微软雅黑" panose="020B0503020204020204" pitchFamily="34" charset="-122"/>
+                <a:ea typeface="微软雅黑" panose="020B0503020204020204" pitchFamily="34" charset="-122"/>
               </a:rPr>
               <a:t>项目名称</a:t>
             </a:r>
             <a:r>
               <a:rPr lang="zh-CN" altLang="en-US" dirty="0">
-                <a:latin typeface="Microsoft YaHei" panose="020B0503020204020204" pitchFamily="34" charset="-122"/>
-                <a:ea typeface="Microsoft YaHei" panose="020B0503020204020204" pitchFamily="34" charset="-122"/>
+                <a:latin typeface="微软雅黑" panose="020B0503020204020204" pitchFamily="34" charset="-122"/>
+                <a:ea typeface="微软雅黑" panose="020B0503020204020204" pitchFamily="34" charset="-122"/>
               </a:rPr>
               <a:t>：</a:t>
             </a:r>
+            <a:endParaRPr lang="zh-CN" altLang="en-US" dirty="0">
+              <a:latin typeface="微软雅黑" panose="020B0503020204020204" pitchFamily="34" charset="-122"/>
+              <a:ea typeface="微软雅黑" panose="020B0503020204020204" pitchFamily="34" charset="-122"/>
+            </a:endParaRPr>
           </a:p>
         </p:txBody>
       </p:sp>
       <p:graphicFrame>
         <p:nvGraphicFramePr>
-          <p:cNvPr id="5" name="表格 5">
-            <a:extLst>
-              <a:ext uri="{FF2B5EF4-FFF2-40B4-BE49-F238E27FC236}">
-                <a16:creationId xmlns:a16="http://schemas.microsoft.com/office/drawing/2014/main" id="{8AD6AABB-9903-5727-53AC-57A524734AF1}"/>
-              </a:ext>
-            </a:extLst>
-          </p:cNvPr>
+          <p:cNvPr id="5" name="表格 5"/>
           <p:cNvGraphicFramePr>
             <a:graphicFrameLocks noGrp="1"/>
           </p:cNvGraphicFramePr>
-          <p:nvPr>
-            <p:extLst>
-              <p:ext uri="{D42A27DB-BD31-4B8C-83A1-F6EECF244321}">
-                <p14:modId xmlns:p14="http://schemas.microsoft.com/office/powerpoint/2010/main" val="3742678833"/>
-              </p:ext>
-            </p:extLst>
-          </p:nvPr>
+          <p:nvPr/>
         </p:nvGraphicFramePr>
         <p:xfrm>
           <a:off x="1297858" y="4228149"/>
@@ -4707,27 +4558,9 @@
                 <a:tableStyleId>{5FD0F851-EC5A-4D38-B0AD-8093EC10F338}</a:tableStyleId>
               </a:tblPr>
               <a:tblGrid>
-                <a:gridCol w="2709333">
-                  <a:extLst>
-                    <a:ext uri="{9D8B030D-6E8A-4147-A177-3AD203B41FA5}">
-                      <a16:colId xmlns:a16="http://schemas.microsoft.com/office/drawing/2014/main" val="70055299"/>
-                    </a:ext>
-                  </a:extLst>
-                </a:gridCol>
-                <a:gridCol w="2709333">
-                  <a:extLst>
-                    <a:ext uri="{9D8B030D-6E8A-4147-A177-3AD203B41FA5}">
-                      <a16:colId xmlns:a16="http://schemas.microsoft.com/office/drawing/2014/main" val="1254692984"/>
-                    </a:ext>
-                  </a:extLst>
-                </a:gridCol>
-                <a:gridCol w="2709333">
-                  <a:extLst>
-                    <a:ext uri="{9D8B030D-6E8A-4147-A177-3AD203B41FA5}">
-                      <a16:colId xmlns:a16="http://schemas.microsoft.com/office/drawing/2014/main" val="2839519479"/>
-                    </a:ext>
-                  </a:extLst>
-                </a:gridCol>
+                <a:gridCol w="2709333"/>
+                <a:gridCol w="2709333"/>
+                <a:gridCol w="2709333"/>
               </a:tblGrid>
               <a:tr h="347983">
                 <a:tc>
@@ -4739,6 +4572,7 @@
                         <a:rPr lang="zh-CN" altLang="en-US" sz="1600" dirty="0"/>
                         <a:t>成员姓名：</a:t>
                       </a:r>
+                      <a:endParaRPr lang="zh-CN" altLang="en-US" sz="1600" dirty="0"/>
                     </a:p>
                   </a:txBody>
                   <a:tcPr/>
@@ -4752,6 +4586,7 @@
                         <a:rPr lang="zh-CN" altLang="en-US" sz="1600" dirty="0"/>
                         <a:t>学校</a:t>
                       </a:r>
+                      <a:endParaRPr lang="zh-CN" altLang="en-US" sz="1600" dirty="0"/>
                     </a:p>
                   </a:txBody>
                   <a:tcPr/>
@@ -4765,15 +4600,11 @@
                         <a:rPr lang="zh-CN" altLang="en-US" sz="1600" dirty="0"/>
                         <a:t>专业</a:t>
                       </a:r>
+                      <a:endParaRPr lang="zh-CN" altLang="en-US" sz="1600" dirty="0"/>
                     </a:p>
                   </a:txBody>
                   <a:tcPr/>
                 </a:tc>
-                <a:extLst>
-                  <a:ext uri="{0D108BD9-81ED-4DB2-BD59-A6C34878D82A}">
-                    <a16:rowId xmlns:a16="http://schemas.microsoft.com/office/drawing/2014/main" val="145759653"/>
-                  </a:ext>
-                </a:extLst>
               </a:tr>
               <a:tr h="347983">
                 <a:tc>
@@ -4818,11 +4649,6 @@
                   </a:txBody>
                   <a:tcPr/>
                 </a:tc>
-                <a:extLst>
-                  <a:ext uri="{0D108BD9-81ED-4DB2-BD59-A6C34878D82A}">
-                    <a16:rowId xmlns:a16="http://schemas.microsoft.com/office/drawing/2014/main" val="4069825754"/>
-                  </a:ext>
-                </a:extLst>
               </a:tr>
               <a:tr h="347983">
                 <a:tc>
@@ -4867,11 +4693,6 @@
                   </a:txBody>
                   <a:tcPr/>
                 </a:tc>
-                <a:extLst>
-                  <a:ext uri="{0D108BD9-81ED-4DB2-BD59-A6C34878D82A}">
-                    <a16:rowId xmlns:a16="http://schemas.microsoft.com/office/drawing/2014/main" val="3095885937"/>
-                  </a:ext>
-                </a:extLst>
               </a:tr>
               <a:tr h="347983">
                 <a:tc>
@@ -4916,11 +4737,6 @@
                   </a:txBody>
                   <a:tcPr/>
                 </a:tc>
-                <a:extLst>
-                  <a:ext uri="{0D108BD9-81ED-4DB2-BD59-A6C34878D82A}">
-                    <a16:rowId xmlns:a16="http://schemas.microsoft.com/office/drawing/2014/main" val="3426077593"/>
-                  </a:ext>
-                </a:extLst>
               </a:tr>
             </a:tbl>
           </a:graphicData>
@@ -4928,13 +4744,7 @@
       </p:graphicFrame>
       <p:sp>
         <p:nvSpPr>
-          <p:cNvPr id="6" name="文本框 5">
-            <a:extLst>
-              <a:ext uri="{FF2B5EF4-FFF2-40B4-BE49-F238E27FC236}">
-                <a16:creationId xmlns:a16="http://schemas.microsoft.com/office/drawing/2014/main" id="{765B924D-4C5B-C6C0-3BD9-40AE96230357}"/>
-              </a:ext>
-            </a:extLst>
-          </p:cNvPr>
+          <p:cNvPr id="6" name="文本框 5"/>
           <p:cNvSpPr txBox="1"/>
           <p:nvPr/>
         </p:nvSpPr>
@@ -4961,20 +4771,19 @@
             </a:pPr>
             <a:r>
               <a:rPr lang="zh-CN" altLang="en-US" sz="1600" dirty="0">
-                <a:latin typeface="Microsoft YaHei" panose="020B0503020204020204" pitchFamily="34" charset="-122"/>
-                <a:ea typeface="Microsoft YaHei" panose="020B0503020204020204" pitchFamily="34" charset="-122"/>
+                <a:latin typeface="微软雅黑" panose="020B0503020204020204" pitchFamily="34" charset="-122"/>
+                <a:ea typeface="微软雅黑" panose="020B0503020204020204" pitchFamily="34" charset="-122"/>
               </a:rPr>
               <a:t>小组成员：</a:t>
             </a:r>
+            <a:endParaRPr lang="zh-CN" altLang="en-US" sz="1600" dirty="0">
+              <a:latin typeface="微软雅黑" panose="020B0503020204020204" pitchFamily="34" charset="-122"/>
+              <a:ea typeface="微软雅黑" panose="020B0503020204020204" pitchFamily="34" charset="-122"/>
+            </a:endParaRPr>
           </a:p>
         </p:txBody>
       </p:sp>
     </p:spTree>
-    <p:extLst>
-      <p:ext uri="{BB962C8B-B14F-4D97-AF65-F5344CB8AC3E}">
-        <p14:creationId xmlns:p14="http://schemas.microsoft.com/office/powerpoint/2010/main" val="3335143522"/>
-      </p:ext>
-    </p:extLst>
   </p:cSld>
   <p:clrMapOvr>
     <a:masterClrMapping/>
@@ -5001,13 +4810,7 @@
       </p:grpSpPr>
       <p:sp>
         <p:nvSpPr>
-          <p:cNvPr id="2" name="副标题 1">
-            <a:extLst>
-              <a:ext uri="{FF2B5EF4-FFF2-40B4-BE49-F238E27FC236}">
-                <a16:creationId xmlns:a16="http://schemas.microsoft.com/office/drawing/2014/main" id="{CB5C7999-E189-F57A-482E-276B930CDA60}"/>
-              </a:ext>
-            </a:extLst>
-          </p:cNvPr>
+          <p:cNvPr id="2" name="副标题 1"/>
           <p:cNvSpPr>
             <a:spLocks noGrp="1"/>
           </p:cNvSpPr>
@@ -5026,18 +4829,13 @@
               <a:rPr lang="zh-CN" altLang="en-US" dirty="0"/>
               <a:t>项目简述</a:t>
             </a:r>
+            <a:endParaRPr lang="zh-CN" altLang="en-US" dirty="0"/>
           </a:p>
         </p:txBody>
       </p:sp>
       <p:sp>
         <p:nvSpPr>
-          <p:cNvPr id="3" name="文本占位符 2">
-            <a:extLst>
-              <a:ext uri="{FF2B5EF4-FFF2-40B4-BE49-F238E27FC236}">
-                <a16:creationId xmlns:a16="http://schemas.microsoft.com/office/drawing/2014/main" id="{B15EC656-26D0-92BD-8554-81E9DB167FD7}"/>
-              </a:ext>
-            </a:extLst>
-          </p:cNvPr>
+          <p:cNvPr id="3" name="文本占位符 2"/>
           <p:cNvSpPr>
             <a:spLocks noGrp="1"/>
           </p:cNvSpPr>
@@ -5125,15 +4923,13 @@
               </a:rPr>
               <a:t>团队介绍和分工</a:t>
             </a:r>
+            <a:endParaRPr lang="zh-CN" altLang="en-US" sz="2000" dirty="0">
+              <a:latin typeface="+mn-ea"/>
+            </a:endParaRPr>
           </a:p>
         </p:txBody>
       </p:sp>
     </p:spTree>
-    <p:extLst>
-      <p:ext uri="{BB962C8B-B14F-4D97-AF65-F5344CB8AC3E}">
-        <p14:creationId xmlns:p14="http://schemas.microsoft.com/office/powerpoint/2010/main" val="1621928915"/>
-      </p:ext>
-    </p:extLst>
   </p:cSld>
   <p:clrMapOvr>
     <a:masterClrMapping/>
@@ -5160,13 +4956,7 @@
       </p:grpSpPr>
       <p:sp>
         <p:nvSpPr>
-          <p:cNvPr id="2" name="副标题 1">
-            <a:extLst>
-              <a:ext uri="{FF2B5EF4-FFF2-40B4-BE49-F238E27FC236}">
-                <a16:creationId xmlns:a16="http://schemas.microsoft.com/office/drawing/2014/main" id="{CB5C7999-E189-F57A-482E-276B930CDA60}"/>
-              </a:ext>
-            </a:extLst>
-          </p:cNvPr>
+          <p:cNvPr id="2" name="副标题 1"/>
           <p:cNvSpPr>
             <a:spLocks noGrp="1"/>
           </p:cNvSpPr>
@@ -5185,18 +4975,13 @@
               <a:rPr lang="zh-CN" altLang="en-US" dirty="0"/>
               <a:t>团队介绍</a:t>
             </a:r>
+            <a:endParaRPr lang="zh-CN" altLang="en-US" dirty="0"/>
           </a:p>
         </p:txBody>
       </p:sp>
       <p:sp>
         <p:nvSpPr>
-          <p:cNvPr id="3" name="文本占位符 2">
-            <a:extLst>
-              <a:ext uri="{FF2B5EF4-FFF2-40B4-BE49-F238E27FC236}">
-                <a16:creationId xmlns:a16="http://schemas.microsoft.com/office/drawing/2014/main" id="{B15EC656-26D0-92BD-8554-81E9DB167FD7}"/>
-              </a:ext>
-            </a:extLst>
-          </p:cNvPr>
+          <p:cNvPr id="3" name="文本占位符 2"/>
           <p:cNvSpPr>
             <a:spLocks noGrp="1"/>
           </p:cNvSpPr>
@@ -5215,15 +5000,13 @@
               </a:rPr>
               <a:t>团队介绍和分工</a:t>
             </a:r>
+            <a:endParaRPr lang="zh-CN" altLang="en-US" sz="2000" dirty="0">
+              <a:latin typeface="+mn-ea"/>
+            </a:endParaRPr>
           </a:p>
         </p:txBody>
       </p:sp>
     </p:spTree>
-    <p:extLst>
-      <p:ext uri="{BB962C8B-B14F-4D97-AF65-F5344CB8AC3E}">
-        <p14:creationId xmlns:p14="http://schemas.microsoft.com/office/powerpoint/2010/main" val="4169485876"/>
-      </p:ext>
-    </p:extLst>
   </p:cSld>
   <p:clrMapOvr>
     <a:masterClrMapping/>
@@ -5250,13 +5033,7 @@
       </p:grpSpPr>
       <p:sp>
         <p:nvSpPr>
-          <p:cNvPr id="2" name="副标题 1">
-            <a:extLst>
-              <a:ext uri="{FF2B5EF4-FFF2-40B4-BE49-F238E27FC236}">
-                <a16:creationId xmlns:a16="http://schemas.microsoft.com/office/drawing/2014/main" id="{CB5C7999-E189-F57A-482E-276B930CDA60}"/>
-              </a:ext>
-            </a:extLst>
-          </p:cNvPr>
+          <p:cNvPr id="2" name="副标题 1"/>
           <p:cNvSpPr>
             <a:spLocks noGrp="1"/>
           </p:cNvSpPr>
@@ -5275,18 +5052,13 @@
               <a:rPr lang="zh-CN" altLang="en-US" dirty="0"/>
               <a:t>问题定义：</a:t>
             </a:r>
+            <a:endParaRPr lang="zh-CN" altLang="en-US" dirty="0"/>
           </a:p>
         </p:txBody>
       </p:sp>
       <p:sp>
         <p:nvSpPr>
-          <p:cNvPr id="4" name="文本占位符 3">
-            <a:extLst>
-              <a:ext uri="{FF2B5EF4-FFF2-40B4-BE49-F238E27FC236}">
-                <a16:creationId xmlns:a16="http://schemas.microsoft.com/office/drawing/2014/main" id="{7A5B841E-582E-D83C-F907-5BBE2A5E0C50}"/>
-              </a:ext>
-            </a:extLst>
-          </p:cNvPr>
+          <p:cNvPr id="4" name="文本占位符 3"/>
           <p:cNvSpPr>
             <a:spLocks noGrp="1"/>
           </p:cNvSpPr>
@@ -5306,54 +5078,54 @@
             </a:pPr>
             <a:r>
               <a:rPr lang="zh-CN" altLang="en-US" sz="2000" dirty="0">
-                <a:latin typeface="Microsoft YaHei" panose="020B0503020204020204" pitchFamily="34" charset="-122"/>
-                <a:ea typeface="Microsoft YaHei" panose="020B0503020204020204" pitchFamily="34" charset="-122"/>
+                <a:latin typeface="微软雅黑" panose="020B0503020204020204" pitchFamily="34" charset="-122"/>
+                <a:ea typeface="微软雅黑" panose="020B0503020204020204" pitchFamily="34" charset="-122"/>
               </a:rPr>
               <a:t>问题定义：</a:t>
             </a:r>
             <a:endParaRPr lang="en-US" altLang="zh-CN" sz="2000" dirty="0">
-              <a:latin typeface="Microsoft YaHei" panose="020B0503020204020204" pitchFamily="34" charset="-122"/>
-              <a:ea typeface="Microsoft YaHei" panose="020B0503020204020204" pitchFamily="34" charset="-122"/>
+              <a:latin typeface="微软雅黑" panose="020B0503020204020204" pitchFamily="34" charset="-122"/>
+              <a:ea typeface="微软雅黑" panose="020B0503020204020204" pitchFamily="34" charset="-122"/>
             </a:endParaRPr>
           </a:p>
           <a:p>
-            <a:pPr marL="936088" lvl="1" indent="-342900">
+            <a:pPr marL="935990" lvl="1" indent="-342900">
               <a:lnSpc>
                 <a:spcPts val="3440"/>
               </a:lnSpc>
             </a:pPr>
             <a:r>
               <a:rPr lang="zh-CN" altLang="en-US" dirty="0">
-                <a:latin typeface="Microsoft YaHei" panose="020B0503020204020204" pitchFamily="34" charset="-122"/>
-                <a:ea typeface="Microsoft YaHei" panose="020B0503020204020204" pitchFamily="34" charset="-122"/>
+                <a:latin typeface="微软雅黑" panose="020B0503020204020204" pitchFamily="34" charset="-122"/>
+                <a:ea typeface="微软雅黑" panose="020B0503020204020204" pitchFamily="34" charset="-122"/>
               </a:rPr>
               <a:t>项目要解决什么样的实际问题</a:t>
             </a:r>
             <a:endParaRPr lang="en-US" altLang="zh-CN" dirty="0">
-              <a:latin typeface="Microsoft YaHei" panose="020B0503020204020204" pitchFamily="34" charset="-122"/>
-              <a:ea typeface="Microsoft YaHei" panose="020B0503020204020204" pitchFamily="34" charset="-122"/>
+              <a:latin typeface="微软雅黑" panose="020B0503020204020204" pitchFamily="34" charset="-122"/>
+              <a:ea typeface="微软雅黑" panose="020B0503020204020204" pitchFamily="34" charset="-122"/>
             </a:endParaRPr>
           </a:p>
           <a:p>
-            <a:pPr marL="936088" lvl="1" indent="-342900">
+            <a:pPr marL="935990" lvl="1" indent="-342900">
               <a:lnSpc>
                 <a:spcPts val="3440"/>
               </a:lnSpc>
             </a:pPr>
             <a:r>
               <a:rPr lang="zh-CN" altLang="en-US" dirty="0">
-                <a:latin typeface="Microsoft YaHei" panose="020B0503020204020204" pitchFamily="34" charset="-122"/>
-                <a:ea typeface="Microsoft YaHei" panose="020B0503020204020204" pitchFamily="34" charset="-122"/>
+                <a:latin typeface="微软雅黑" panose="020B0503020204020204" pitchFamily="34" charset="-122"/>
+                <a:ea typeface="微软雅黑" panose="020B0503020204020204" pitchFamily="34" charset="-122"/>
               </a:rPr>
               <a:t>这些问题有什么痛点和难点</a:t>
             </a:r>
             <a:endParaRPr lang="en-US" altLang="zh-CN" dirty="0">
-              <a:latin typeface="Microsoft YaHei" panose="020B0503020204020204" pitchFamily="34" charset="-122"/>
-              <a:ea typeface="Microsoft YaHei" panose="020B0503020204020204" pitchFamily="34" charset="-122"/>
+              <a:latin typeface="微软雅黑" panose="020B0503020204020204" pitchFamily="34" charset="-122"/>
+              <a:ea typeface="微软雅黑" panose="020B0503020204020204" pitchFamily="34" charset="-122"/>
             </a:endParaRPr>
           </a:p>
           <a:p>
-            <a:pPr marL="936088" lvl="1" indent="-342900">
+            <a:pPr marL="935990" lvl="1" indent="-342900">
               <a:lnSpc>
                 <a:spcPts val="3440"/>
               </a:lnSpc>
@@ -5367,8 +5139,8 @@
               <a:t>问题解决所带来的商业和社会价值</a:t>
             </a:r>
             <a:endParaRPr lang="zh-CN" altLang="en-US" dirty="0">
-              <a:latin typeface="Microsoft YaHei" panose="020B0503020204020204" pitchFamily="34" charset="-122"/>
-              <a:ea typeface="Microsoft YaHei" panose="020B0503020204020204" pitchFamily="34" charset="-122"/>
+              <a:latin typeface="微软雅黑" panose="020B0503020204020204" pitchFamily="34" charset="-122"/>
+              <a:ea typeface="微软雅黑" panose="020B0503020204020204" pitchFamily="34" charset="-122"/>
             </a:endParaRPr>
           </a:p>
           <a:p>
@@ -5380,11 +5152,6 @@
         </p:txBody>
       </p:sp>
     </p:spTree>
-    <p:extLst>
-      <p:ext uri="{BB962C8B-B14F-4D97-AF65-F5344CB8AC3E}">
-        <p14:creationId xmlns:p14="http://schemas.microsoft.com/office/powerpoint/2010/main" val="520680265"/>
-      </p:ext>
-    </p:extLst>
   </p:cSld>
   <p:clrMapOvr>
     <a:masterClrMapping/>
@@ -5411,13 +5178,7 @@
       </p:grpSpPr>
       <p:sp>
         <p:nvSpPr>
-          <p:cNvPr id="2" name="副标题 1">
-            <a:extLst>
-              <a:ext uri="{FF2B5EF4-FFF2-40B4-BE49-F238E27FC236}">
-                <a16:creationId xmlns:a16="http://schemas.microsoft.com/office/drawing/2014/main" id="{CB5C7999-E189-F57A-482E-276B930CDA60}"/>
-              </a:ext>
-            </a:extLst>
-          </p:cNvPr>
+          <p:cNvPr id="2" name="副标题 1"/>
           <p:cNvSpPr>
             <a:spLocks noGrp="1"/>
           </p:cNvSpPr>
@@ -5436,18 +5197,13 @@
               <a:rPr lang="zh-CN" altLang="en-US" dirty="0"/>
               <a:t>技术方案</a:t>
             </a:r>
+            <a:endParaRPr lang="zh-CN" altLang="en-US" dirty="0"/>
           </a:p>
         </p:txBody>
       </p:sp>
       <p:sp>
         <p:nvSpPr>
-          <p:cNvPr id="3" name="文本占位符 2">
-            <a:extLst>
-              <a:ext uri="{FF2B5EF4-FFF2-40B4-BE49-F238E27FC236}">
-                <a16:creationId xmlns:a16="http://schemas.microsoft.com/office/drawing/2014/main" id="{620D5260-392D-4755-E867-248D5853878A}"/>
-              </a:ext>
-            </a:extLst>
-          </p:cNvPr>
+          <p:cNvPr id="3" name="文本占位符 2"/>
           <p:cNvSpPr>
             <a:spLocks noGrp="1"/>
           </p:cNvSpPr>
@@ -5495,15 +5251,13 @@
               </a:rPr>
               <a:t>已有方案存在哪些不足和问题</a:t>
             </a:r>
+            <a:endParaRPr lang="zh-CN" altLang="en-US" sz="2000" dirty="0">
+              <a:latin typeface="+mn-ea"/>
+            </a:endParaRPr>
           </a:p>
         </p:txBody>
       </p:sp>
     </p:spTree>
-    <p:extLst>
-      <p:ext uri="{BB962C8B-B14F-4D97-AF65-F5344CB8AC3E}">
-        <p14:creationId xmlns:p14="http://schemas.microsoft.com/office/powerpoint/2010/main" val="1935645397"/>
-      </p:ext>
-    </p:extLst>
   </p:cSld>
   <p:clrMapOvr>
     <a:masterClrMapping/>
@@ -5530,13 +5284,7 @@
       </p:grpSpPr>
       <p:sp>
         <p:nvSpPr>
-          <p:cNvPr id="2" name="副标题 1">
-            <a:extLst>
-              <a:ext uri="{FF2B5EF4-FFF2-40B4-BE49-F238E27FC236}">
-                <a16:creationId xmlns:a16="http://schemas.microsoft.com/office/drawing/2014/main" id="{CB5C7999-E189-F57A-482E-276B930CDA60}"/>
-              </a:ext>
-            </a:extLst>
-          </p:cNvPr>
+          <p:cNvPr id="2" name="副标题 1"/>
           <p:cNvSpPr>
             <a:spLocks noGrp="1"/>
           </p:cNvSpPr>
@@ -5555,18 +5303,13 @@
               <a:rPr lang="zh-CN" altLang="en-US" dirty="0"/>
               <a:t>技术方案</a:t>
             </a:r>
+            <a:endParaRPr lang="zh-CN" altLang="en-US" dirty="0"/>
           </a:p>
         </p:txBody>
       </p:sp>
       <p:sp>
         <p:nvSpPr>
-          <p:cNvPr id="3" name="文本占位符 2">
-            <a:extLst>
-              <a:ext uri="{FF2B5EF4-FFF2-40B4-BE49-F238E27FC236}">
-                <a16:creationId xmlns:a16="http://schemas.microsoft.com/office/drawing/2014/main" id="{620D5260-392D-4755-E867-248D5853878A}"/>
-              </a:ext>
-            </a:extLst>
-          </p:cNvPr>
+          <p:cNvPr id="3" name="文本占位符 2"/>
           <p:cNvSpPr>
             <a:spLocks noGrp="1"/>
           </p:cNvSpPr>
@@ -5653,15 +5396,15 @@
               </a:rPr>
               <a:t>下游任务和方法</a:t>
             </a:r>
+            <a:endParaRPr lang="zh-CN" altLang="en-US" sz="2000" kern="100" dirty="0">
+              <a:latin typeface="微软雅黑" panose="020B0503020204020204" pitchFamily="34" charset="-122"/>
+              <a:ea typeface="微软雅黑" panose="020B0503020204020204" pitchFamily="34" charset="-122"/>
+              <a:cs typeface="Times New Roman" panose="02020603050405020304" pitchFamily="18" charset="0"/>
+            </a:endParaRPr>
           </a:p>
         </p:txBody>
       </p:sp>
     </p:spTree>
-    <p:extLst>
-      <p:ext uri="{BB962C8B-B14F-4D97-AF65-F5344CB8AC3E}">
-        <p14:creationId xmlns:p14="http://schemas.microsoft.com/office/powerpoint/2010/main" val="2089206562"/>
-      </p:ext>
-    </p:extLst>
   </p:cSld>
   <p:clrMapOvr>
     <a:masterClrMapping/>
@@ -5688,13 +5431,7 @@
       </p:grpSpPr>
       <p:sp>
         <p:nvSpPr>
-          <p:cNvPr id="2" name="副标题 1">
-            <a:extLst>
-              <a:ext uri="{FF2B5EF4-FFF2-40B4-BE49-F238E27FC236}">
-                <a16:creationId xmlns:a16="http://schemas.microsoft.com/office/drawing/2014/main" id="{CB5C7999-E189-F57A-482E-276B930CDA60}"/>
-              </a:ext>
-            </a:extLst>
-          </p:cNvPr>
+          <p:cNvPr id="2" name="副标题 1"/>
           <p:cNvSpPr>
             <a:spLocks noGrp="1"/>
           </p:cNvSpPr>
@@ -5713,18 +5450,13 @@
               <a:rPr lang="zh-CN" altLang="en-US" dirty="0"/>
               <a:t>技术方案</a:t>
             </a:r>
+            <a:endParaRPr lang="zh-CN" altLang="en-US" dirty="0"/>
           </a:p>
         </p:txBody>
       </p:sp>
       <p:sp>
         <p:nvSpPr>
-          <p:cNvPr id="3" name="文本占位符 2">
-            <a:extLst>
-              <a:ext uri="{FF2B5EF4-FFF2-40B4-BE49-F238E27FC236}">
-                <a16:creationId xmlns:a16="http://schemas.microsoft.com/office/drawing/2014/main" id="{620D5260-392D-4755-E867-248D5853878A}"/>
-              </a:ext>
-            </a:extLst>
-          </p:cNvPr>
+          <p:cNvPr id="3" name="文本占位符 2"/>
           <p:cNvSpPr>
             <a:spLocks noGrp="1"/>
           </p:cNvSpPr>
@@ -5793,11 +5525,6 @@
         </p:txBody>
       </p:sp>
     </p:spTree>
-    <p:extLst>
-      <p:ext uri="{BB962C8B-B14F-4D97-AF65-F5344CB8AC3E}">
-        <p14:creationId xmlns:p14="http://schemas.microsoft.com/office/powerpoint/2010/main" val="1702725269"/>
-      </p:ext>
-    </p:extLst>
   </p:cSld>
   <p:clrMapOvr>
     <a:masterClrMapping/>
@@ -5824,13 +5551,7 @@
       </p:grpSpPr>
       <p:sp>
         <p:nvSpPr>
-          <p:cNvPr id="2" name="副标题 1">
-            <a:extLst>
-              <a:ext uri="{FF2B5EF4-FFF2-40B4-BE49-F238E27FC236}">
-                <a16:creationId xmlns:a16="http://schemas.microsoft.com/office/drawing/2014/main" id="{CB5C7999-E189-F57A-482E-276B930CDA60}"/>
-              </a:ext>
-            </a:extLst>
-          </p:cNvPr>
+          <p:cNvPr id="2" name="副标题 1"/>
           <p:cNvSpPr>
             <a:spLocks noGrp="1"/>
           </p:cNvSpPr>
@@ -5849,18 +5570,13 @@
               <a:rPr lang="zh-CN" altLang="en-US" dirty="0"/>
               <a:t>技术方案</a:t>
             </a:r>
+            <a:endParaRPr lang="zh-CN" altLang="en-US" dirty="0"/>
           </a:p>
         </p:txBody>
       </p:sp>
       <p:sp>
         <p:nvSpPr>
-          <p:cNvPr id="3" name="文本占位符 2">
-            <a:extLst>
-              <a:ext uri="{FF2B5EF4-FFF2-40B4-BE49-F238E27FC236}">
-                <a16:creationId xmlns:a16="http://schemas.microsoft.com/office/drawing/2014/main" id="{620D5260-392D-4755-E867-248D5853878A}"/>
-              </a:ext>
-            </a:extLst>
-          </p:cNvPr>
+          <p:cNvPr id="3" name="文本占位符 2"/>
           <p:cNvSpPr>
             <a:spLocks noGrp="1"/>
           </p:cNvSpPr>
@@ -5907,20 +5623,26 @@
               </a:rPr>
               <a:t>下游任务和方法</a:t>
             </a:r>
+            <a:endParaRPr lang="zh-CN" altLang="en-US" sz="2000" kern="100" dirty="0">
+              <a:latin typeface="微软雅黑" panose="020B0503020204020204" pitchFamily="34" charset="-122"/>
+              <a:ea typeface="微软雅黑" panose="020B0503020204020204" pitchFamily="34" charset="-122"/>
+              <a:cs typeface="Times New Roman" panose="02020603050405020304" pitchFamily="18" charset="0"/>
+            </a:endParaRPr>
           </a:p>
         </p:txBody>
       </p:sp>
     </p:spTree>
-    <p:extLst>
-      <p:ext uri="{BB962C8B-B14F-4D97-AF65-F5344CB8AC3E}">
-        <p14:creationId xmlns:p14="http://schemas.microsoft.com/office/powerpoint/2010/main" val="3292460231"/>
-      </p:ext>
-    </p:extLst>
   </p:cSld>
   <p:clrMapOvr>
     <a:masterClrMapping/>
   </p:clrMapOvr>
 </p:sld>
+</file>
+
+<file path=ppt/tags/tag1.xml><?xml version="1.0" encoding="utf-8"?>
+<p:tagLst xmlns:p="http://schemas.openxmlformats.org/presentationml/2006/main">
+  <p:tag name="commondata" val="eyJoZGlkIjoiODgxNWNmZTNlODc4ZTdjMDczNjVkNGVkY2NjMjZkOTEifQ=="/>
+</p:tagLst>
 </file>
 
 <file path=ppt/theme/theme1.xml><?xml version="1.0" encoding="utf-8"?>
@@ -5966,12 +5688,12 @@
     </a:clrScheme>
     <a:fontScheme name="fidpmvyv">
       <a:majorFont>
-        <a:latin typeface="Huawei Sans" panose="020B0A04020102020204"/>
+        <a:latin typeface="Huawei Sans"/>
         <a:ea typeface="微软雅黑"/>
         <a:cs typeface=""/>
       </a:majorFont>
       <a:minorFont>
-        <a:latin typeface="Huawei Sans" panose="020B0604020202020204"/>
+        <a:latin typeface="Huawei Sans"/>
         <a:ea typeface="微软雅黑"/>
         <a:cs typeface=""/>
       </a:minorFont>
@@ -6160,17 +5882,16 @@
             <a:spcPts val="3440"/>
           </a:lnSpc>
           <a:defRPr sz="3200" dirty="0" smtClean="0">
-            <a:latin typeface="Microsoft YaHei" panose="020B0503020204020204" pitchFamily="34" charset="-122"/>
-            <a:ea typeface="Microsoft YaHei" panose="020B0503020204020204" pitchFamily="34" charset="-122"/>
+            <a:latin typeface="微软雅黑" panose="020B0503020204020204" pitchFamily="34" charset="-122"/>
+            <a:ea typeface="微软雅黑" panose="020B0503020204020204" pitchFamily="34" charset="-122"/>
           </a:defRPr>
         </a:defPPr>
       </a:lstStyle>
     </a:txDef>
   </a:objectDefaults>
-  <a:extraClrSchemeLst/>
   <a:extLst>
     <a:ext uri="{05A4C25C-085E-4340-85A3-A5531E510DB2}">
-      <thm15:themeFamily xmlns:thm15="http://schemas.microsoft.com/office/thememl/2012/main" name="PPT模板.pptx" id="{B4542FC2-A7B2-4ED3-BB20-F6750F3E246A}" vid="{200B2CC3-038E-4B68-ADA0-F89367E15FF9}"/>
+      <thm15:themeFamily xmlns:thm15="http://schemas.microsoft.com/office/thememl/2012/main" name="Office Theme" id="{62F939B6-93AF-4DB8-9C6B-D6C7DFDC589F}" vid="{4A3C46E8-61CC-4603-A589-7422A47A8E4A}"/>
     </a:ext>
   </a:extLst>
 </a:theme>
@@ -6219,7 +5940,7 @@
     </a:clrScheme>
     <a:fontScheme name="Office">
       <a:majorFont>
-        <a:latin typeface="等线 Light" panose="020F0302020204030204"/>
+        <a:latin typeface="等线 Light"/>
         <a:ea typeface=""/>
         <a:cs typeface=""/>
         <a:font script="Jpan" typeface="游ゴシック Light"/>
@@ -6252,26 +5973,9 @@
         <a:font script="Viet" typeface="Times New Roman"/>
         <a:font script="Uigh" typeface="Microsoft Uighur"/>
         <a:font script="Geor" typeface="Sylfaen"/>
-        <a:font script="Armn" typeface="Arial"/>
-        <a:font script="Bugi" typeface="Leelawadee UI"/>
-        <a:font script="Bopo" typeface="Microsoft JhengHei"/>
-        <a:font script="Java" typeface="Javanese Text"/>
-        <a:font script="Lisu" typeface="Segoe UI"/>
-        <a:font script="Mymr" typeface="Myanmar Text"/>
-        <a:font script="Nkoo" typeface="Ebrima"/>
-        <a:font script="Olck" typeface="Nirmala UI"/>
-        <a:font script="Osma" typeface="Ebrima"/>
-        <a:font script="Phag" typeface="Phagspa"/>
-        <a:font script="Syrn" typeface="Estrangelo Edessa"/>
-        <a:font script="Syrj" typeface="Estrangelo Edessa"/>
-        <a:font script="Syre" typeface="Estrangelo Edessa"/>
-        <a:font script="Sora" typeface="Nirmala UI"/>
-        <a:font script="Tale" typeface="Microsoft Tai Le"/>
-        <a:font script="Talu" typeface="Microsoft New Tai Lue"/>
-        <a:font script="Tfng" typeface="Ebrima"/>
       </a:majorFont>
       <a:minorFont>
-        <a:latin typeface="等线" panose="020F0502020204030204"/>
+        <a:latin typeface="等线"/>
         <a:ea typeface=""/>
         <a:cs typeface=""/>
         <a:font script="Jpan" typeface="游ゴシック"/>
@@ -6304,23 +6008,6 @@
         <a:font script="Viet" typeface="Arial"/>
         <a:font script="Uigh" typeface="Microsoft Uighur"/>
         <a:font script="Geor" typeface="Sylfaen"/>
-        <a:font script="Armn" typeface="Arial"/>
-        <a:font script="Bugi" typeface="Leelawadee UI"/>
-        <a:font script="Bopo" typeface="Microsoft JhengHei"/>
-        <a:font script="Java" typeface="Javanese Text"/>
-        <a:font script="Lisu" typeface="Segoe UI"/>
-        <a:font script="Mymr" typeface="Myanmar Text"/>
-        <a:font script="Nkoo" typeface="Ebrima"/>
-        <a:font script="Olck" typeface="Nirmala UI"/>
-        <a:font script="Osma" typeface="Ebrima"/>
-        <a:font script="Phag" typeface="Phagspa"/>
-        <a:font script="Syrn" typeface="Estrangelo Edessa"/>
-        <a:font script="Syrj" typeface="Estrangelo Edessa"/>
-        <a:font script="Syre" typeface="Estrangelo Edessa"/>
-        <a:font script="Sora" typeface="Nirmala UI"/>
-        <a:font script="Tale" typeface="Microsoft Tai Le"/>
-        <a:font script="Talu" typeface="Microsoft New Tai Lue"/>
-        <a:font script="Tfng" typeface="Ebrima"/>
       </a:minorFont>
     </a:fontScheme>
     <a:fmtScheme name="Office">
@@ -6461,8 +6148,6 @@
       </a:bgFillStyleLst>
     </a:fmtScheme>
   </a:themeElements>
-  <a:objectDefaults/>
-  <a:extraClrSchemeLst/>
   <a:extLst>
     <a:ext uri="{05A4C25C-085E-4340-85A3-A5531E510DB2}">
       <thm15:themeFamily xmlns:thm15="http://schemas.microsoft.com/office/thememl/2012/main" name="Office Theme" id="{62F939B6-93AF-4DB8-9C6B-D6C7DFDC589F}" vid="{4A3C46E8-61CC-4603-A589-7422A47A8E4A}"/>
